--- a/8. Survival_for_top_genes/Presentation_Pics.pptx
+++ b/8. Survival_for_top_genes/Presentation_Pics.pptx
@@ -5,21 +5,50 @@
     <p:sldMasterId id="2147483648" r:id="rId1"/>
   </p:sldMasterIdLst>
   <p:notesMasterIdLst>
-    <p:notesMasterId r:id="rId14"/>
+    <p:notesMasterId r:id="rId43"/>
   </p:notesMasterIdLst>
   <p:sldIdLst>
     <p:sldId id="258" r:id="rId2"/>
     <p:sldId id="259" r:id="rId3"/>
     <p:sldId id="260" r:id="rId4"/>
     <p:sldId id="261" r:id="rId5"/>
-    <p:sldId id="256" r:id="rId6"/>
-    <p:sldId id="257" r:id="rId7"/>
-    <p:sldId id="262" r:id="rId8"/>
-    <p:sldId id="263" r:id="rId9"/>
-    <p:sldId id="265" r:id="rId10"/>
-    <p:sldId id="264" r:id="rId11"/>
-    <p:sldId id="267" r:id="rId12"/>
+    <p:sldId id="262" r:id="rId6"/>
+    <p:sldId id="263" r:id="rId7"/>
+    <p:sldId id="264" r:id="rId8"/>
+    <p:sldId id="265" r:id="rId9"/>
+    <p:sldId id="274" r:id="rId10"/>
+    <p:sldId id="275" r:id="rId11"/>
+    <p:sldId id="276" r:id="rId12"/>
     <p:sldId id="266" r:id="rId13"/>
+    <p:sldId id="267" r:id="rId14"/>
+    <p:sldId id="268" r:id="rId15"/>
+    <p:sldId id="269" r:id="rId16"/>
+    <p:sldId id="270" r:id="rId17"/>
+    <p:sldId id="271" r:id="rId18"/>
+    <p:sldId id="272" r:id="rId19"/>
+    <p:sldId id="273" r:id="rId20"/>
+    <p:sldId id="277" r:id="rId21"/>
+    <p:sldId id="278" r:id="rId22"/>
+    <p:sldId id="279" r:id="rId23"/>
+    <p:sldId id="280" r:id="rId24"/>
+    <p:sldId id="281" r:id="rId25"/>
+    <p:sldId id="282" r:id="rId26"/>
+    <p:sldId id="283" r:id="rId27"/>
+    <p:sldId id="284" r:id="rId28"/>
+    <p:sldId id="285" r:id="rId29"/>
+    <p:sldId id="286" r:id="rId30"/>
+    <p:sldId id="287" r:id="rId31"/>
+    <p:sldId id="288" r:id="rId32"/>
+    <p:sldId id="289" r:id="rId33"/>
+    <p:sldId id="290" r:id="rId34"/>
+    <p:sldId id="291" r:id="rId35"/>
+    <p:sldId id="292" r:id="rId36"/>
+    <p:sldId id="293" r:id="rId37"/>
+    <p:sldId id="294" r:id="rId38"/>
+    <p:sldId id="295" r:id="rId39"/>
+    <p:sldId id="296" r:id="rId40"/>
+    <p:sldId id="297" r:id="rId41"/>
+    <p:sldId id="298" r:id="rId42"/>
   </p:sldIdLst>
   <p:sldSz cx="12192000" cy="6858000"/>
   <p:notesSz cx="6858000" cy="9144000"/>
@@ -129,7 +158,7 @@
 <file path=ppt/revisionInfo.xml><?xml version="1.0" encoding="utf-8"?>
 <p1510:revInfo xmlns:a="http://schemas.openxmlformats.org/drawingml/2006/main" xmlns:r="http://schemas.openxmlformats.org/officeDocument/2006/relationships" xmlns:p1510="http://schemas.microsoft.com/office/powerpoint/2015/10/main">
   <p1510:revLst>
-    <p1510:client id="{06C22407-4A85-4247-86FE-E1EA3F0F2FCE}" v="13" dt="2024-07-30T16:57:14.266"/>
+    <p1510:client id="{0B7A6A91-304E-1C4A-81D7-A13789DB7EB8}" v="46" dt="2024-08-31T17:58:00.268"/>
   </p1510:revLst>
 </p1510:revInfo>
 </file>
@@ -593,6 +622,1586 @@
             <ac:picMk id="7" creationId="{9CE42312-A951-8886-504D-286F235E4314}"/>
           </ac:picMkLst>
         </pc:picChg>
+      </pc:sldChg>
+    </pc:docChg>
+  </pc:docChgLst>
+  <pc:docChgLst>
+    <pc:chgData name="Ben Knight" userId="6cbbd36b-0bd9-4edf-ad5d-bdee13dfda16" providerId="ADAL" clId="{0B7A6A91-304E-1C4A-81D7-A13789DB7EB8}"/>
+    <pc:docChg chg="undo custSel addSld delSld modSld">
+      <pc:chgData name="Ben Knight" userId="6cbbd36b-0bd9-4edf-ad5d-bdee13dfda16" providerId="ADAL" clId="{0B7A6A91-304E-1C4A-81D7-A13789DB7EB8}" dt="2024-08-31T17:58:16.527" v="542" actId="478"/>
+      <pc:docMkLst>
+        <pc:docMk/>
+      </pc:docMkLst>
+      <pc:sldChg chg="del">
+        <pc:chgData name="Ben Knight" userId="6cbbd36b-0bd9-4edf-ad5d-bdee13dfda16" providerId="ADAL" clId="{0B7A6A91-304E-1C4A-81D7-A13789DB7EB8}" dt="2024-08-31T17:26:20.126" v="19" actId="2696"/>
+        <pc:sldMkLst>
+          <pc:docMk/>
+          <pc:sldMk cId="1183995492" sldId="256"/>
+        </pc:sldMkLst>
+      </pc:sldChg>
+      <pc:sldChg chg="del">
+        <pc:chgData name="Ben Knight" userId="6cbbd36b-0bd9-4edf-ad5d-bdee13dfda16" providerId="ADAL" clId="{0B7A6A91-304E-1C4A-81D7-A13789DB7EB8}" dt="2024-08-31T17:26:20.299" v="20" actId="2696"/>
+        <pc:sldMkLst>
+          <pc:docMk/>
+          <pc:sldMk cId="1352556573" sldId="257"/>
+        </pc:sldMkLst>
+      </pc:sldChg>
+      <pc:sldChg chg="addSp delSp modSp mod setBg">
+        <pc:chgData name="Ben Knight" userId="6cbbd36b-0bd9-4edf-ad5d-bdee13dfda16" providerId="ADAL" clId="{0B7A6A91-304E-1C4A-81D7-A13789DB7EB8}" dt="2024-08-31T17:37:26.594" v="272" actId="1076"/>
+        <pc:sldMkLst>
+          <pc:docMk/>
+          <pc:sldMk cId="856435187" sldId="258"/>
+        </pc:sldMkLst>
+        <pc:spChg chg="del">
+          <ac:chgData name="Ben Knight" userId="6cbbd36b-0bd9-4edf-ad5d-bdee13dfda16" providerId="ADAL" clId="{0B7A6A91-304E-1C4A-81D7-A13789DB7EB8}" dt="2024-08-31T17:25:55.934" v="3" actId="478"/>
+          <ac:spMkLst>
+            <pc:docMk/>
+            <pc:sldMk cId="856435187" sldId="258"/>
+            <ac:spMk id="2" creationId="{5A1A92E8-6FD7-7574-5928-35F8F391E78A}"/>
+          </ac:spMkLst>
+        </pc:spChg>
+        <pc:spChg chg="add del mod">
+          <ac:chgData name="Ben Knight" userId="6cbbd36b-0bd9-4edf-ad5d-bdee13dfda16" providerId="ADAL" clId="{0B7A6A91-304E-1C4A-81D7-A13789DB7EB8}" dt="2024-08-31T17:25:55.934" v="3" actId="478"/>
+          <ac:spMkLst>
+            <pc:docMk/>
+            <pc:sldMk cId="856435187" sldId="258"/>
+            <ac:spMk id="4" creationId="{311B197D-4A52-704B-E541-C44E8B156593}"/>
+          </ac:spMkLst>
+        </pc:spChg>
+        <pc:picChg chg="del mod">
+          <ac:chgData name="Ben Knight" userId="6cbbd36b-0bd9-4edf-ad5d-bdee13dfda16" providerId="ADAL" clId="{0B7A6A91-304E-1C4A-81D7-A13789DB7EB8}" dt="2024-08-31T17:25:05.111" v="2" actId="478"/>
+          <ac:picMkLst>
+            <pc:docMk/>
+            <pc:sldMk cId="856435187" sldId="258"/>
+            <ac:picMk id="5" creationId="{8A4B3DB5-B19C-649E-2D73-372670472300}"/>
+          </ac:picMkLst>
+        </pc:picChg>
+        <pc:picChg chg="del">
+          <ac:chgData name="Ben Knight" userId="6cbbd36b-0bd9-4edf-ad5d-bdee13dfda16" providerId="ADAL" clId="{0B7A6A91-304E-1C4A-81D7-A13789DB7EB8}" dt="2024-08-31T17:25:05.111" v="2" actId="478"/>
+          <ac:picMkLst>
+            <pc:docMk/>
+            <pc:sldMk cId="856435187" sldId="258"/>
+            <ac:picMk id="7" creationId="{1746ED84-84B3-2407-6D70-F16D0F55A5F7}"/>
+          </ac:picMkLst>
+        </pc:picChg>
+        <pc:picChg chg="add mod">
+          <ac:chgData name="Ben Knight" userId="6cbbd36b-0bd9-4edf-ad5d-bdee13dfda16" providerId="ADAL" clId="{0B7A6A91-304E-1C4A-81D7-A13789DB7EB8}" dt="2024-08-31T17:37:26.594" v="272" actId="1076"/>
+          <ac:picMkLst>
+            <pc:docMk/>
+            <pc:sldMk cId="856435187" sldId="258"/>
+            <ac:picMk id="9" creationId="{6DB11223-824C-A664-60A3-13ED00EE5632}"/>
+          </ac:picMkLst>
+        </pc:picChg>
+        <pc:picChg chg="add mod">
+          <ac:chgData name="Ben Knight" userId="6cbbd36b-0bd9-4edf-ad5d-bdee13dfda16" providerId="ADAL" clId="{0B7A6A91-304E-1C4A-81D7-A13789DB7EB8}" dt="2024-08-31T17:37:26.594" v="272" actId="1076"/>
+          <ac:picMkLst>
+            <pc:docMk/>
+            <pc:sldMk cId="856435187" sldId="258"/>
+            <ac:picMk id="11" creationId="{1119C3D6-A6D0-D80F-E3CF-3D9342024392}"/>
+          </ac:picMkLst>
+        </pc:picChg>
+      </pc:sldChg>
+      <pc:sldChg chg="addSp delSp modSp new mod">
+        <pc:chgData name="Ben Knight" userId="6cbbd36b-0bd9-4edf-ad5d-bdee13dfda16" providerId="ADAL" clId="{0B7A6A91-304E-1C4A-81D7-A13789DB7EB8}" dt="2024-08-31T17:27:42.957" v="63" actId="14100"/>
+        <pc:sldMkLst>
+          <pc:docMk/>
+          <pc:sldMk cId="2464605890" sldId="259"/>
+        </pc:sldMkLst>
+        <pc:spChg chg="del">
+          <ac:chgData name="Ben Knight" userId="6cbbd36b-0bd9-4edf-ad5d-bdee13dfda16" providerId="ADAL" clId="{0B7A6A91-304E-1C4A-81D7-A13789DB7EB8}" dt="2024-08-31T17:26:42.051" v="34"/>
+          <ac:spMkLst>
+            <pc:docMk/>
+            <pc:sldMk cId="2464605890" sldId="259"/>
+            <ac:spMk id="3" creationId="{2DEDFB6F-C725-2623-F90C-C1162BB0D527}"/>
+          </ac:spMkLst>
+        </pc:spChg>
+        <pc:picChg chg="add mod">
+          <ac:chgData name="Ben Knight" userId="6cbbd36b-0bd9-4edf-ad5d-bdee13dfda16" providerId="ADAL" clId="{0B7A6A91-304E-1C4A-81D7-A13789DB7EB8}" dt="2024-08-31T17:27:42.957" v="63" actId="14100"/>
+          <ac:picMkLst>
+            <pc:docMk/>
+            <pc:sldMk cId="2464605890" sldId="259"/>
+            <ac:picMk id="5" creationId="{2E1624A8-3DEA-6B9D-D379-1FF511711F05}"/>
+          </ac:picMkLst>
+        </pc:picChg>
+        <pc:picChg chg="add mod">
+          <ac:chgData name="Ben Knight" userId="6cbbd36b-0bd9-4edf-ad5d-bdee13dfda16" providerId="ADAL" clId="{0B7A6A91-304E-1C4A-81D7-A13789DB7EB8}" dt="2024-08-31T17:27:38.756" v="61" actId="14100"/>
+          <ac:picMkLst>
+            <pc:docMk/>
+            <pc:sldMk cId="2464605890" sldId="259"/>
+            <ac:picMk id="7" creationId="{A22C040F-4AF8-169B-9A3A-D201BE5FB10D}"/>
+          </ac:picMkLst>
+        </pc:picChg>
+      </pc:sldChg>
+      <pc:sldChg chg="del">
+        <pc:chgData name="Ben Knight" userId="6cbbd36b-0bd9-4edf-ad5d-bdee13dfda16" providerId="ADAL" clId="{0B7A6A91-304E-1C4A-81D7-A13789DB7EB8}" dt="2024-08-31T17:26:18.692" v="16" actId="2696"/>
+        <pc:sldMkLst>
+          <pc:docMk/>
+          <pc:sldMk cId="4177914376" sldId="259"/>
+        </pc:sldMkLst>
+      </pc:sldChg>
+      <pc:sldChg chg="addSp delSp modSp new mod">
+        <pc:chgData name="Ben Knight" userId="6cbbd36b-0bd9-4edf-ad5d-bdee13dfda16" providerId="ADAL" clId="{0B7A6A91-304E-1C4A-81D7-A13789DB7EB8}" dt="2024-08-31T17:27:51.024" v="66" actId="1076"/>
+        <pc:sldMkLst>
+          <pc:docMk/>
+          <pc:sldMk cId="2114021470" sldId="260"/>
+        </pc:sldMkLst>
+        <pc:spChg chg="del">
+          <ac:chgData name="Ben Knight" userId="6cbbd36b-0bd9-4edf-ad5d-bdee13dfda16" providerId="ADAL" clId="{0B7A6A91-304E-1C4A-81D7-A13789DB7EB8}" dt="2024-08-31T17:27:12.048" v="48"/>
+          <ac:spMkLst>
+            <pc:docMk/>
+            <pc:sldMk cId="2114021470" sldId="260"/>
+            <ac:spMk id="3" creationId="{A708E1AB-3C1D-0265-A39D-F4A822AB41DB}"/>
+          </ac:spMkLst>
+        </pc:spChg>
+        <pc:picChg chg="add mod">
+          <ac:chgData name="Ben Knight" userId="6cbbd36b-0bd9-4edf-ad5d-bdee13dfda16" providerId="ADAL" clId="{0B7A6A91-304E-1C4A-81D7-A13789DB7EB8}" dt="2024-08-31T17:27:51.024" v="66" actId="1076"/>
+          <ac:picMkLst>
+            <pc:docMk/>
+            <pc:sldMk cId="2114021470" sldId="260"/>
+            <ac:picMk id="5" creationId="{35FCE2AE-577A-D9D3-B587-65ED9A4E221A}"/>
+          </ac:picMkLst>
+        </pc:picChg>
+        <pc:picChg chg="add mod">
+          <ac:chgData name="Ben Knight" userId="6cbbd36b-0bd9-4edf-ad5d-bdee13dfda16" providerId="ADAL" clId="{0B7A6A91-304E-1C4A-81D7-A13789DB7EB8}" dt="2024-08-31T17:27:48.973" v="65" actId="14100"/>
+          <ac:picMkLst>
+            <pc:docMk/>
+            <pc:sldMk cId="2114021470" sldId="260"/>
+            <ac:picMk id="7" creationId="{4849142B-E8A5-D3C8-3ED0-585FCDB13E91}"/>
+          </ac:picMkLst>
+        </pc:picChg>
+      </pc:sldChg>
+      <pc:sldChg chg="del">
+        <pc:chgData name="Ben Knight" userId="6cbbd36b-0bd9-4edf-ad5d-bdee13dfda16" providerId="ADAL" clId="{0B7A6A91-304E-1C4A-81D7-A13789DB7EB8}" dt="2024-08-31T17:26:19.566" v="17" actId="2696"/>
+        <pc:sldMkLst>
+          <pc:docMk/>
+          <pc:sldMk cId="2492302522" sldId="260"/>
+        </pc:sldMkLst>
+      </pc:sldChg>
+      <pc:sldChg chg="del">
+        <pc:chgData name="Ben Knight" userId="6cbbd36b-0bd9-4edf-ad5d-bdee13dfda16" providerId="ADAL" clId="{0B7A6A91-304E-1C4A-81D7-A13789DB7EB8}" dt="2024-08-31T17:26:19.929" v="18" actId="2696"/>
+        <pc:sldMkLst>
+          <pc:docMk/>
+          <pc:sldMk cId="94591275" sldId="261"/>
+        </pc:sldMkLst>
+      </pc:sldChg>
+      <pc:sldChg chg="addSp delSp modSp new mod">
+        <pc:chgData name="Ben Knight" userId="6cbbd36b-0bd9-4edf-ad5d-bdee13dfda16" providerId="ADAL" clId="{0B7A6A91-304E-1C4A-81D7-A13789DB7EB8}" dt="2024-08-31T17:28:10.955" v="77" actId="1076"/>
+        <pc:sldMkLst>
+          <pc:docMk/>
+          <pc:sldMk cId="3796237898" sldId="261"/>
+        </pc:sldMkLst>
+        <pc:spChg chg="del">
+          <ac:chgData name="Ben Knight" userId="6cbbd36b-0bd9-4edf-ad5d-bdee13dfda16" providerId="ADAL" clId="{0B7A6A91-304E-1C4A-81D7-A13789DB7EB8}" dt="2024-08-31T17:27:57.780" v="67"/>
+          <ac:spMkLst>
+            <pc:docMk/>
+            <pc:sldMk cId="3796237898" sldId="261"/>
+            <ac:spMk id="3" creationId="{62869050-42C8-8D11-42FE-AAE89688DFAE}"/>
+          </ac:spMkLst>
+        </pc:spChg>
+        <pc:picChg chg="add mod">
+          <ac:chgData name="Ben Knight" userId="6cbbd36b-0bd9-4edf-ad5d-bdee13dfda16" providerId="ADAL" clId="{0B7A6A91-304E-1C4A-81D7-A13789DB7EB8}" dt="2024-08-31T17:28:10.955" v="77" actId="1076"/>
+          <ac:picMkLst>
+            <pc:docMk/>
+            <pc:sldMk cId="3796237898" sldId="261"/>
+            <ac:picMk id="5" creationId="{28DC619E-5BD1-25B9-29E9-EE65F9458739}"/>
+          </ac:picMkLst>
+        </pc:picChg>
+        <pc:picChg chg="add mod">
+          <ac:chgData name="Ben Knight" userId="6cbbd36b-0bd9-4edf-ad5d-bdee13dfda16" providerId="ADAL" clId="{0B7A6A91-304E-1C4A-81D7-A13789DB7EB8}" dt="2024-08-31T17:28:09.057" v="76" actId="14100"/>
+          <ac:picMkLst>
+            <pc:docMk/>
+            <pc:sldMk cId="3796237898" sldId="261"/>
+            <ac:picMk id="7" creationId="{E758DCD4-F87E-32FD-58AA-2B178C208C75}"/>
+          </ac:picMkLst>
+        </pc:picChg>
+      </pc:sldChg>
+      <pc:sldChg chg="addSp delSp modSp new mod">
+        <pc:chgData name="Ben Knight" userId="6cbbd36b-0bd9-4edf-ad5d-bdee13dfda16" providerId="ADAL" clId="{0B7A6A91-304E-1C4A-81D7-A13789DB7EB8}" dt="2024-08-31T17:28:30.790" v="87" actId="14100"/>
+        <pc:sldMkLst>
+          <pc:docMk/>
+          <pc:sldMk cId="2869360240" sldId="262"/>
+        </pc:sldMkLst>
+        <pc:spChg chg="del">
+          <ac:chgData name="Ben Knight" userId="6cbbd36b-0bd9-4edf-ad5d-bdee13dfda16" providerId="ADAL" clId="{0B7A6A91-304E-1C4A-81D7-A13789DB7EB8}" dt="2024-08-31T17:28:20.337" v="78"/>
+          <ac:spMkLst>
+            <pc:docMk/>
+            <pc:sldMk cId="2869360240" sldId="262"/>
+            <ac:spMk id="3" creationId="{C51D8517-4E1E-D119-F5F7-C5AFEEE75123}"/>
+          </ac:spMkLst>
+        </pc:spChg>
+        <pc:picChg chg="add mod">
+          <ac:chgData name="Ben Knight" userId="6cbbd36b-0bd9-4edf-ad5d-bdee13dfda16" providerId="ADAL" clId="{0B7A6A91-304E-1C4A-81D7-A13789DB7EB8}" dt="2024-08-31T17:28:30.790" v="87" actId="14100"/>
+          <ac:picMkLst>
+            <pc:docMk/>
+            <pc:sldMk cId="2869360240" sldId="262"/>
+            <ac:picMk id="5" creationId="{F428FEB9-1D64-5476-4947-ACBEB69772A1}"/>
+          </ac:picMkLst>
+        </pc:picChg>
+        <pc:picChg chg="add mod">
+          <ac:chgData name="Ben Knight" userId="6cbbd36b-0bd9-4edf-ad5d-bdee13dfda16" providerId="ADAL" clId="{0B7A6A91-304E-1C4A-81D7-A13789DB7EB8}" dt="2024-08-31T17:28:24.189" v="84" actId="14100"/>
+          <ac:picMkLst>
+            <pc:docMk/>
+            <pc:sldMk cId="2869360240" sldId="262"/>
+            <ac:picMk id="7" creationId="{A1B32D1D-9F4D-82FD-8B4F-7F9EC1F7F26A}"/>
+          </ac:picMkLst>
+        </pc:picChg>
+      </pc:sldChg>
+      <pc:sldChg chg="del">
+        <pc:chgData name="Ben Knight" userId="6cbbd36b-0bd9-4edf-ad5d-bdee13dfda16" providerId="ADAL" clId="{0B7A6A91-304E-1C4A-81D7-A13789DB7EB8}" dt="2024-08-31T17:26:20.466" v="21" actId="2696"/>
+        <pc:sldMkLst>
+          <pc:docMk/>
+          <pc:sldMk cId="3887059275" sldId="262"/>
+        </pc:sldMkLst>
+      </pc:sldChg>
+      <pc:sldChg chg="addSp delSp modSp new mod">
+        <pc:chgData name="Ben Knight" userId="6cbbd36b-0bd9-4edf-ad5d-bdee13dfda16" providerId="ADAL" clId="{0B7A6A91-304E-1C4A-81D7-A13789DB7EB8}" dt="2024-08-31T17:29:23.221" v="106" actId="14100"/>
+        <pc:sldMkLst>
+          <pc:docMk/>
+          <pc:sldMk cId="1996268460" sldId="263"/>
+        </pc:sldMkLst>
+        <pc:spChg chg="del">
+          <ac:chgData name="Ben Knight" userId="6cbbd36b-0bd9-4edf-ad5d-bdee13dfda16" providerId="ADAL" clId="{0B7A6A91-304E-1C4A-81D7-A13789DB7EB8}" dt="2024-08-31T17:29:03.724" v="88"/>
+          <ac:spMkLst>
+            <pc:docMk/>
+            <pc:sldMk cId="1996268460" sldId="263"/>
+            <ac:spMk id="3" creationId="{6AA0EC8B-3CAC-22DC-EE0E-1CEAAB09D3E7}"/>
+          </ac:spMkLst>
+        </pc:spChg>
+        <pc:spChg chg="add del mod">
+          <ac:chgData name="Ben Knight" userId="6cbbd36b-0bd9-4edf-ad5d-bdee13dfda16" providerId="ADAL" clId="{0B7A6A91-304E-1C4A-81D7-A13789DB7EB8}" dt="2024-08-31T17:29:13.953" v="101" actId="478"/>
+          <ac:spMkLst>
+            <pc:docMk/>
+            <pc:sldMk cId="1996268460" sldId="263"/>
+            <ac:spMk id="13" creationId="{DFDE5415-3BE8-97F8-A343-FF91E055AEC0}"/>
+          </ac:spMkLst>
+        </pc:spChg>
+        <pc:picChg chg="add del mod">
+          <ac:chgData name="Ben Knight" userId="6cbbd36b-0bd9-4edf-ad5d-bdee13dfda16" providerId="ADAL" clId="{0B7A6A91-304E-1C4A-81D7-A13789DB7EB8}" dt="2024-08-31T17:29:10.949" v="100" actId="478"/>
+          <ac:picMkLst>
+            <pc:docMk/>
+            <pc:sldMk cId="1996268460" sldId="263"/>
+            <ac:picMk id="5" creationId="{33713428-4CD7-04C0-9EDC-CD78ED220CC5}"/>
+          </ac:picMkLst>
+        </pc:picChg>
+        <pc:picChg chg="add del mod">
+          <ac:chgData name="Ben Knight" userId="6cbbd36b-0bd9-4edf-ad5d-bdee13dfda16" providerId="ADAL" clId="{0B7A6A91-304E-1C4A-81D7-A13789DB7EB8}" dt="2024-08-31T17:29:16.838" v="103" actId="478"/>
+          <ac:picMkLst>
+            <pc:docMk/>
+            <pc:sldMk cId="1996268460" sldId="263"/>
+            <ac:picMk id="7" creationId="{DF3851DE-AE82-5C4C-B0F9-8C9C23F19C55}"/>
+          </ac:picMkLst>
+        </pc:picChg>
+        <pc:picChg chg="add mod">
+          <ac:chgData name="Ben Knight" userId="6cbbd36b-0bd9-4edf-ad5d-bdee13dfda16" providerId="ADAL" clId="{0B7A6A91-304E-1C4A-81D7-A13789DB7EB8}" dt="2024-08-31T17:29:23.221" v="106" actId="14100"/>
+          <ac:picMkLst>
+            <pc:docMk/>
+            <pc:sldMk cId="1996268460" sldId="263"/>
+            <ac:picMk id="9" creationId="{AE2D4F65-0953-096C-7C0B-E0967D643A0F}"/>
+          </ac:picMkLst>
+        </pc:picChg>
+        <pc:picChg chg="add mod">
+          <ac:chgData name="Ben Knight" userId="6cbbd36b-0bd9-4edf-ad5d-bdee13dfda16" providerId="ADAL" clId="{0B7A6A91-304E-1C4A-81D7-A13789DB7EB8}" dt="2024-08-31T17:29:08.788" v="98" actId="14100"/>
+          <ac:picMkLst>
+            <pc:docMk/>
+            <pc:sldMk cId="1996268460" sldId="263"/>
+            <ac:picMk id="11" creationId="{99E1F9E9-4DED-F7E0-A1F3-2E1380302DF5}"/>
+          </ac:picMkLst>
+        </pc:picChg>
+      </pc:sldChg>
+      <pc:sldChg chg="del">
+        <pc:chgData name="Ben Knight" userId="6cbbd36b-0bd9-4edf-ad5d-bdee13dfda16" providerId="ADAL" clId="{0B7A6A91-304E-1C4A-81D7-A13789DB7EB8}" dt="2024-08-31T17:26:20.636" v="22" actId="2696"/>
+        <pc:sldMkLst>
+          <pc:docMk/>
+          <pc:sldMk cId="3914420985" sldId="263"/>
+        </pc:sldMkLst>
+      </pc:sldChg>
+      <pc:sldChg chg="addSp delSp modSp new mod">
+        <pc:chgData name="Ben Knight" userId="6cbbd36b-0bd9-4edf-ad5d-bdee13dfda16" providerId="ADAL" clId="{0B7A6A91-304E-1C4A-81D7-A13789DB7EB8}" dt="2024-08-31T17:29:40.771" v="115" actId="14100"/>
+        <pc:sldMkLst>
+          <pc:docMk/>
+          <pc:sldMk cId="1695597060" sldId="264"/>
+        </pc:sldMkLst>
+        <pc:spChg chg="del">
+          <ac:chgData name="Ben Knight" userId="6cbbd36b-0bd9-4edf-ad5d-bdee13dfda16" providerId="ADAL" clId="{0B7A6A91-304E-1C4A-81D7-A13789DB7EB8}" dt="2024-08-31T17:29:31.757" v="107"/>
+          <ac:spMkLst>
+            <pc:docMk/>
+            <pc:sldMk cId="1695597060" sldId="264"/>
+            <ac:spMk id="3" creationId="{57A97F00-ADCF-2F87-7A50-1BDC5C947D6A}"/>
+          </ac:spMkLst>
+        </pc:spChg>
+        <pc:picChg chg="add mod">
+          <ac:chgData name="Ben Knight" userId="6cbbd36b-0bd9-4edf-ad5d-bdee13dfda16" providerId="ADAL" clId="{0B7A6A91-304E-1C4A-81D7-A13789DB7EB8}" dt="2024-08-31T17:29:40.771" v="115" actId="14100"/>
+          <ac:picMkLst>
+            <pc:docMk/>
+            <pc:sldMk cId="1695597060" sldId="264"/>
+            <ac:picMk id="5" creationId="{AA57BBFC-E1CC-D23F-872F-5CD8AAE88EFB}"/>
+          </ac:picMkLst>
+        </pc:picChg>
+        <pc:picChg chg="add mod">
+          <ac:chgData name="Ben Knight" userId="6cbbd36b-0bd9-4edf-ad5d-bdee13dfda16" providerId="ADAL" clId="{0B7A6A91-304E-1C4A-81D7-A13789DB7EB8}" dt="2024-08-31T17:29:36.070" v="113" actId="14100"/>
+          <ac:picMkLst>
+            <pc:docMk/>
+            <pc:sldMk cId="1695597060" sldId="264"/>
+            <ac:picMk id="7" creationId="{28861A0B-C14B-0FA3-60CF-B655E16F14C8}"/>
+          </ac:picMkLst>
+        </pc:picChg>
+      </pc:sldChg>
+      <pc:sldChg chg="del">
+        <pc:chgData name="Ben Knight" userId="6cbbd36b-0bd9-4edf-ad5d-bdee13dfda16" providerId="ADAL" clId="{0B7A6A91-304E-1C4A-81D7-A13789DB7EB8}" dt="2024-08-31T17:26:20.949" v="24" actId="2696"/>
+        <pc:sldMkLst>
+          <pc:docMk/>
+          <pc:sldMk cId="3265320427" sldId="264"/>
+        </pc:sldMkLst>
+      </pc:sldChg>
+      <pc:sldChg chg="addSp delSp modSp new mod">
+        <pc:chgData name="Ben Knight" userId="6cbbd36b-0bd9-4edf-ad5d-bdee13dfda16" providerId="ADAL" clId="{0B7A6A91-304E-1C4A-81D7-A13789DB7EB8}" dt="2024-08-31T17:30:28.119" v="144" actId="14100"/>
+        <pc:sldMkLst>
+          <pc:docMk/>
+          <pc:sldMk cId="10659647" sldId="265"/>
+        </pc:sldMkLst>
+        <pc:spChg chg="del">
+          <ac:chgData name="Ben Knight" userId="6cbbd36b-0bd9-4edf-ad5d-bdee13dfda16" providerId="ADAL" clId="{0B7A6A91-304E-1C4A-81D7-A13789DB7EB8}" dt="2024-08-31T17:30:20.290" v="136"/>
+          <ac:spMkLst>
+            <pc:docMk/>
+            <pc:sldMk cId="10659647" sldId="265"/>
+            <ac:spMk id="3" creationId="{B2D9341A-4C7F-4D8D-CD4E-9FE1828B94F7}"/>
+          </ac:spMkLst>
+        </pc:spChg>
+        <pc:picChg chg="add mod">
+          <ac:chgData name="Ben Knight" userId="6cbbd36b-0bd9-4edf-ad5d-bdee13dfda16" providerId="ADAL" clId="{0B7A6A91-304E-1C4A-81D7-A13789DB7EB8}" dt="2024-08-31T17:30:28.119" v="144" actId="14100"/>
+          <ac:picMkLst>
+            <pc:docMk/>
+            <pc:sldMk cId="10659647" sldId="265"/>
+            <ac:picMk id="5" creationId="{AC0E8B89-9040-69EF-F821-FAEC50D20E58}"/>
+          </ac:picMkLst>
+        </pc:picChg>
+        <pc:picChg chg="add mod">
+          <ac:chgData name="Ben Knight" userId="6cbbd36b-0bd9-4edf-ad5d-bdee13dfda16" providerId="ADAL" clId="{0B7A6A91-304E-1C4A-81D7-A13789DB7EB8}" dt="2024-08-31T17:30:24.086" v="142" actId="14100"/>
+          <ac:picMkLst>
+            <pc:docMk/>
+            <pc:sldMk cId="10659647" sldId="265"/>
+            <ac:picMk id="7" creationId="{638A87A7-BF95-B36F-C38B-3994D976141F}"/>
+          </ac:picMkLst>
+        </pc:picChg>
+      </pc:sldChg>
+      <pc:sldChg chg="del">
+        <pc:chgData name="Ben Knight" userId="6cbbd36b-0bd9-4edf-ad5d-bdee13dfda16" providerId="ADAL" clId="{0B7A6A91-304E-1C4A-81D7-A13789DB7EB8}" dt="2024-08-31T17:26:20.780" v="23" actId="2696"/>
+        <pc:sldMkLst>
+          <pc:docMk/>
+          <pc:sldMk cId="961157226" sldId="265"/>
+        </pc:sldMkLst>
+      </pc:sldChg>
+      <pc:sldChg chg="del">
+        <pc:chgData name="Ben Knight" userId="6cbbd36b-0bd9-4edf-ad5d-bdee13dfda16" providerId="ADAL" clId="{0B7A6A91-304E-1C4A-81D7-A13789DB7EB8}" dt="2024-08-31T17:26:21.598" v="26" actId="2696"/>
+        <pc:sldMkLst>
+          <pc:docMk/>
+          <pc:sldMk cId="2325192167" sldId="266"/>
+        </pc:sldMkLst>
+      </pc:sldChg>
+      <pc:sldChg chg="addSp delSp modSp new mod">
+        <pc:chgData name="Ben Knight" userId="6cbbd36b-0bd9-4edf-ad5d-bdee13dfda16" providerId="ADAL" clId="{0B7A6A91-304E-1C4A-81D7-A13789DB7EB8}" dt="2024-08-31T17:31:22.051" v="173" actId="14100"/>
+        <pc:sldMkLst>
+          <pc:docMk/>
+          <pc:sldMk cId="3976390588" sldId="266"/>
+        </pc:sldMkLst>
+        <pc:spChg chg="del">
+          <ac:chgData name="Ben Knight" userId="6cbbd36b-0bd9-4edf-ad5d-bdee13dfda16" providerId="ADAL" clId="{0B7A6A91-304E-1C4A-81D7-A13789DB7EB8}" dt="2024-08-31T17:31:11.167" v="164"/>
+          <ac:spMkLst>
+            <pc:docMk/>
+            <pc:sldMk cId="3976390588" sldId="266"/>
+            <ac:spMk id="3" creationId="{86D13D10-4472-38FF-7D30-F508E89B74B7}"/>
+          </ac:spMkLst>
+        </pc:spChg>
+        <pc:picChg chg="add mod">
+          <ac:chgData name="Ben Knight" userId="6cbbd36b-0bd9-4edf-ad5d-bdee13dfda16" providerId="ADAL" clId="{0B7A6A91-304E-1C4A-81D7-A13789DB7EB8}" dt="2024-08-31T17:31:22.051" v="173" actId="14100"/>
+          <ac:picMkLst>
+            <pc:docMk/>
+            <pc:sldMk cId="3976390588" sldId="266"/>
+            <ac:picMk id="5" creationId="{DCC00433-595E-E5E6-BBBA-1242177B4963}"/>
+          </ac:picMkLst>
+        </pc:picChg>
+        <pc:picChg chg="add mod">
+          <ac:chgData name="Ben Knight" userId="6cbbd36b-0bd9-4edf-ad5d-bdee13dfda16" providerId="ADAL" clId="{0B7A6A91-304E-1C4A-81D7-A13789DB7EB8}" dt="2024-08-31T17:31:18.288" v="171" actId="14100"/>
+          <ac:picMkLst>
+            <pc:docMk/>
+            <pc:sldMk cId="3976390588" sldId="266"/>
+            <ac:picMk id="7" creationId="{CF82536E-F5BE-D2AE-7C36-531CC446D478}"/>
+          </ac:picMkLst>
+        </pc:picChg>
+      </pc:sldChg>
+      <pc:sldChg chg="del">
+        <pc:chgData name="Ben Knight" userId="6cbbd36b-0bd9-4edf-ad5d-bdee13dfda16" providerId="ADAL" clId="{0B7A6A91-304E-1C4A-81D7-A13789DB7EB8}" dt="2024-08-31T17:26:21.134" v="25" actId="2696"/>
+        <pc:sldMkLst>
+          <pc:docMk/>
+          <pc:sldMk cId="1687083319" sldId="267"/>
+        </pc:sldMkLst>
+      </pc:sldChg>
+      <pc:sldChg chg="addSp delSp modSp new mod">
+        <pc:chgData name="Ben Knight" userId="6cbbd36b-0bd9-4edf-ad5d-bdee13dfda16" providerId="ADAL" clId="{0B7A6A91-304E-1C4A-81D7-A13789DB7EB8}" dt="2024-08-31T17:31:40.204" v="184" actId="14100"/>
+        <pc:sldMkLst>
+          <pc:docMk/>
+          <pc:sldMk cId="1884859843" sldId="267"/>
+        </pc:sldMkLst>
+        <pc:spChg chg="del">
+          <ac:chgData name="Ben Knight" userId="6cbbd36b-0bd9-4edf-ad5d-bdee13dfda16" providerId="ADAL" clId="{0B7A6A91-304E-1C4A-81D7-A13789DB7EB8}" dt="2024-08-31T17:31:27.902" v="174"/>
+          <ac:spMkLst>
+            <pc:docMk/>
+            <pc:sldMk cId="1884859843" sldId="267"/>
+            <ac:spMk id="3" creationId="{57279000-C518-E0B5-874A-06E230D0ACEB}"/>
+          </ac:spMkLst>
+        </pc:spChg>
+        <pc:picChg chg="add mod">
+          <ac:chgData name="Ben Knight" userId="6cbbd36b-0bd9-4edf-ad5d-bdee13dfda16" providerId="ADAL" clId="{0B7A6A91-304E-1C4A-81D7-A13789DB7EB8}" dt="2024-08-31T17:31:40.204" v="184" actId="14100"/>
+          <ac:picMkLst>
+            <pc:docMk/>
+            <pc:sldMk cId="1884859843" sldId="267"/>
+            <ac:picMk id="5" creationId="{CD3D16BB-C91B-0D95-19B8-0C77FC8DA853}"/>
+          </ac:picMkLst>
+        </pc:picChg>
+        <pc:picChg chg="add mod">
+          <ac:chgData name="Ben Knight" userId="6cbbd36b-0bd9-4edf-ad5d-bdee13dfda16" providerId="ADAL" clId="{0B7A6A91-304E-1C4A-81D7-A13789DB7EB8}" dt="2024-08-31T17:31:34.700" v="181" actId="14100"/>
+          <ac:picMkLst>
+            <pc:docMk/>
+            <pc:sldMk cId="1884859843" sldId="267"/>
+            <ac:picMk id="7" creationId="{8583F1E2-6404-FE10-FC84-11CB500B6867}"/>
+          </ac:picMkLst>
+        </pc:picChg>
+      </pc:sldChg>
+      <pc:sldChg chg="addSp delSp modSp new mod">
+        <pc:chgData name="Ben Knight" userId="6cbbd36b-0bd9-4edf-ad5d-bdee13dfda16" providerId="ADAL" clId="{0B7A6A91-304E-1C4A-81D7-A13789DB7EB8}" dt="2024-08-31T17:31:54.284" v="193" actId="14100"/>
+        <pc:sldMkLst>
+          <pc:docMk/>
+          <pc:sldMk cId="1027104481" sldId="268"/>
+        </pc:sldMkLst>
+        <pc:spChg chg="del">
+          <ac:chgData name="Ben Knight" userId="6cbbd36b-0bd9-4edf-ad5d-bdee13dfda16" providerId="ADAL" clId="{0B7A6A91-304E-1C4A-81D7-A13789DB7EB8}" dt="2024-08-31T17:31:45.957" v="185"/>
+          <ac:spMkLst>
+            <pc:docMk/>
+            <pc:sldMk cId="1027104481" sldId="268"/>
+            <ac:spMk id="3" creationId="{04F819D4-E9F9-9142-2391-3FFB859DED10}"/>
+          </ac:spMkLst>
+        </pc:spChg>
+        <pc:picChg chg="add mod">
+          <ac:chgData name="Ben Knight" userId="6cbbd36b-0bd9-4edf-ad5d-bdee13dfda16" providerId="ADAL" clId="{0B7A6A91-304E-1C4A-81D7-A13789DB7EB8}" dt="2024-08-31T17:31:54.284" v="193" actId="14100"/>
+          <ac:picMkLst>
+            <pc:docMk/>
+            <pc:sldMk cId="1027104481" sldId="268"/>
+            <ac:picMk id="5" creationId="{D2678297-14A0-B054-F807-9C65B35C4065}"/>
+          </ac:picMkLst>
+        </pc:picChg>
+        <pc:picChg chg="add mod">
+          <ac:chgData name="Ben Knight" userId="6cbbd36b-0bd9-4edf-ad5d-bdee13dfda16" providerId="ADAL" clId="{0B7A6A91-304E-1C4A-81D7-A13789DB7EB8}" dt="2024-08-31T17:31:49.985" v="191" actId="14100"/>
+          <ac:picMkLst>
+            <pc:docMk/>
+            <pc:sldMk cId="1027104481" sldId="268"/>
+            <ac:picMk id="7" creationId="{C90FBE4E-5D35-2F89-A7A9-007C790D4E54}"/>
+          </ac:picMkLst>
+        </pc:picChg>
+      </pc:sldChg>
+      <pc:sldChg chg="addSp delSp modSp new mod">
+        <pc:chgData name="Ben Knight" userId="6cbbd36b-0bd9-4edf-ad5d-bdee13dfda16" providerId="ADAL" clId="{0B7A6A91-304E-1C4A-81D7-A13789DB7EB8}" dt="2024-08-31T17:32:13.450" v="203" actId="14100"/>
+        <pc:sldMkLst>
+          <pc:docMk/>
+          <pc:sldMk cId="1978938983" sldId="269"/>
+        </pc:sldMkLst>
+        <pc:spChg chg="del">
+          <ac:chgData name="Ben Knight" userId="6cbbd36b-0bd9-4edf-ad5d-bdee13dfda16" providerId="ADAL" clId="{0B7A6A91-304E-1C4A-81D7-A13789DB7EB8}" dt="2024-08-31T17:32:00.741" v="194"/>
+          <ac:spMkLst>
+            <pc:docMk/>
+            <pc:sldMk cId="1978938983" sldId="269"/>
+            <ac:spMk id="3" creationId="{BDE9A887-275C-A6E7-03D4-0F10B477B3FC}"/>
+          </ac:spMkLst>
+        </pc:spChg>
+        <pc:picChg chg="add mod">
+          <ac:chgData name="Ben Knight" userId="6cbbd36b-0bd9-4edf-ad5d-bdee13dfda16" providerId="ADAL" clId="{0B7A6A91-304E-1C4A-81D7-A13789DB7EB8}" dt="2024-08-31T17:32:13.450" v="203" actId="14100"/>
+          <ac:picMkLst>
+            <pc:docMk/>
+            <pc:sldMk cId="1978938983" sldId="269"/>
+            <ac:picMk id="5" creationId="{8500230B-14C0-8BB6-5464-E0801437F061}"/>
+          </ac:picMkLst>
+        </pc:picChg>
+        <pc:picChg chg="add mod">
+          <ac:chgData name="Ben Knight" userId="6cbbd36b-0bd9-4edf-ad5d-bdee13dfda16" providerId="ADAL" clId="{0B7A6A91-304E-1C4A-81D7-A13789DB7EB8}" dt="2024-08-31T17:32:07.486" v="201" actId="14100"/>
+          <ac:picMkLst>
+            <pc:docMk/>
+            <pc:sldMk cId="1978938983" sldId="269"/>
+            <ac:picMk id="7" creationId="{D5A7BF49-C807-E93E-A29D-08AB6A6267AB}"/>
+          </ac:picMkLst>
+        </pc:picChg>
+      </pc:sldChg>
+      <pc:sldChg chg="addSp delSp modSp new mod">
+        <pc:chgData name="Ben Knight" userId="6cbbd36b-0bd9-4edf-ad5d-bdee13dfda16" providerId="ADAL" clId="{0B7A6A91-304E-1C4A-81D7-A13789DB7EB8}" dt="2024-08-31T17:32:29.050" v="212" actId="14100"/>
+        <pc:sldMkLst>
+          <pc:docMk/>
+          <pc:sldMk cId="1789641090" sldId="270"/>
+        </pc:sldMkLst>
+        <pc:spChg chg="del">
+          <ac:chgData name="Ben Knight" userId="6cbbd36b-0bd9-4edf-ad5d-bdee13dfda16" providerId="ADAL" clId="{0B7A6A91-304E-1C4A-81D7-A13789DB7EB8}" dt="2024-08-31T17:32:20.298" v="204"/>
+          <ac:spMkLst>
+            <pc:docMk/>
+            <pc:sldMk cId="1789641090" sldId="270"/>
+            <ac:spMk id="3" creationId="{73CBEED8-8603-9BE8-B3C1-F3C0E68AFA19}"/>
+          </ac:spMkLst>
+        </pc:spChg>
+        <pc:picChg chg="add mod">
+          <ac:chgData name="Ben Knight" userId="6cbbd36b-0bd9-4edf-ad5d-bdee13dfda16" providerId="ADAL" clId="{0B7A6A91-304E-1C4A-81D7-A13789DB7EB8}" dt="2024-08-31T17:32:29.050" v="212" actId="14100"/>
+          <ac:picMkLst>
+            <pc:docMk/>
+            <pc:sldMk cId="1789641090" sldId="270"/>
+            <ac:picMk id="5" creationId="{D3F3F74D-7565-F341-87A6-58A1A3C39D98}"/>
+          </ac:picMkLst>
+        </pc:picChg>
+        <pc:picChg chg="add mod">
+          <ac:chgData name="Ben Knight" userId="6cbbd36b-0bd9-4edf-ad5d-bdee13dfda16" providerId="ADAL" clId="{0B7A6A91-304E-1C4A-81D7-A13789DB7EB8}" dt="2024-08-31T17:32:25.283" v="210" actId="14100"/>
+          <ac:picMkLst>
+            <pc:docMk/>
+            <pc:sldMk cId="1789641090" sldId="270"/>
+            <ac:picMk id="7" creationId="{059F63C2-2ED6-CCC3-B988-1BFDC9394454}"/>
+          </ac:picMkLst>
+        </pc:picChg>
+      </pc:sldChg>
+      <pc:sldChg chg="addSp delSp modSp new mod">
+        <pc:chgData name="Ben Knight" userId="6cbbd36b-0bd9-4edf-ad5d-bdee13dfda16" providerId="ADAL" clId="{0B7A6A91-304E-1C4A-81D7-A13789DB7EB8}" dt="2024-08-31T17:33:14.016" v="240" actId="14100"/>
+        <pc:sldMkLst>
+          <pc:docMk/>
+          <pc:sldMk cId="3607079109" sldId="271"/>
+        </pc:sldMkLst>
+        <pc:spChg chg="del">
+          <ac:chgData name="Ben Knight" userId="6cbbd36b-0bd9-4edf-ad5d-bdee13dfda16" providerId="ADAL" clId="{0B7A6A91-304E-1C4A-81D7-A13789DB7EB8}" dt="2024-08-31T17:32:52.154" v="222"/>
+          <ac:spMkLst>
+            <pc:docMk/>
+            <pc:sldMk cId="3607079109" sldId="271"/>
+            <ac:spMk id="3" creationId="{7A9FB85B-3BB3-536F-A757-A561AD768539}"/>
+          </ac:spMkLst>
+        </pc:spChg>
+        <pc:spChg chg="add del mod">
+          <ac:chgData name="Ben Knight" userId="6cbbd36b-0bd9-4edf-ad5d-bdee13dfda16" providerId="ADAL" clId="{0B7A6A91-304E-1C4A-81D7-A13789DB7EB8}" dt="2024-08-31T17:33:07.571" v="236" actId="478"/>
+          <ac:spMkLst>
+            <pc:docMk/>
+            <pc:sldMk cId="3607079109" sldId="271"/>
+            <ac:spMk id="13" creationId="{9DE3E150-B0C9-1D9C-36FA-46EAA31BBFED}"/>
+          </ac:spMkLst>
+        </pc:spChg>
+        <pc:picChg chg="add del mod">
+          <ac:chgData name="Ben Knight" userId="6cbbd36b-0bd9-4edf-ad5d-bdee13dfda16" providerId="ADAL" clId="{0B7A6A91-304E-1C4A-81D7-A13789DB7EB8}" dt="2024-08-31T17:32:57.214" v="234" actId="478"/>
+          <ac:picMkLst>
+            <pc:docMk/>
+            <pc:sldMk cId="3607079109" sldId="271"/>
+            <ac:picMk id="5" creationId="{8D6113EA-A173-DFD1-1FFE-CE25492442BA}"/>
+          </ac:picMkLst>
+        </pc:picChg>
+        <pc:picChg chg="add del mod">
+          <ac:chgData name="Ben Knight" userId="6cbbd36b-0bd9-4edf-ad5d-bdee13dfda16" providerId="ADAL" clId="{0B7A6A91-304E-1C4A-81D7-A13789DB7EB8}" dt="2024-08-31T17:33:09.827" v="238" actId="478"/>
+          <ac:picMkLst>
+            <pc:docMk/>
+            <pc:sldMk cId="3607079109" sldId="271"/>
+            <ac:picMk id="7" creationId="{A3556EC6-A932-1250-9DEC-2399DE9C28C6}"/>
+          </ac:picMkLst>
+        </pc:picChg>
+        <pc:picChg chg="add mod">
+          <ac:chgData name="Ben Knight" userId="6cbbd36b-0bd9-4edf-ad5d-bdee13dfda16" providerId="ADAL" clId="{0B7A6A91-304E-1C4A-81D7-A13789DB7EB8}" dt="2024-08-31T17:33:14.016" v="240" actId="14100"/>
+          <ac:picMkLst>
+            <pc:docMk/>
+            <pc:sldMk cId="3607079109" sldId="271"/>
+            <ac:picMk id="9" creationId="{F6BCE7ED-40D7-EB14-1EE7-D8D436C56F79}"/>
+          </ac:picMkLst>
+        </pc:picChg>
+        <pc:picChg chg="add mod">
+          <ac:chgData name="Ben Knight" userId="6cbbd36b-0bd9-4edf-ad5d-bdee13dfda16" providerId="ADAL" clId="{0B7A6A91-304E-1C4A-81D7-A13789DB7EB8}" dt="2024-08-31T17:32:55.449" v="232" actId="14100"/>
+          <ac:picMkLst>
+            <pc:docMk/>
+            <pc:sldMk cId="3607079109" sldId="271"/>
+            <ac:picMk id="11" creationId="{DDCF1595-02DA-3EEB-B936-01D5F0F0F6CC}"/>
+          </ac:picMkLst>
+        </pc:picChg>
+      </pc:sldChg>
+      <pc:sldChg chg="addSp delSp modSp new mod">
+        <pc:chgData name="Ben Knight" userId="6cbbd36b-0bd9-4edf-ad5d-bdee13dfda16" providerId="ADAL" clId="{0B7A6A91-304E-1C4A-81D7-A13789DB7EB8}" dt="2024-08-31T17:32:46.607" v="221" actId="14100"/>
+        <pc:sldMkLst>
+          <pc:docMk/>
+          <pc:sldMk cId="821815205" sldId="272"/>
+        </pc:sldMkLst>
+        <pc:spChg chg="del">
+          <ac:chgData name="Ben Knight" userId="6cbbd36b-0bd9-4edf-ad5d-bdee13dfda16" providerId="ADAL" clId="{0B7A6A91-304E-1C4A-81D7-A13789DB7EB8}" dt="2024-08-31T17:32:37.558" v="213"/>
+          <ac:spMkLst>
+            <pc:docMk/>
+            <pc:sldMk cId="821815205" sldId="272"/>
+            <ac:spMk id="3" creationId="{BF012766-9BFD-11D8-2F71-C0EA4F4F2A8B}"/>
+          </ac:spMkLst>
+        </pc:spChg>
+        <pc:picChg chg="add mod">
+          <ac:chgData name="Ben Knight" userId="6cbbd36b-0bd9-4edf-ad5d-bdee13dfda16" providerId="ADAL" clId="{0B7A6A91-304E-1C4A-81D7-A13789DB7EB8}" dt="2024-08-31T17:32:46.607" v="221" actId="14100"/>
+          <ac:picMkLst>
+            <pc:docMk/>
+            <pc:sldMk cId="821815205" sldId="272"/>
+            <ac:picMk id="5" creationId="{84E3D664-0F17-27F3-C290-BFF7CB1E051D}"/>
+          </ac:picMkLst>
+        </pc:picChg>
+        <pc:picChg chg="add mod">
+          <ac:chgData name="Ben Knight" userId="6cbbd36b-0bd9-4edf-ad5d-bdee13dfda16" providerId="ADAL" clId="{0B7A6A91-304E-1C4A-81D7-A13789DB7EB8}" dt="2024-08-31T17:32:41.716" v="219" actId="14100"/>
+          <ac:picMkLst>
+            <pc:docMk/>
+            <pc:sldMk cId="821815205" sldId="272"/>
+            <ac:picMk id="7" creationId="{96ECEE6B-7068-0DF1-4221-67CF845274CD}"/>
+          </ac:picMkLst>
+        </pc:picChg>
+      </pc:sldChg>
+      <pc:sldChg chg="addSp delSp modSp new mod">
+        <pc:chgData name="Ben Knight" userId="6cbbd36b-0bd9-4edf-ad5d-bdee13dfda16" providerId="ADAL" clId="{0B7A6A91-304E-1C4A-81D7-A13789DB7EB8}" dt="2024-08-31T17:33:35.099" v="250" actId="14100"/>
+        <pc:sldMkLst>
+          <pc:docMk/>
+          <pc:sldMk cId="1532058498" sldId="273"/>
+        </pc:sldMkLst>
+        <pc:spChg chg="del">
+          <ac:chgData name="Ben Knight" userId="6cbbd36b-0bd9-4edf-ad5d-bdee13dfda16" providerId="ADAL" clId="{0B7A6A91-304E-1C4A-81D7-A13789DB7EB8}" dt="2024-08-31T17:33:25.548" v="241"/>
+          <ac:spMkLst>
+            <pc:docMk/>
+            <pc:sldMk cId="1532058498" sldId="273"/>
+            <ac:spMk id="3" creationId="{4930142F-E706-92D1-46ED-0A2019DFBBC1}"/>
+          </ac:spMkLst>
+        </pc:spChg>
+        <pc:picChg chg="add mod">
+          <ac:chgData name="Ben Knight" userId="6cbbd36b-0bd9-4edf-ad5d-bdee13dfda16" providerId="ADAL" clId="{0B7A6A91-304E-1C4A-81D7-A13789DB7EB8}" dt="2024-08-31T17:33:35.099" v="250" actId="14100"/>
+          <ac:picMkLst>
+            <pc:docMk/>
+            <pc:sldMk cId="1532058498" sldId="273"/>
+            <ac:picMk id="5" creationId="{3D2DC342-4227-B1E5-C98A-B36F40A77033}"/>
+          </ac:picMkLst>
+        </pc:picChg>
+        <pc:picChg chg="add mod">
+          <ac:chgData name="Ben Knight" userId="6cbbd36b-0bd9-4edf-ad5d-bdee13dfda16" providerId="ADAL" clId="{0B7A6A91-304E-1C4A-81D7-A13789DB7EB8}" dt="2024-08-31T17:33:29.698" v="247" actId="14100"/>
+          <ac:picMkLst>
+            <pc:docMk/>
+            <pc:sldMk cId="1532058498" sldId="273"/>
+            <ac:picMk id="7" creationId="{2E745B3B-C818-38C7-DEFC-2F0E19D8CB08}"/>
+          </ac:picMkLst>
+        </pc:picChg>
+      </pc:sldChg>
+      <pc:sldChg chg="addSp delSp modSp new mod">
+        <pc:chgData name="Ben Knight" userId="6cbbd36b-0bd9-4edf-ad5d-bdee13dfda16" providerId="ADAL" clId="{0B7A6A91-304E-1C4A-81D7-A13789DB7EB8}" dt="2024-08-31T17:30:45.268" v="153" actId="14100"/>
+        <pc:sldMkLst>
+          <pc:docMk/>
+          <pc:sldMk cId="174279736" sldId="274"/>
+        </pc:sldMkLst>
+        <pc:spChg chg="del">
+          <ac:chgData name="Ben Knight" userId="6cbbd36b-0bd9-4edf-ad5d-bdee13dfda16" providerId="ADAL" clId="{0B7A6A91-304E-1C4A-81D7-A13789DB7EB8}" dt="2024-08-31T17:30:36.594" v="145"/>
+          <ac:spMkLst>
+            <pc:docMk/>
+            <pc:sldMk cId="174279736" sldId="274"/>
+            <ac:spMk id="3" creationId="{5994D4BD-59F0-6961-E606-4E50733A9E06}"/>
+          </ac:spMkLst>
+        </pc:spChg>
+        <pc:picChg chg="add mod">
+          <ac:chgData name="Ben Knight" userId="6cbbd36b-0bd9-4edf-ad5d-bdee13dfda16" providerId="ADAL" clId="{0B7A6A91-304E-1C4A-81D7-A13789DB7EB8}" dt="2024-08-31T17:30:45.268" v="153" actId="14100"/>
+          <ac:picMkLst>
+            <pc:docMk/>
+            <pc:sldMk cId="174279736" sldId="274"/>
+            <ac:picMk id="5" creationId="{5527B919-07E7-C30E-BE96-813BEFFB0A77}"/>
+          </ac:picMkLst>
+        </pc:picChg>
+        <pc:picChg chg="add mod">
+          <ac:chgData name="Ben Knight" userId="6cbbd36b-0bd9-4edf-ad5d-bdee13dfda16" providerId="ADAL" clId="{0B7A6A91-304E-1C4A-81D7-A13789DB7EB8}" dt="2024-08-31T17:30:41.219" v="151" actId="14100"/>
+          <ac:picMkLst>
+            <pc:docMk/>
+            <pc:sldMk cId="174279736" sldId="274"/>
+            <ac:picMk id="7" creationId="{95ED389A-9A54-A256-DB0B-1A722A08E666}"/>
+          </ac:picMkLst>
+        </pc:picChg>
+      </pc:sldChg>
+      <pc:sldChg chg="addSp delSp modSp new mod">
+        <pc:chgData name="Ben Knight" userId="6cbbd36b-0bd9-4edf-ad5d-bdee13dfda16" providerId="ADAL" clId="{0B7A6A91-304E-1C4A-81D7-A13789DB7EB8}" dt="2024-08-31T17:31:02.052" v="163" actId="14100"/>
+        <pc:sldMkLst>
+          <pc:docMk/>
+          <pc:sldMk cId="1071197705" sldId="275"/>
+        </pc:sldMkLst>
+        <pc:spChg chg="del">
+          <ac:chgData name="Ben Knight" userId="6cbbd36b-0bd9-4edf-ad5d-bdee13dfda16" providerId="ADAL" clId="{0B7A6A91-304E-1C4A-81D7-A13789DB7EB8}" dt="2024-08-31T17:30:52.738" v="154"/>
+          <ac:spMkLst>
+            <pc:docMk/>
+            <pc:sldMk cId="1071197705" sldId="275"/>
+            <ac:spMk id="3" creationId="{1FA5F0AD-1E94-ABEB-FD9C-E1D40D5EF927}"/>
+          </ac:spMkLst>
+        </pc:spChg>
+        <pc:picChg chg="add mod">
+          <ac:chgData name="Ben Knight" userId="6cbbd36b-0bd9-4edf-ad5d-bdee13dfda16" providerId="ADAL" clId="{0B7A6A91-304E-1C4A-81D7-A13789DB7EB8}" dt="2024-08-31T17:31:02.052" v="163" actId="14100"/>
+          <ac:picMkLst>
+            <pc:docMk/>
+            <pc:sldMk cId="1071197705" sldId="275"/>
+            <ac:picMk id="5" creationId="{1092C810-438E-B392-FEBE-E6E9F5AF998D}"/>
+          </ac:picMkLst>
+        </pc:picChg>
+        <pc:picChg chg="add mod">
+          <ac:chgData name="Ben Knight" userId="6cbbd36b-0bd9-4edf-ad5d-bdee13dfda16" providerId="ADAL" clId="{0B7A6A91-304E-1C4A-81D7-A13789DB7EB8}" dt="2024-08-31T17:30:56.803" v="160" actId="14100"/>
+          <ac:picMkLst>
+            <pc:docMk/>
+            <pc:sldMk cId="1071197705" sldId="275"/>
+            <ac:picMk id="7" creationId="{531C0424-17EA-F466-B388-900FA3FA2888}"/>
+          </ac:picMkLst>
+        </pc:picChg>
+      </pc:sldChg>
+      <pc:sldChg chg="addSp delSp modSp new mod">
+        <pc:chgData name="Ben Knight" userId="6cbbd36b-0bd9-4edf-ad5d-bdee13dfda16" providerId="ADAL" clId="{0B7A6A91-304E-1C4A-81D7-A13789DB7EB8}" dt="2024-08-31T17:30:09.786" v="135" actId="14100"/>
+        <pc:sldMkLst>
+          <pc:docMk/>
+          <pc:sldMk cId="3738075674" sldId="276"/>
+        </pc:sldMkLst>
+        <pc:spChg chg="del">
+          <ac:chgData name="Ben Knight" userId="6cbbd36b-0bd9-4edf-ad5d-bdee13dfda16" providerId="ADAL" clId="{0B7A6A91-304E-1C4A-81D7-A13789DB7EB8}" dt="2024-08-31T17:30:01.676" v="127"/>
+          <ac:spMkLst>
+            <pc:docMk/>
+            <pc:sldMk cId="3738075674" sldId="276"/>
+            <ac:spMk id="3" creationId="{BE3F2745-B578-6EF9-0DA8-21304D3F58FB}"/>
+          </ac:spMkLst>
+        </pc:spChg>
+        <pc:picChg chg="add mod">
+          <ac:chgData name="Ben Knight" userId="6cbbd36b-0bd9-4edf-ad5d-bdee13dfda16" providerId="ADAL" clId="{0B7A6A91-304E-1C4A-81D7-A13789DB7EB8}" dt="2024-08-31T17:30:09.786" v="135" actId="14100"/>
+          <ac:picMkLst>
+            <pc:docMk/>
+            <pc:sldMk cId="3738075674" sldId="276"/>
+            <ac:picMk id="5" creationId="{CF42ACBF-48E7-7359-CA97-CCD4979F03EC}"/>
+          </ac:picMkLst>
+        </pc:picChg>
+        <pc:picChg chg="add mod">
+          <ac:chgData name="Ben Knight" userId="6cbbd36b-0bd9-4edf-ad5d-bdee13dfda16" providerId="ADAL" clId="{0B7A6A91-304E-1C4A-81D7-A13789DB7EB8}" dt="2024-08-31T17:30:05.436" v="133" actId="14100"/>
+          <ac:picMkLst>
+            <pc:docMk/>
+            <pc:sldMk cId="3738075674" sldId="276"/>
+            <ac:picMk id="7" creationId="{D9C91DB2-587F-7D0C-4863-AB9531F888D0}"/>
+          </ac:picMkLst>
+        </pc:picChg>
+      </pc:sldChg>
+      <pc:sldChg chg="addSp delSp modSp new mod">
+        <pc:chgData name="Ben Knight" userId="6cbbd36b-0bd9-4edf-ad5d-bdee13dfda16" providerId="ADAL" clId="{0B7A6A91-304E-1C4A-81D7-A13789DB7EB8}" dt="2024-08-31T17:34:10.315" v="270" actId="14100"/>
+        <pc:sldMkLst>
+          <pc:docMk/>
+          <pc:sldMk cId="1199622873" sldId="277"/>
+        </pc:sldMkLst>
+        <pc:spChg chg="del">
+          <ac:chgData name="Ben Knight" userId="6cbbd36b-0bd9-4edf-ad5d-bdee13dfda16" providerId="ADAL" clId="{0B7A6A91-304E-1C4A-81D7-A13789DB7EB8}" dt="2024-08-31T17:33:44.614" v="252"/>
+          <ac:spMkLst>
+            <pc:docMk/>
+            <pc:sldMk cId="1199622873" sldId="277"/>
+            <ac:spMk id="3" creationId="{D9675013-F546-58FA-D123-FF667BB42562}"/>
+          </ac:spMkLst>
+        </pc:spChg>
+        <pc:spChg chg="add del mod">
+          <ac:chgData name="Ben Knight" userId="6cbbd36b-0bd9-4edf-ad5d-bdee13dfda16" providerId="ADAL" clId="{0B7A6A91-304E-1C4A-81D7-A13789DB7EB8}" dt="2024-08-31T17:34:02.447" v="268" actId="478"/>
+          <ac:spMkLst>
+            <pc:docMk/>
+            <pc:sldMk cId="1199622873" sldId="277"/>
+            <ac:spMk id="13" creationId="{8FCE31DE-6AFC-BF73-F72C-4E9C294963D1}"/>
+          </ac:spMkLst>
+        </pc:spChg>
+        <pc:picChg chg="add del mod">
+          <ac:chgData name="Ben Knight" userId="6cbbd36b-0bd9-4edf-ad5d-bdee13dfda16" providerId="ADAL" clId="{0B7A6A91-304E-1C4A-81D7-A13789DB7EB8}" dt="2024-08-31T17:33:58.989" v="266" actId="478"/>
+          <ac:picMkLst>
+            <pc:docMk/>
+            <pc:sldMk cId="1199622873" sldId="277"/>
+            <ac:picMk id="5" creationId="{DE5C69AA-B7D2-A6B3-5DC3-9D15F05D5F60}"/>
+          </ac:picMkLst>
+        </pc:picChg>
+        <pc:picChg chg="add del mod">
+          <ac:chgData name="Ben Knight" userId="6cbbd36b-0bd9-4edf-ad5d-bdee13dfda16" providerId="ADAL" clId="{0B7A6A91-304E-1C4A-81D7-A13789DB7EB8}" dt="2024-08-31T17:33:58.132" v="265" actId="478"/>
+          <ac:picMkLst>
+            <pc:docMk/>
+            <pc:sldMk cId="1199622873" sldId="277"/>
+            <ac:picMk id="7" creationId="{78559C64-B5D9-FEF2-5E5B-4E4A5B29CE1A}"/>
+          </ac:picMkLst>
+        </pc:picChg>
+        <pc:picChg chg="add mod">
+          <ac:chgData name="Ben Knight" userId="6cbbd36b-0bd9-4edf-ad5d-bdee13dfda16" providerId="ADAL" clId="{0B7A6A91-304E-1C4A-81D7-A13789DB7EB8}" dt="2024-08-31T17:34:10.315" v="270" actId="14100"/>
+          <ac:picMkLst>
+            <pc:docMk/>
+            <pc:sldMk cId="1199622873" sldId="277"/>
+            <ac:picMk id="9" creationId="{94EA2068-F5E1-1139-B4EB-C3C832F7238E}"/>
+          </ac:picMkLst>
+        </pc:picChg>
+        <pc:picChg chg="add mod">
+          <ac:chgData name="Ben Knight" userId="6cbbd36b-0bd9-4edf-ad5d-bdee13dfda16" providerId="ADAL" clId="{0B7A6A91-304E-1C4A-81D7-A13789DB7EB8}" dt="2024-08-31T17:33:49.580" v="262" actId="14100"/>
+          <ac:picMkLst>
+            <pc:docMk/>
+            <pc:sldMk cId="1199622873" sldId="277"/>
+            <ac:picMk id="11" creationId="{D6A05816-0889-B111-C869-A4226C3FB2CA}"/>
+          </ac:picMkLst>
+        </pc:picChg>
+      </pc:sldChg>
+      <pc:sldChg chg="new">
+        <pc:chgData name="Ben Knight" userId="6cbbd36b-0bd9-4edf-ad5d-bdee13dfda16" providerId="ADAL" clId="{0B7A6A91-304E-1C4A-81D7-A13789DB7EB8}" dt="2024-08-31T17:43:24.573" v="273" actId="680"/>
+        <pc:sldMkLst>
+          <pc:docMk/>
+          <pc:sldMk cId="13602908" sldId="278"/>
+        </pc:sldMkLst>
+      </pc:sldChg>
+      <pc:sldChg chg="addSp delSp modSp new mod">
+        <pc:chgData name="Ben Knight" userId="6cbbd36b-0bd9-4edf-ad5d-bdee13dfda16" providerId="ADAL" clId="{0B7A6A91-304E-1C4A-81D7-A13789DB7EB8}" dt="2024-08-31T17:56:32.011" v="539" actId="1076"/>
+        <pc:sldMkLst>
+          <pc:docMk/>
+          <pc:sldMk cId="1081384" sldId="279"/>
+        </pc:sldMkLst>
+        <pc:spChg chg="del">
+          <ac:chgData name="Ben Knight" userId="6cbbd36b-0bd9-4edf-ad5d-bdee13dfda16" providerId="ADAL" clId="{0B7A6A91-304E-1C4A-81D7-A13789DB7EB8}" dt="2024-08-31T17:46:02.487" v="278"/>
+          <ac:spMkLst>
+            <pc:docMk/>
+            <pc:sldMk cId="1081384" sldId="279"/>
+            <ac:spMk id="3" creationId="{4D7D3D2E-CEAE-F69E-DFF7-39B50F373723}"/>
+          </ac:spMkLst>
+        </pc:spChg>
+        <pc:spChg chg="add del mod">
+          <ac:chgData name="Ben Knight" userId="6cbbd36b-0bd9-4edf-ad5d-bdee13dfda16" providerId="ADAL" clId="{0B7A6A91-304E-1C4A-81D7-A13789DB7EB8}" dt="2024-08-31T17:50:06.160" v="339" actId="478"/>
+          <ac:spMkLst>
+            <pc:docMk/>
+            <pc:sldMk cId="1081384" sldId="279"/>
+            <ac:spMk id="13" creationId="{49494BFF-9F67-6465-4C22-FEF81EA49830}"/>
+          </ac:spMkLst>
+        </pc:spChg>
+        <pc:picChg chg="add del mod">
+          <ac:chgData name="Ben Knight" userId="6cbbd36b-0bd9-4edf-ad5d-bdee13dfda16" providerId="ADAL" clId="{0B7A6A91-304E-1C4A-81D7-A13789DB7EB8}" dt="2024-08-31T17:50:47.150" v="353" actId="478"/>
+          <ac:picMkLst>
+            <pc:docMk/>
+            <pc:sldMk cId="1081384" sldId="279"/>
+            <ac:picMk id="4" creationId="{2F0685CE-F266-DF43-EE9F-A6179022450C}"/>
+          </ac:picMkLst>
+        </pc:picChg>
+        <pc:picChg chg="add del mod">
+          <ac:chgData name="Ben Knight" userId="6cbbd36b-0bd9-4edf-ad5d-bdee13dfda16" providerId="ADAL" clId="{0B7A6A91-304E-1C4A-81D7-A13789DB7EB8}" dt="2024-08-31T17:50:02.907" v="337" actId="478"/>
+          <ac:picMkLst>
+            <pc:docMk/>
+            <pc:sldMk cId="1081384" sldId="279"/>
+            <ac:picMk id="5" creationId="{820DABB3-520B-9DF0-97C7-065FD15292A8}"/>
+          </ac:picMkLst>
+        </pc:picChg>
+        <pc:picChg chg="add del mod">
+          <ac:chgData name="Ben Knight" userId="6cbbd36b-0bd9-4edf-ad5d-bdee13dfda16" providerId="ADAL" clId="{0B7A6A91-304E-1C4A-81D7-A13789DB7EB8}" dt="2024-08-31T17:50:46.089" v="352" actId="478"/>
+          <ac:picMkLst>
+            <pc:docMk/>
+            <pc:sldMk cId="1081384" sldId="279"/>
+            <ac:picMk id="6" creationId="{AE1B6879-487E-F40D-6ADF-92FAE7E599EF}"/>
+          </ac:picMkLst>
+        </pc:picChg>
+        <pc:picChg chg="add del mod">
+          <ac:chgData name="Ben Knight" userId="6cbbd36b-0bd9-4edf-ad5d-bdee13dfda16" providerId="ADAL" clId="{0B7A6A91-304E-1C4A-81D7-A13789DB7EB8}" dt="2024-08-31T17:50:01.808" v="336" actId="478"/>
+          <ac:picMkLst>
+            <pc:docMk/>
+            <pc:sldMk cId="1081384" sldId="279"/>
+            <ac:picMk id="7" creationId="{54C3D887-61B0-12C0-71E4-C4054B7568DA}"/>
+          </ac:picMkLst>
+        </pc:picChg>
+        <pc:picChg chg="add mod">
+          <ac:chgData name="Ben Knight" userId="6cbbd36b-0bd9-4edf-ad5d-bdee13dfda16" providerId="ADAL" clId="{0B7A6A91-304E-1C4A-81D7-A13789DB7EB8}" dt="2024-08-31T17:56:32.011" v="539" actId="1076"/>
+          <ac:picMkLst>
+            <pc:docMk/>
+            <pc:sldMk cId="1081384" sldId="279"/>
+            <ac:picMk id="9" creationId="{F8A03EFF-EB81-1D58-4288-22AA5676AD4B}"/>
+          </ac:picMkLst>
+        </pc:picChg>
+        <pc:picChg chg="add mod">
+          <ac:chgData name="Ben Knight" userId="6cbbd36b-0bd9-4edf-ad5d-bdee13dfda16" providerId="ADAL" clId="{0B7A6A91-304E-1C4A-81D7-A13789DB7EB8}" dt="2024-08-31T17:56:32.011" v="539" actId="1076"/>
+          <ac:picMkLst>
+            <pc:docMk/>
+            <pc:sldMk cId="1081384" sldId="279"/>
+            <ac:picMk id="11" creationId="{41E76ADC-9E4C-5FBF-7571-1F3F2F9BE8BC}"/>
+          </ac:picMkLst>
+        </pc:picChg>
+      </pc:sldChg>
+      <pc:sldChg chg="addSp delSp modSp new mod">
+        <pc:chgData name="Ben Knight" userId="6cbbd36b-0bd9-4edf-ad5d-bdee13dfda16" providerId="ADAL" clId="{0B7A6A91-304E-1C4A-81D7-A13789DB7EB8}" dt="2024-08-31T17:51:08.988" v="367" actId="14100"/>
+        <pc:sldMkLst>
+          <pc:docMk/>
+          <pc:sldMk cId="3685060175" sldId="280"/>
+        </pc:sldMkLst>
+        <pc:spChg chg="del">
+          <ac:chgData name="Ben Knight" userId="6cbbd36b-0bd9-4edf-ad5d-bdee13dfda16" providerId="ADAL" clId="{0B7A6A91-304E-1C4A-81D7-A13789DB7EB8}" dt="2024-08-31T17:46:36.776" v="287"/>
+          <ac:spMkLst>
+            <pc:docMk/>
+            <pc:sldMk cId="3685060175" sldId="280"/>
+            <ac:spMk id="3" creationId="{BC641B28-D8AD-BE27-D4E2-30228CECD407}"/>
+          </ac:spMkLst>
+        </pc:spChg>
+        <pc:spChg chg="add del mod">
+          <ac:chgData name="Ben Knight" userId="6cbbd36b-0bd9-4edf-ad5d-bdee13dfda16" providerId="ADAL" clId="{0B7A6A91-304E-1C4A-81D7-A13789DB7EB8}" dt="2024-08-31T17:51:01.546" v="363" actId="478"/>
+          <ac:spMkLst>
+            <pc:docMk/>
+            <pc:sldMk cId="3685060175" sldId="280"/>
+            <ac:spMk id="10" creationId="{A711E6F6-A11F-CA86-30EB-6F7FC1C814C4}"/>
+          </ac:spMkLst>
+        </pc:spChg>
+        <pc:picChg chg="add mod">
+          <ac:chgData name="Ben Knight" userId="6cbbd36b-0bd9-4edf-ad5d-bdee13dfda16" providerId="ADAL" clId="{0B7A6A91-304E-1C4A-81D7-A13789DB7EB8}" dt="2024-08-31T17:51:08.988" v="367" actId="14100"/>
+          <ac:picMkLst>
+            <pc:docMk/>
+            <pc:sldMk cId="3685060175" sldId="280"/>
+            <ac:picMk id="4" creationId="{C414D59A-EC28-6189-C3F2-2483F3220BE2}"/>
+          </ac:picMkLst>
+        </pc:picChg>
+        <pc:picChg chg="add del mod">
+          <ac:chgData name="Ben Knight" userId="6cbbd36b-0bd9-4edf-ad5d-bdee13dfda16" providerId="ADAL" clId="{0B7A6A91-304E-1C4A-81D7-A13789DB7EB8}" dt="2024-08-31T17:50:58.325" v="361" actId="478"/>
+          <ac:picMkLst>
+            <pc:docMk/>
+            <pc:sldMk cId="3685060175" sldId="280"/>
+            <ac:picMk id="5" creationId="{ACACC931-2DB9-B29A-1CAD-64E3D68487F4}"/>
+          </ac:picMkLst>
+        </pc:picChg>
+        <pc:picChg chg="add del mod">
+          <ac:chgData name="Ben Knight" userId="6cbbd36b-0bd9-4edf-ad5d-bdee13dfda16" providerId="ADAL" clId="{0B7A6A91-304E-1C4A-81D7-A13789DB7EB8}" dt="2024-08-31T17:50:57.491" v="360" actId="478"/>
+          <ac:picMkLst>
+            <pc:docMk/>
+            <pc:sldMk cId="3685060175" sldId="280"/>
+            <ac:picMk id="7" creationId="{530D6E1D-70F0-9726-C0A5-AC4377214F9C}"/>
+          </ac:picMkLst>
+        </pc:picChg>
+        <pc:picChg chg="add mod">
+          <ac:chgData name="Ben Knight" userId="6cbbd36b-0bd9-4edf-ad5d-bdee13dfda16" providerId="ADAL" clId="{0B7A6A91-304E-1C4A-81D7-A13789DB7EB8}" dt="2024-08-31T17:51:05.888" v="365" actId="14100"/>
+          <ac:picMkLst>
+            <pc:docMk/>
+            <pc:sldMk cId="3685060175" sldId="280"/>
+            <ac:picMk id="8" creationId="{2E30412F-E35D-123C-7D6A-D4E759ACD3A8}"/>
+          </ac:picMkLst>
+        </pc:picChg>
+      </pc:sldChg>
+      <pc:sldChg chg="addSp delSp modSp new mod">
+        <pc:chgData name="Ben Knight" userId="6cbbd36b-0bd9-4edf-ad5d-bdee13dfda16" providerId="ADAL" clId="{0B7A6A91-304E-1C4A-81D7-A13789DB7EB8}" dt="2024-08-31T17:51:34.171" v="381" actId="14100"/>
+        <pc:sldMkLst>
+          <pc:docMk/>
+          <pc:sldMk cId="3443655303" sldId="281"/>
+        </pc:sldMkLst>
+        <pc:spChg chg="del">
+          <ac:chgData name="Ben Knight" userId="6cbbd36b-0bd9-4edf-ad5d-bdee13dfda16" providerId="ADAL" clId="{0B7A6A91-304E-1C4A-81D7-A13789DB7EB8}" dt="2024-08-31T17:51:12.154" v="369" actId="478"/>
+          <ac:spMkLst>
+            <pc:docMk/>
+            <pc:sldMk cId="3443655303" sldId="281"/>
+            <ac:spMk id="2" creationId="{C518D181-205E-E05A-3C39-DCD088930FB2}"/>
+          </ac:spMkLst>
+        </pc:spChg>
+        <pc:spChg chg="del">
+          <ac:chgData name="Ben Knight" userId="6cbbd36b-0bd9-4edf-ad5d-bdee13dfda16" providerId="ADAL" clId="{0B7A6A91-304E-1C4A-81D7-A13789DB7EB8}" dt="2024-08-31T17:46:55.079" v="296"/>
+          <ac:spMkLst>
+            <pc:docMk/>
+            <pc:sldMk cId="3443655303" sldId="281"/>
+            <ac:spMk id="3" creationId="{997114EE-7CF0-317C-5DE5-78C64E952A70}"/>
+          </ac:spMkLst>
+        </pc:spChg>
+        <pc:spChg chg="add del mod">
+          <ac:chgData name="Ben Knight" userId="6cbbd36b-0bd9-4edf-ad5d-bdee13dfda16" providerId="ADAL" clId="{0B7A6A91-304E-1C4A-81D7-A13789DB7EB8}" dt="2024-08-31T17:51:14.449" v="370" actId="478"/>
+          <ac:spMkLst>
+            <pc:docMk/>
+            <pc:sldMk cId="3443655303" sldId="281"/>
+            <ac:spMk id="4" creationId="{B0C5D0EB-97F5-BE46-ED4D-1D0B523E63E4}"/>
+          </ac:spMkLst>
+        </pc:spChg>
+        <pc:picChg chg="add del mod">
+          <ac:chgData name="Ben Knight" userId="6cbbd36b-0bd9-4edf-ad5d-bdee13dfda16" providerId="ADAL" clId="{0B7A6A91-304E-1C4A-81D7-A13789DB7EB8}" dt="2024-08-31T17:51:12.154" v="369" actId="478"/>
+          <ac:picMkLst>
+            <pc:docMk/>
+            <pc:sldMk cId="3443655303" sldId="281"/>
+            <ac:picMk id="5" creationId="{E948FC84-DD3E-4E0D-FF9E-3198B2FA5889}"/>
+          </ac:picMkLst>
+        </pc:picChg>
+        <pc:picChg chg="add del mod">
+          <ac:chgData name="Ben Knight" userId="6cbbd36b-0bd9-4edf-ad5d-bdee13dfda16" providerId="ADAL" clId="{0B7A6A91-304E-1C4A-81D7-A13789DB7EB8}" dt="2024-08-31T17:51:10.900" v="368" actId="478"/>
+          <ac:picMkLst>
+            <pc:docMk/>
+            <pc:sldMk cId="3443655303" sldId="281"/>
+            <ac:picMk id="7" creationId="{437FE734-8038-0502-2E39-ACF8B4B587B7}"/>
+          </ac:picMkLst>
+        </pc:picChg>
+        <pc:picChg chg="add mod">
+          <ac:chgData name="Ben Knight" userId="6cbbd36b-0bd9-4edf-ad5d-bdee13dfda16" providerId="ADAL" clId="{0B7A6A91-304E-1C4A-81D7-A13789DB7EB8}" dt="2024-08-31T17:51:34.171" v="381" actId="14100"/>
+          <ac:picMkLst>
+            <pc:docMk/>
+            <pc:sldMk cId="3443655303" sldId="281"/>
+            <ac:picMk id="8" creationId="{9169D950-BA81-DA61-C335-B8A4AD3C02DF}"/>
+          </ac:picMkLst>
+        </pc:picChg>
+        <pc:picChg chg="add mod">
+          <ac:chgData name="Ben Knight" userId="6cbbd36b-0bd9-4edf-ad5d-bdee13dfda16" providerId="ADAL" clId="{0B7A6A91-304E-1C4A-81D7-A13789DB7EB8}" dt="2024-08-31T17:51:30.504" v="379" actId="14100"/>
+          <ac:picMkLst>
+            <pc:docMk/>
+            <pc:sldMk cId="3443655303" sldId="281"/>
+            <ac:picMk id="10" creationId="{1A7FA656-4118-F7FA-CE14-FB15EBA9A0EF}"/>
+          </ac:picMkLst>
+        </pc:picChg>
+      </pc:sldChg>
+      <pc:sldChg chg="addSp delSp modSp new mod">
+        <pc:chgData name="Ben Knight" userId="6cbbd36b-0bd9-4edf-ad5d-bdee13dfda16" providerId="ADAL" clId="{0B7A6A91-304E-1C4A-81D7-A13789DB7EB8}" dt="2024-08-31T17:51:50.270" v="391" actId="14100"/>
+        <pc:sldMkLst>
+          <pc:docMk/>
+          <pc:sldMk cId="498473921" sldId="282"/>
+        </pc:sldMkLst>
+        <pc:spChg chg="del">
+          <ac:chgData name="Ben Knight" userId="6cbbd36b-0bd9-4edf-ad5d-bdee13dfda16" providerId="ADAL" clId="{0B7A6A91-304E-1C4A-81D7-A13789DB7EB8}" dt="2024-08-31T17:51:18.109" v="371" actId="478"/>
+          <ac:spMkLst>
+            <pc:docMk/>
+            <pc:sldMk cId="498473921" sldId="282"/>
+            <ac:spMk id="2" creationId="{20D2F3A8-3B39-CE4E-84DD-E893D86E3799}"/>
+          </ac:spMkLst>
+        </pc:spChg>
+        <pc:spChg chg="del">
+          <ac:chgData name="Ben Knight" userId="6cbbd36b-0bd9-4edf-ad5d-bdee13dfda16" providerId="ADAL" clId="{0B7A6A91-304E-1C4A-81D7-A13789DB7EB8}" dt="2024-08-31T17:47:49.889" v="324"/>
+          <ac:spMkLst>
+            <pc:docMk/>
+            <pc:sldMk cId="498473921" sldId="282"/>
+            <ac:spMk id="3" creationId="{7E7FC5C3-FC18-969A-3A76-3423C76C8F56}"/>
+          </ac:spMkLst>
+        </pc:spChg>
+        <pc:spChg chg="add del mod">
+          <ac:chgData name="Ben Knight" userId="6cbbd36b-0bd9-4edf-ad5d-bdee13dfda16" providerId="ADAL" clId="{0B7A6A91-304E-1C4A-81D7-A13789DB7EB8}" dt="2024-08-31T17:51:19.796" v="372" actId="478"/>
+          <ac:spMkLst>
+            <pc:docMk/>
+            <pc:sldMk cId="498473921" sldId="282"/>
+            <ac:spMk id="4" creationId="{51576283-B398-FBF1-B0AE-F5B1C5C46CB7}"/>
+          </ac:spMkLst>
+        </pc:spChg>
+        <pc:picChg chg="add del mod">
+          <ac:chgData name="Ben Knight" userId="6cbbd36b-0bd9-4edf-ad5d-bdee13dfda16" providerId="ADAL" clId="{0B7A6A91-304E-1C4A-81D7-A13789DB7EB8}" dt="2024-08-31T17:51:18.109" v="371" actId="478"/>
+          <ac:picMkLst>
+            <pc:docMk/>
+            <pc:sldMk cId="498473921" sldId="282"/>
+            <ac:picMk id="5" creationId="{B39AD1ED-CCDB-1FC7-C529-B00C0A062207}"/>
+          </ac:picMkLst>
+        </pc:picChg>
+        <pc:picChg chg="add del mod">
+          <ac:chgData name="Ben Knight" userId="6cbbd36b-0bd9-4edf-ad5d-bdee13dfda16" providerId="ADAL" clId="{0B7A6A91-304E-1C4A-81D7-A13789DB7EB8}" dt="2024-08-31T17:51:18.109" v="371" actId="478"/>
+          <ac:picMkLst>
+            <pc:docMk/>
+            <pc:sldMk cId="498473921" sldId="282"/>
+            <ac:picMk id="7" creationId="{C97691D1-2D2E-3B39-3C92-911BBEA5A01C}"/>
+          </ac:picMkLst>
+        </pc:picChg>
+        <pc:picChg chg="add mod">
+          <ac:chgData name="Ben Knight" userId="6cbbd36b-0bd9-4edf-ad5d-bdee13dfda16" providerId="ADAL" clId="{0B7A6A91-304E-1C4A-81D7-A13789DB7EB8}" dt="2024-08-31T17:51:50.270" v="391" actId="14100"/>
+          <ac:picMkLst>
+            <pc:docMk/>
+            <pc:sldMk cId="498473921" sldId="282"/>
+            <ac:picMk id="8" creationId="{5A10A27A-7B1A-0E32-634B-8D912467EA54}"/>
+          </ac:picMkLst>
+        </pc:picChg>
+        <pc:picChg chg="add mod">
+          <ac:chgData name="Ben Knight" userId="6cbbd36b-0bd9-4edf-ad5d-bdee13dfda16" providerId="ADAL" clId="{0B7A6A91-304E-1C4A-81D7-A13789DB7EB8}" dt="2024-08-31T17:51:44.787" v="389" actId="14100"/>
+          <ac:picMkLst>
+            <pc:docMk/>
+            <pc:sldMk cId="498473921" sldId="282"/>
+            <ac:picMk id="10" creationId="{314BE359-E00B-23DD-2F0E-F8311D7FA7BF}"/>
+          </ac:picMkLst>
+        </pc:picChg>
+      </pc:sldChg>
+      <pc:sldChg chg="addSp delSp modSp new mod">
+        <pc:chgData name="Ben Knight" userId="6cbbd36b-0bd9-4edf-ad5d-bdee13dfda16" providerId="ADAL" clId="{0B7A6A91-304E-1C4A-81D7-A13789DB7EB8}" dt="2024-08-31T17:52:12.820" v="398" actId="14100"/>
+        <pc:sldMkLst>
+          <pc:docMk/>
+          <pc:sldMk cId="3484982821" sldId="283"/>
+        </pc:sldMkLst>
+        <pc:spChg chg="del">
+          <ac:chgData name="Ben Knight" userId="6cbbd36b-0bd9-4edf-ad5d-bdee13dfda16" providerId="ADAL" clId="{0B7A6A91-304E-1C4A-81D7-A13789DB7EB8}" dt="2024-08-31T17:52:03.691" v="392"/>
+          <ac:spMkLst>
+            <pc:docMk/>
+            <pc:sldMk cId="3484982821" sldId="283"/>
+            <ac:spMk id="3" creationId="{6466B113-B375-B6DB-6BC4-EA8BA5D253AC}"/>
+          </ac:spMkLst>
+        </pc:spChg>
+        <pc:picChg chg="add mod">
+          <ac:chgData name="Ben Knight" userId="6cbbd36b-0bd9-4edf-ad5d-bdee13dfda16" providerId="ADAL" clId="{0B7A6A91-304E-1C4A-81D7-A13789DB7EB8}" dt="2024-08-31T17:52:12.820" v="398" actId="14100"/>
+          <ac:picMkLst>
+            <pc:docMk/>
+            <pc:sldMk cId="3484982821" sldId="283"/>
+            <ac:picMk id="6" creationId="{2E907E56-1943-8DAD-5036-EC97C39AD03B}"/>
+          </ac:picMkLst>
+        </pc:picChg>
+        <pc:picChg chg="add mod">
+          <ac:chgData name="Ben Knight" userId="6cbbd36b-0bd9-4edf-ad5d-bdee13dfda16" providerId="ADAL" clId="{0B7A6A91-304E-1C4A-81D7-A13789DB7EB8}" dt="2024-08-31T17:52:09.303" v="396" actId="14100"/>
+          <ac:picMkLst>
+            <pc:docMk/>
+            <pc:sldMk cId="3484982821" sldId="283"/>
+            <ac:picMk id="8" creationId="{01CD7298-8DAB-0374-A6B6-C75362485BCB}"/>
+          </ac:picMkLst>
+        </pc:picChg>
+      </pc:sldChg>
+      <pc:sldChg chg="addSp delSp modSp new mod">
+        <pc:chgData name="Ben Knight" userId="6cbbd36b-0bd9-4edf-ad5d-bdee13dfda16" providerId="ADAL" clId="{0B7A6A91-304E-1C4A-81D7-A13789DB7EB8}" dt="2024-08-31T17:52:28.286" v="407" actId="14100"/>
+        <pc:sldMkLst>
+          <pc:docMk/>
+          <pc:sldMk cId="1891838126" sldId="284"/>
+        </pc:sldMkLst>
+        <pc:spChg chg="del">
+          <ac:chgData name="Ben Knight" userId="6cbbd36b-0bd9-4edf-ad5d-bdee13dfda16" providerId="ADAL" clId="{0B7A6A91-304E-1C4A-81D7-A13789DB7EB8}" dt="2024-08-31T17:52:20.022" v="399"/>
+          <ac:spMkLst>
+            <pc:docMk/>
+            <pc:sldMk cId="1891838126" sldId="284"/>
+            <ac:spMk id="3" creationId="{504C792D-0EC8-6FDF-D59B-1657BB0DA480}"/>
+          </ac:spMkLst>
+        </pc:spChg>
+        <pc:picChg chg="add mod">
+          <ac:chgData name="Ben Knight" userId="6cbbd36b-0bd9-4edf-ad5d-bdee13dfda16" providerId="ADAL" clId="{0B7A6A91-304E-1C4A-81D7-A13789DB7EB8}" dt="2024-08-31T17:52:28.286" v="407" actId="14100"/>
+          <ac:picMkLst>
+            <pc:docMk/>
+            <pc:sldMk cId="1891838126" sldId="284"/>
+            <ac:picMk id="5" creationId="{DBE970B7-EED9-ECCD-FD6E-A7A23A438FDC}"/>
+          </ac:picMkLst>
+        </pc:picChg>
+        <pc:picChg chg="add mod">
+          <ac:chgData name="Ben Knight" userId="6cbbd36b-0bd9-4edf-ad5d-bdee13dfda16" providerId="ADAL" clId="{0B7A6A91-304E-1C4A-81D7-A13789DB7EB8}" dt="2024-08-31T17:52:22.886" v="405" actId="14100"/>
+          <ac:picMkLst>
+            <pc:docMk/>
+            <pc:sldMk cId="1891838126" sldId="284"/>
+            <ac:picMk id="7" creationId="{B5AECE35-84FC-8410-AB58-98CC63E24E84}"/>
+          </ac:picMkLst>
+        </pc:picChg>
+      </pc:sldChg>
+      <pc:sldChg chg="addSp delSp modSp new mod">
+        <pc:chgData name="Ben Knight" userId="6cbbd36b-0bd9-4edf-ad5d-bdee13dfda16" providerId="ADAL" clId="{0B7A6A91-304E-1C4A-81D7-A13789DB7EB8}" dt="2024-08-31T17:52:43.302" v="416" actId="14100"/>
+        <pc:sldMkLst>
+          <pc:docMk/>
+          <pc:sldMk cId="4283351874" sldId="285"/>
+        </pc:sldMkLst>
+        <pc:spChg chg="del">
+          <ac:chgData name="Ben Knight" userId="6cbbd36b-0bd9-4edf-ad5d-bdee13dfda16" providerId="ADAL" clId="{0B7A6A91-304E-1C4A-81D7-A13789DB7EB8}" dt="2024-08-31T17:52:35.289" v="408"/>
+          <ac:spMkLst>
+            <pc:docMk/>
+            <pc:sldMk cId="4283351874" sldId="285"/>
+            <ac:spMk id="3" creationId="{2A3506E3-62E9-DA4E-4632-A413BC6BE135}"/>
+          </ac:spMkLst>
+        </pc:spChg>
+        <pc:picChg chg="add mod">
+          <ac:chgData name="Ben Knight" userId="6cbbd36b-0bd9-4edf-ad5d-bdee13dfda16" providerId="ADAL" clId="{0B7A6A91-304E-1C4A-81D7-A13789DB7EB8}" dt="2024-08-31T17:52:43.302" v="416" actId="14100"/>
+          <ac:picMkLst>
+            <pc:docMk/>
+            <pc:sldMk cId="4283351874" sldId="285"/>
+            <ac:picMk id="5" creationId="{02AC8009-2C5E-7430-A441-ACE086347C2C}"/>
+          </ac:picMkLst>
+        </pc:picChg>
+        <pc:picChg chg="add mod">
+          <ac:chgData name="Ben Knight" userId="6cbbd36b-0bd9-4edf-ad5d-bdee13dfda16" providerId="ADAL" clId="{0B7A6A91-304E-1C4A-81D7-A13789DB7EB8}" dt="2024-08-31T17:52:38.635" v="414" actId="14100"/>
+          <ac:picMkLst>
+            <pc:docMk/>
+            <pc:sldMk cId="4283351874" sldId="285"/>
+            <ac:picMk id="7" creationId="{0FFD43A2-058E-6E11-7272-AED1EBE74D6F}"/>
+          </ac:picMkLst>
+        </pc:picChg>
+      </pc:sldChg>
+      <pc:sldChg chg="addSp delSp modSp new mod">
+        <pc:chgData name="Ben Knight" userId="6cbbd36b-0bd9-4edf-ad5d-bdee13dfda16" providerId="ADAL" clId="{0B7A6A91-304E-1C4A-81D7-A13789DB7EB8}" dt="2024-08-31T17:58:16.527" v="542" actId="478"/>
+        <pc:sldMkLst>
+          <pc:docMk/>
+          <pc:sldMk cId="2094289761" sldId="286"/>
+        </pc:sldMkLst>
+        <pc:spChg chg="del">
+          <ac:chgData name="Ben Knight" userId="6cbbd36b-0bd9-4edf-ad5d-bdee13dfda16" providerId="ADAL" clId="{0B7A6A91-304E-1C4A-81D7-A13789DB7EB8}" dt="2024-08-31T17:52:51.558" v="417"/>
+          <ac:spMkLst>
+            <pc:docMk/>
+            <pc:sldMk cId="2094289761" sldId="286"/>
+            <ac:spMk id="3" creationId="{27995B32-071F-C80A-6A30-769E07DB0FD7}"/>
+          </ac:spMkLst>
+        </pc:spChg>
+        <pc:picChg chg="add mod">
+          <ac:chgData name="Ben Knight" userId="6cbbd36b-0bd9-4edf-ad5d-bdee13dfda16" providerId="ADAL" clId="{0B7A6A91-304E-1C4A-81D7-A13789DB7EB8}" dt="2024-08-31T17:52:59.352" v="425" actId="14100"/>
+          <ac:picMkLst>
+            <pc:docMk/>
+            <pc:sldMk cId="2094289761" sldId="286"/>
+            <ac:picMk id="5" creationId="{4B1E1EBD-8139-3DD0-C631-B59E4F335445}"/>
+          </ac:picMkLst>
+        </pc:picChg>
+        <pc:picChg chg="add mod">
+          <ac:chgData name="Ben Knight" userId="6cbbd36b-0bd9-4edf-ad5d-bdee13dfda16" providerId="ADAL" clId="{0B7A6A91-304E-1C4A-81D7-A13789DB7EB8}" dt="2024-08-31T17:52:55.252" v="423" actId="14100"/>
+          <ac:picMkLst>
+            <pc:docMk/>
+            <pc:sldMk cId="2094289761" sldId="286"/>
+            <ac:picMk id="7" creationId="{9378DFF2-B30F-EFD1-AE74-1167532DDFFA}"/>
+          </ac:picMkLst>
+        </pc:picChg>
+        <pc:picChg chg="add del mod">
+          <ac:chgData name="Ben Knight" userId="6cbbd36b-0bd9-4edf-ad5d-bdee13dfda16" providerId="ADAL" clId="{0B7A6A91-304E-1C4A-81D7-A13789DB7EB8}" dt="2024-08-31T17:58:16.527" v="542" actId="478"/>
+          <ac:picMkLst>
+            <pc:docMk/>
+            <pc:sldMk cId="2094289761" sldId="286"/>
+            <ac:picMk id="8" creationId="{0DFDA40F-E7FE-EB60-432B-2F727D308785}"/>
+          </ac:picMkLst>
+        </pc:picChg>
+        <pc:picChg chg="add del mod">
+          <ac:chgData name="Ben Knight" userId="6cbbd36b-0bd9-4edf-ad5d-bdee13dfda16" providerId="ADAL" clId="{0B7A6A91-304E-1C4A-81D7-A13789DB7EB8}" dt="2024-08-31T17:58:15.581" v="541" actId="478"/>
+          <ac:picMkLst>
+            <pc:docMk/>
+            <pc:sldMk cId="2094289761" sldId="286"/>
+            <ac:picMk id="9" creationId="{C2C92BF9-EC10-F063-A17A-5218F3148E4E}"/>
+          </ac:picMkLst>
+        </pc:picChg>
+      </pc:sldChg>
+      <pc:sldChg chg="addSp delSp modSp new mod">
+        <pc:chgData name="Ben Knight" userId="6cbbd36b-0bd9-4edf-ad5d-bdee13dfda16" providerId="ADAL" clId="{0B7A6A91-304E-1C4A-81D7-A13789DB7EB8}" dt="2024-08-31T17:53:13.402" v="434" actId="14100"/>
+        <pc:sldMkLst>
+          <pc:docMk/>
+          <pc:sldMk cId="3402386528" sldId="287"/>
+        </pc:sldMkLst>
+        <pc:spChg chg="del">
+          <ac:chgData name="Ben Knight" userId="6cbbd36b-0bd9-4edf-ad5d-bdee13dfda16" providerId="ADAL" clId="{0B7A6A91-304E-1C4A-81D7-A13789DB7EB8}" dt="2024-08-31T17:53:04.239" v="426"/>
+          <ac:spMkLst>
+            <pc:docMk/>
+            <pc:sldMk cId="3402386528" sldId="287"/>
+            <ac:spMk id="3" creationId="{53101028-2447-C07F-319F-7741937A76AF}"/>
+          </ac:spMkLst>
+        </pc:spChg>
+        <pc:picChg chg="add mod">
+          <ac:chgData name="Ben Knight" userId="6cbbd36b-0bd9-4edf-ad5d-bdee13dfda16" providerId="ADAL" clId="{0B7A6A91-304E-1C4A-81D7-A13789DB7EB8}" dt="2024-08-31T17:53:13.402" v="434" actId="14100"/>
+          <ac:picMkLst>
+            <pc:docMk/>
+            <pc:sldMk cId="3402386528" sldId="287"/>
+            <ac:picMk id="5" creationId="{24FFD5CB-16F4-D4B0-FCC8-E5FCDEE99EB7}"/>
+          </ac:picMkLst>
+        </pc:picChg>
+        <pc:picChg chg="add mod">
+          <ac:chgData name="Ben Knight" userId="6cbbd36b-0bd9-4edf-ad5d-bdee13dfda16" providerId="ADAL" clId="{0B7A6A91-304E-1C4A-81D7-A13789DB7EB8}" dt="2024-08-31T17:53:09.215" v="432" actId="14100"/>
+          <ac:picMkLst>
+            <pc:docMk/>
+            <pc:sldMk cId="3402386528" sldId="287"/>
+            <ac:picMk id="7" creationId="{BD862DD8-5CB8-C227-63C3-EF43B766DC1D}"/>
+          </ac:picMkLst>
+        </pc:picChg>
+      </pc:sldChg>
+      <pc:sldChg chg="addSp delSp modSp new mod">
+        <pc:chgData name="Ben Knight" userId="6cbbd36b-0bd9-4edf-ad5d-bdee13dfda16" providerId="ADAL" clId="{0B7A6A91-304E-1C4A-81D7-A13789DB7EB8}" dt="2024-08-31T17:53:32.902" v="444" actId="14100"/>
+        <pc:sldMkLst>
+          <pc:docMk/>
+          <pc:sldMk cId="3142630967" sldId="288"/>
+        </pc:sldMkLst>
+        <pc:spChg chg="del">
+          <ac:chgData name="Ben Knight" userId="6cbbd36b-0bd9-4edf-ad5d-bdee13dfda16" providerId="ADAL" clId="{0B7A6A91-304E-1C4A-81D7-A13789DB7EB8}" dt="2024-08-31T17:53:21.424" v="435"/>
+          <ac:spMkLst>
+            <pc:docMk/>
+            <pc:sldMk cId="3142630967" sldId="288"/>
+            <ac:spMk id="3" creationId="{7B961096-89F8-FA5F-7E6E-2BBCCD06DA59}"/>
+          </ac:spMkLst>
+        </pc:spChg>
+        <pc:picChg chg="add mod">
+          <ac:chgData name="Ben Knight" userId="6cbbd36b-0bd9-4edf-ad5d-bdee13dfda16" providerId="ADAL" clId="{0B7A6A91-304E-1C4A-81D7-A13789DB7EB8}" dt="2024-08-31T17:53:32.902" v="444" actId="14100"/>
+          <ac:picMkLst>
+            <pc:docMk/>
+            <pc:sldMk cId="3142630967" sldId="288"/>
+            <ac:picMk id="5" creationId="{CBD4AA52-73C1-F146-171D-CAE138B86168}"/>
+          </ac:picMkLst>
+        </pc:picChg>
+        <pc:picChg chg="add mod">
+          <ac:chgData name="Ben Knight" userId="6cbbd36b-0bd9-4edf-ad5d-bdee13dfda16" providerId="ADAL" clId="{0B7A6A91-304E-1C4A-81D7-A13789DB7EB8}" dt="2024-08-31T17:53:25.168" v="441" actId="14100"/>
+          <ac:picMkLst>
+            <pc:docMk/>
+            <pc:sldMk cId="3142630967" sldId="288"/>
+            <ac:picMk id="7" creationId="{1C7FDB0E-97C4-602F-3140-DF5FE7CBD2B5}"/>
+          </ac:picMkLst>
+        </pc:picChg>
+      </pc:sldChg>
+      <pc:sldChg chg="addSp delSp modSp new mod">
+        <pc:chgData name="Ben Knight" userId="6cbbd36b-0bd9-4edf-ad5d-bdee13dfda16" providerId="ADAL" clId="{0B7A6A91-304E-1C4A-81D7-A13789DB7EB8}" dt="2024-08-31T17:53:47.853" v="454" actId="14100"/>
+        <pc:sldMkLst>
+          <pc:docMk/>
+          <pc:sldMk cId="350572610" sldId="289"/>
+        </pc:sldMkLst>
+        <pc:spChg chg="del">
+          <ac:chgData name="Ben Knight" userId="6cbbd36b-0bd9-4edf-ad5d-bdee13dfda16" providerId="ADAL" clId="{0B7A6A91-304E-1C4A-81D7-A13789DB7EB8}" dt="2024-08-31T17:53:38.991" v="445"/>
+          <ac:spMkLst>
+            <pc:docMk/>
+            <pc:sldMk cId="350572610" sldId="289"/>
+            <ac:spMk id="3" creationId="{263D8E3C-CC7E-8F15-25E1-84116D30462A}"/>
+          </ac:spMkLst>
+        </pc:spChg>
+        <pc:picChg chg="add mod">
+          <ac:chgData name="Ben Knight" userId="6cbbd36b-0bd9-4edf-ad5d-bdee13dfda16" providerId="ADAL" clId="{0B7A6A91-304E-1C4A-81D7-A13789DB7EB8}" dt="2024-08-31T17:53:47.853" v="454" actId="14100"/>
+          <ac:picMkLst>
+            <pc:docMk/>
+            <pc:sldMk cId="350572610" sldId="289"/>
+            <ac:picMk id="5" creationId="{CF3AD8CC-3B1E-F164-A625-08249209BED7}"/>
+          </ac:picMkLst>
+        </pc:picChg>
+        <pc:picChg chg="add mod">
+          <ac:chgData name="Ben Knight" userId="6cbbd36b-0bd9-4edf-ad5d-bdee13dfda16" providerId="ADAL" clId="{0B7A6A91-304E-1C4A-81D7-A13789DB7EB8}" dt="2024-08-31T17:53:44.234" v="452" actId="1076"/>
+          <ac:picMkLst>
+            <pc:docMk/>
+            <pc:sldMk cId="350572610" sldId="289"/>
+            <ac:picMk id="7" creationId="{01058F64-32B7-714B-38DE-B5B74FBAB01F}"/>
+          </ac:picMkLst>
+        </pc:picChg>
+      </pc:sldChg>
+      <pc:sldChg chg="addSp delSp modSp new mod">
+        <pc:chgData name="Ben Knight" userId="6cbbd36b-0bd9-4edf-ad5d-bdee13dfda16" providerId="ADAL" clId="{0B7A6A91-304E-1C4A-81D7-A13789DB7EB8}" dt="2024-08-31T17:54:02.567" v="463" actId="14100"/>
+        <pc:sldMkLst>
+          <pc:docMk/>
+          <pc:sldMk cId="4099946203" sldId="290"/>
+        </pc:sldMkLst>
+        <pc:spChg chg="del">
+          <ac:chgData name="Ben Knight" userId="6cbbd36b-0bd9-4edf-ad5d-bdee13dfda16" providerId="ADAL" clId="{0B7A6A91-304E-1C4A-81D7-A13789DB7EB8}" dt="2024-08-31T17:53:54.253" v="455"/>
+          <ac:spMkLst>
+            <pc:docMk/>
+            <pc:sldMk cId="4099946203" sldId="290"/>
+            <ac:spMk id="3" creationId="{8DAB5CE3-0482-D726-3DD7-C80B76466DD7}"/>
+          </ac:spMkLst>
+        </pc:spChg>
+        <pc:picChg chg="add mod">
+          <ac:chgData name="Ben Knight" userId="6cbbd36b-0bd9-4edf-ad5d-bdee13dfda16" providerId="ADAL" clId="{0B7A6A91-304E-1C4A-81D7-A13789DB7EB8}" dt="2024-08-31T17:54:02.567" v="463" actId="14100"/>
+          <ac:picMkLst>
+            <pc:docMk/>
+            <pc:sldMk cId="4099946203" sldId="290"/>
+            <ac:picMk id="5" creationId="{04E5BDE5-5FEF-8449-CEE8-C7C1CB01423C}"/>
+          </ac:picMkLst>
+        </pc:picChg>
+        <pc:picChg chg="add mod">
+          <ac:chgData name="Ben Knight" userId="6cbbd36b-0bd9-4edf-ad5d-bdee13dfda16" providerId="ADAL" clId="{0B7A6A91-304E-1C4A-81D7-A13789DB7EB8}" dt="2024-08-31T17:53:58.850" v="461" actId="14100"/>
+          <ac:picMkLst>
+            <pc:docMk/>
+            <pc:sldMk cId="4099946203" sldId="290"/>
+            <ac:picMk id="7" creationId="{31049701-E069-2D9D-4AEE-0D85BF97F1B2}"/>
+          </ac:picMkLst>
+        </pc:picChg>
+      </pc:sldChg>
+      <pc:sldChg chg="addSp delSp modSp new mod">
+        <pc:chgData name="Ben Knight" userId="6cbbd36b-0bd9-4edf-ad5d-bdee13dfda16" providerId="ADAL" clId="{0B7A6A91-304E-1C4A-81D7-A13789DB7EB8}" dt="2024-08-31T17:54:18.449" v="472" actId="14100"/>
+        <pc:sldMkLst>
+          <pc:docMk/>
+          <pc:sldMk cId="2497148198" sldId="291"/>
+        </pc:sldMkLst>
+        <pc:spChg chg="del">
+          <ac:chgData name="Ben Knight" userId="6cbbd36b-0bd9-4edf-ad5d-bdee13dfda16" providerId="ADAL" clId="{0B7A6A91-304E-1C4A-81D7-A13789DB7EB8}" dt="2024-08-31T17:54:09.961" v="464"/>
+          <ac:spMkLst>
+            <pc:docMk/>
+            <pc:sldMk cId="2497148198" sldId="291"/>
+            <ac:spMk id="3" creationId="{6FE0D2B2-0C3C-EB4F-C1CE-D5488B00E91C}"/>
+          </ac:spMkLst>
+        </pc:spChg>
+        <pc:picChg chg="add mod">
+          <ac:chgData name="Ben Knight" userId="6cbbd36b-0bd9-4edf-ad5d-bdee13dfda16" providerId="ADAL" clId="{0B7A6A91-304E-1C4A-81D7-A13789DB7EB8}" dt="2024-08-31T17:54:18.449" v="472" actId="14100"/>
+          <ac:picMkLst>
+            <pc:docMk/>
+            <pc:sldMk cId="2497148198" sldId="291"/>
+            <ac:picMk id="5" creationId="{915EB611-E21E-A723-8524-386B047CE6EF}"/>
+          </ac:picMkLst>
+        </pc:picChg>
+        <pc:picChg chg="add mod">
+          <ac:chgData name="Ben Knight" userId="6cbbd36b-0bd9-4edf-ad5d-bdee13dfda16" providerId="ADAL" clId="{0B7A6A91-304E-1C4A-81D7-A13789DB7EB8}" dt="2024-08-31T17:54:14.067" v="470" actId="1076"/>
+          <ac:picMkLst>
+            <pc:docMk/>
+            <pc:sldMk cId="2497148198" sldId="291"/>
+            <ac:picMk id="7" creationId="{68866361-314F-6178-2EEC-948BB7948C76}"/>
+          </ac:picMkLst>
+        </pc:picChg>
+      </pc:sldChg>
+      <pc:sldChg chg="addSp delSp modSp new mod">
+        <pc:chgData name="Ben Knight" userId="6cbbd36b-0bd9-4edf-ad5d-bdee13dfda16" providerId="ADAL" clId="{0B7A6A91-304E-1C4A-81D7-A13789DB7EB8}" dt="2024-08-31T17:54:30.727" v="481" actId="14100"/>
+        <pc:sldMkLst>
+          <pc:docMk/>
+          <pc:sldMk cId="4275122243" sldId="292"/>
+        </pc:sldMkLst>
+        <pc:spChg chg="del">
+          <ac:chgData name="Ben Knight" userId="6cbbd36b-0bd9-4edf-ad5d-bdee13dfda16" providerId="ADAL" clId="{0B7A6A91-304E-1C4A-81D7-A13789DB7EB8}" dt="2024-08-31T17:54:22.785" v="473"/>
+          <ac:spMkLst>
+            <pc:docMk/>
+            <pc:sldMk cId="4275122243" sldId="292"/>
+            <ac:spMk id="3" creationId="{38DD6C46-4A99-10D5-4840-AE965C38AD86}"/>
+          </ac:spMkLst>
+        </pc:spChg>
+        <pc:picChg chg="add mod">
+          <ac:chgData name="Ben Knight" userId="6cbbd36b-0bd9-4edf-ad5d-bdee13dfda16" providerId="ADAL" clId="{0B7A6A91-304E-1C4A-81D7-A13789DB7EB8}" dt="2024-08-31T17:54:30.727" v="481" actId="14100"/>
+          <ac:picMkLst>
+            <pc:docMk/>
+            <pc:sldMk cId="4275122243" sldId="292"/>
+            <ac:picMk id="5" creationId="{89F7E420-0E24-40B7-E89C-B74225068115}"/>
+          </ac:picMkLst>
+        </pc:picChg>
+        <pc:picChg chg="add mod">
+          <ac:chgData name="Ben Knight" userId="6cbbd36b-0bd9-4edf-ad5d-bdee13dfda16" providerId="ADAL" clId="{0B7A6A91-304E-1C4A-81D7-A13789DB7EB8}" dt="2024-08-31T17:54:26.750" v="479" actId="14100"/>
+          <ac:picMkLst>
+            <pc:docMk/>
+            <pc:sldMk cId="4275122243" sldId="292"/>
+            <ac:picMk id="7" creationId="{33E249D6-C057-AFE1-A405-0F612378119B}"/>
+          </ac:picMkLst>
+        </pc:picChg>
+      </pc:sldChg>
+      <pc:sldChg chg="addSp delSp modSp new mod">
+        <pc:chgData name="Ben Knight" userId="6cbbd36b-0bd9-4edf-ad5d-bdee13dfda16" providerId="ADAL" clId="{0B7A6A91-304E-1C4A-81D7-A13789DB7EB8}" dt="2024-08-31T17:54:45.483" v="490" actId="14100"/>
+        <pc:sldMkLst>
+          <pc:docMk/>
+          <pc:sldMk cId="4060901496" sldId="293"/>
+        </pc:sldMkLst>
+        <pc:spChg chg="del">
+          <ac:chgData name="Ben Knight" userId="6cbbd36b-0bd9-4edf-ad5d-bdee13dfda16" providerId="ADAL" clId="{0B7A6A91-304E-1C4A-81D7-A13789DB7EB8}" dt="2024-08-31T17:54:38.484" v="482"/>
+          <ac:spMkLst>
+            <pc:docMk/>
+            <pc:sldMk cId="4060901496" sldId="293"/>
+            <ac:spMk id="3" creationId="{76AE1417-9CE5-369F-E1DE-4173C5B180CA}"/>
+          </ac:spMkLst>
+        </pc:spChg>
+        <pc:picChg chg="add mod">
+          <ac:chgData name="Ben Knight" userId="6cbbd36b-0bd9-4edf-ad5d-bdee13dfda16" providerId="ADAL" clId="{0B7A6A91-304E-1C4A-81D7-A13789DB7EB8}" dt="2024-08-31T17:54:45.483" v="490" actId="14100"/>
+          <ac:picMkLst>
+            <pc:docMk/>
+            <pc:sldMk cId="4060901496" sldId="293"/>
+            <ac:picMk id="5" creationId="{04BFB659-56B6-77DC-FD0D-8EC9EE4B1E3E}"/>
+          </ac:picMkLst>
+        </pc:picChg>
+        <pc:picChg chg="add mod">
+          <ac:chgData name="Ben Knight" userId="6cbbd36b-0bd9-4edf-ad5d-bdee13dfda16" providerId="ADAL" clId="{0B7A6A91-304E-1C4A-81D7-A13789DB7EB8}" dt="2024-08-31T17:54:42.349" v="488" actId="14100"/>
+          <ac:picMkLst>
+            <pc:docMk/>
+            <pc:sldMk cId="4060901496" sldId="293"/>
+            <ac:picMk id="7" creationId="{BDEF9531-E6DC-E266-C5D1-1FEB33A0CE48}"/>
+          </ac:picMkLst>
+        </pc:picChg>
+      </pc:sldChg>
+      <pc:sldChg chg="addSp delSp modSp new mod">
+        <pc:chgData name="Ben Knight" userId="6cbbd36b-0bd9-4edf-ad5d-bdee13dfda16" providerId="ADAL" clId="{0B7A6A91-304E-1C4A-81D7-A13789DB7EB8}" dt="2024-08-31T17:54:58.516" v="499" actId="14100"/>
+        <pc:sldMkLst>
+          <pc:docMk/>
+          <pc:sldMk cId="3529263711" sldId="294"/>
+        </pc:sldMkLst>
+        <pc:spChg chg="del">
+          <ac:chgData name="Ben Knight" userId="6cbbd36b-0bd9-4edf-ad5d-bdee13dfda16" providerId="ADAL" clId="{0B7A6A91-304E-1C4A-81D7-A13789DB7EB8}" dt="2024-08-31T17:54:51.208" v="491"/>
+          <ac:spMkLst>
+            <pc:docMk/>
+            <pc:sldMk cId="3529263711" sldId="294"/>
+            <ac:spMk id="3" creationId="{E83E774D-3C83-0C15-0E97-B8411A0FE51C}"/>
+          </ac:spMkLst>
+        </pc:spChg>
+        <pc:picChg chg="add mod">
+          <ac:chgData name="Ben Knight" userId="6cbbd36b-0bd9-4edf-ad5d-bdee13dfda16" providerId="ADAL" clId="{0B7A6A91-304E-1C4A-81D7-A13789DB7EB8}" dt="2024-08-31T17:54:58.516" v="499" actId="14100"/>
+          <ac:picMkLst>
+            <pc:docMk/>
+            <pc:sldMk cId="3529263711" sldId="294"/>
+            <ac:picMk id="5" creationId="{41C77EC3-A840-521F-A9E5-E6CE9D7959D2}"/>
+          </ac:picMkLst>
+        </pc:picChg>
+        <pc:picChg chg="add mod">
+          <ac:chgData name="Ben Knight" userId="6cbbd36b-0bd9-4edf-ad5d-bdee13dfda16" providerId="ADAL" clId="{0B7A6A91-304E-1C4A-81D7-A13789DB7EB8}" dt="2024-08-31T17:54:54.249" v="497" actId="14100"/>
+          <ac:picMkLst>
+            <pc:docMk/>
+            <pc:sldMk cId="3529263711" sldId="294"/>
+            <ac:picMk id="7" creationId="{7F0DB23F-041E-AD37-949A-EDFA7FCE6EF5}"/>
+          </ac:picMkLst>
+        </pc:picChg>
+      </pc:sldChg>
+      <pc:sldChg chg="addSp delSp modSp new mod">
+        <pc:chgData name="Ben Knight" userId="6cbbd36b-0bd9-4edf-ad5d-bdee13dfda16" providerId="ADAL" clId="{0B7A6A91-304E-1C4A-81D7-A13789DB7EB8}" dt="2024-08-31T17:55:14.238" v="510" actId="1038"/>
+        <pc:sldMkLst>
+          <pc:docMk/>
+          <pc:sldMk cId="3126496142" sldId="295"/>
+        </pc:sldMkLst>
+        <pc:spChg chg="del">
+          <ac:chgData name="Ben Knight" userId="6cbbd36b-0bd9-4edf-ad5d-bdee13dfda16" providerId="ADAL" clId="{0B7A6A91-304E-1C4A-81D7-A13789DB7EB8}" dt="2024-08-31T17:55:06.165" v="500"/>
+          <ac:spMkLst>
+            <pc:docMk/>
+            <pc:sldMk cId="3126496142" sldId="295"/>
+            <ac:spMk id="3" creationId="{A5E958D9-1E94-A3E0-DA96-568DB4BE6C04}"/>
+          </ac:spMkLst>
+        </pc:spChg>
+        <pc:picChg chg="add mod">
+          <ac:chgData name="Ben Knight" userId="6cbbd36b-0bd9-4edf-ad5d-bdee13dfda16" providerId="ADAL" clId="{0B7A6A91-304E-1C4A-81D7-A13789DB7EB8}" dt="2024-08-31T17:55:14.238" v="510" actId="1038"/>
+          <ac:picMkLst>
+            <pc:docMk/>
+            <pc:sldMk cId="3126496142" sldId="295"/>
+            <ac:picMk id="5" creationId="{EBA73FEF-46FC-D9CF-4725-A1E93AC72D8A}"/>
+          </ac:picMkLst>
+        </pc:picChg>
+        <pc:picChg chg="add mod">
+          <ac:chgData name="Ben Knight" userId="6cbbd36b-0bd9-4edf-ad5d-bdee13dfda16" providerId="ADAL" clId="{0B7A6A91-304E-1C4A-81D7-A13789DB7EB8}" dt="2024-08-31T17:55:09.515" v="506" actId="14100"/>
+          <ac:picMkLst>
+            <pc:docMk/>
+            <pc:sldMk cId="3126496142" sldId="295"/>
+            <ac:picMk id="7" creationId="{C6DE7717-7C11-7FCD-3207-023D909294D6}"/>
+          </ac:picMkLst>
+        </pc:picChg>
+      </pc:sldChg>
+      <pc:sldChg chg="addSp delSp modSp new mod">
+        <pc:chgData name="Ben Knight" userId="6cbbd36b-0bd9-4edf-ad5d-bdee13dfda16" providerId="ADAL" clId="{0B7A6A91-304E-1C4A-81D7-A13789DB7EB8}" dt="2024-08-31T17:55:32.599" v="519" actId="14100"/>
+        <pc:sldMkLst>
+          <pc:docMk/>
+          <pc:sldMk cId="4016642203" sldId="296"/>
+        </pc:sldMkLst>
+        <pc:spChg chg="del">
+          <ac:chgData name="Ben Knight" userId="6cbbd36b-0bd9-4edf-ad5d-bdee13dfda16" providerId="ADAL" clId="{0B7A6A91-304E-1C4A-81D7-A13789DB7EB8}" dt="2024-08-31T17:55:24.372" v="511"/>
+          <ac:spMkLst>
+            <pc:docMk/>
+            <pc:sldMk cId="4016642203" sldId="296"/>
+            <ac:spMk id="3" creationId="{90A0785A-3643-7B0C-91DE-B4624E65B03E}"/>
+          </ac:spMkLst>
+        </pc:spChg>
+        <pc:picChg chg="add mod">
+          <ac:chgData name="Ben Knight" userId="6cbbd36b-0bd9-4edf-ad5d-bdee13dfda16" providerId="ADAL" clId="{0B7A6A91-304E-1C4A-81D7-A13789DB7EB8}" dt="2024-08-31T17:55:32.599" v="519" actId="14100"/>
+          <ac:picMkLst>
+            <pc:docMk/>
+            <pc:sldMk cId="4016642203" sldId="296"/>
+            <ac:picMk id="5" creationId="{DC6DFA55-62A6-09B8-8C27-DD1A187EE4BE}"/>
+          </ac:picMkLst>
+        </pc:picChg>
+        <pc:picChg chg="add mod">
+          <ac:chgData name="Ben Knight" userId="6cbbd36b-0bd9-4edf-ad5d-bdee13dfda16" providerId="ADAL" clId="{0B7A6A91-304E-1C4A-81D7-A13789DB7EB8}" dt="2024-08-31T17:55:27.965" v="517" actId="14100"/>
+          <ac:picMkLst>
+            <pc:docMk/>
+            <pc:sldMk cId="4016642203" sldId="296"/>
+            <ac:picMk id="7" creationId="{0819D856-857F-1D66-019D-9D650AD335EE}"/>
+          </ac:picMkLst>
+        </pc:picChg>
+      </pc:sldChg>
+      <pc:sldChg chg="addSp delSp modSp new mod">
+        <pc:chgData name="Ben Knight" userId="6cbbd36b-0bd9-4edf-ad5d-bdee13dfda16" providerId="ADAL" clId="{0B7A6A91-304E-1C4A-81D7-A13789DB7EB8}" dt="2024-08-31T17:55:45.899" v="528" actId="14100"/>
+        <pc:sldMkLst>
+          <pc:docMk/>
+          <pc:sldMk cId="1822276020" sldId="297"/>
+        </pc:sldMkLst>
+        <pc:spChg chg="del">
+          <ac:chgData name="Ben Knight" userId="6cbbd36b-0bd9-4edf-ad5d-bdee13dfda16" providerId="ADAL" clId="{0B7A6A91-304E-1C4A-81D7-A13789DB7EB8}" dt="2024-08-31T17:55:38.129" v="520"/>
+          <ac:spMkLst>
+            <pc:docMk/>
+            <pc:sldMk cId="1822276020" sldId="297"/>
+            <ac:spMk id="3" creationId="{F8337262-ACAF-996E-2F2F-2AF0D931CF3E}"/>
+          </ac:spMkLst>
+        </pc:spChg>
+        <pc:picChg chg="add mod">
+          <ac:chgData name="Ben Knight" userId="6cbbd36b-0bd9-4edf-ad5d-bdee13dfda16" providerId="ADAL" clId="{0B7A6A91-304E-1C4A-81D7-A13789DB7EB8}" dt="2024-08-31T17:55:45.899" v="528" actId="14100"/>
+          <ac:picMkLst>
+            <pc:docMk/>
+            <pc:sldMk cId="1822276020" sldId="297"/>
+            <ac:picMk id="5" creationId="{FB3D00A1-538A-C73A-C408-1ED9C6F68846}"/>
+          </ac:picMkLst>
+        </pc:picChg>
+        <pc:picChg chg="add mod">
+          <ac:chgData name="Ben Knight" userId="6cbbd36b-0bd9-4edf-ad5d-bdee13dfda16" providerId="ADAL" clId="{0B7A6A91-304E-1C4A-81D7-A13789DB7EB8}" dt="2024-08-31T17:55:41.765" v="526" actId="14100"/>
+          <ac:picMkLst>
+            <pc:docMk/>
+            <pc:sldMk cId="1822276020" sldId="297"/>
+            <ac:picMk id="7" creationId="{A448E776-7BA7-EFBA-7A9C-259479C9058A}"/>
+          </ac:picMkLst>
+        </pc:picChg>
+      </pc:sldChg>
+      <pc:sldChg chg="addSp delSp modSp new mod">
+        <pc:chgData name="Ben Knight" userId="6cbbd36b-0bd9-4edf-ad5d-bdee13dfda16" providerId="ADAL" clId="{0B7A6A91-304E-1C4A-81D7-A13789DB7EB8}" dt="2024-08-31T17:56:01.782" v="537" actId="14100"/>
+        <pc:sldMkLst>
+          <pc:docMk/>
+          <pc:sldMk cId="3047943341" sldId="298"/>
+        </pc:sldMkLst>
+        <pc:spChg chg="del">
+          <ac:chgData name="Ben Knight" userId="6cbbd36b-0bd9-4edf-ad5d-bdee13dfda16" providerId="ADAL" clId="{0B7A6A91-304E-1C4A-81D7-A13789DB7EB8}" dt="2024-08-31T17:55:54.371" v="529"/>
+          <ac:spMkLst>
+            <pc:docMk/>
+            <pc:sldMk cId="3047943341" sldId="298"/>
+            <ac:spMk id="3" creationId="{0EA74D3E-7076-9FC9-9584-6E92B5F18F6B}"/>
+          </ac:spMkLst>
+        </pc:spChg>
+        <pc:picChg chg="add mod">
+          <ac:chgData name="Ben Knight" userId="6cbbd36b-0bd9-4edf-ad5d-bdee13dfda16" providerId="ADAL" clId="{0B7A6A91-304E-1C4A-81D7-A13789DB7EB8}" dt="2024-08-31T17:56:01.782" v="537" actId="14100"/>
+          <ac:picMkLst>
+            <pc:docMk/>
+            <pc:sldMk cId="3047943341" sldId="298"/>
+            <ac:picMk id="5" creationId="{B9CED2C0-F5F1-3531-C418-DF70E9A209B2}"/>
+          </ac:picMkLst>
+        </pc:picChg>
+        <pc:picChg chg="add mod">
+          <ac:chgData name="Ben Knight" userId="6cbbd36b-0bd9-4edf-ad5d-bdee13dfda16" providerId="ADAL" clId="{0B7A6A91-304E-1C4A-81D7-A13789DB7EB8}" dt="2024-08-31T17:55:57.648" v="535" actId="14100"/>
+          <ac:picMkLst>
+            <pc:docMk/>
+            <pc:sldMk cId="3047943341" sldId="298"/>
+            <ac:picMk id="7" creationId="{16A51AC7-4A9A-207A-0902-810C8B919577}"/>
+          </ac:picMkLst>
+        </pc:picChg>
+      </pc:sldChg>
+      <pc:sldChg chg="new del">
+        <pc:chgData name="Ben Knight" userId="6cbbd36b-0bd9-4edf-ad5d-bdee13dfda16" providerId="ADAL" clId="{0B7A6A91-304E-1C4A-81D7-A13789DB7EB8}" dt="2024-08-31T17:47:27.962" v="323" actId="2696"/>
+        <pc:sldMkLst>
+          <pc:docMk/>
+          <pc:sldMk cId="1741648601" sldId="299"/>
+        </pc:sldMkLst>
       </pc:sldChg>
     </pc:docChg>
   </pc:docChgLst>
@@ -681,7 +2290,7 @@
           <a:p>
             <a:fld id="{887939B6-3C8B-5440-B4DA-64861BB837C7}" type="datetimeFigureOut">
               <a:rPr lang="en-US" smtClean="0"/>
-              <a:t>7/30/24</a:t>
+              <a:t>8/31/24</a:t>
             </a:fld>
             <a:endParaRPr lang="en-US"/>
           </a:p>
@@ -1098,7 +2707,7 @@
           <a:p>
             <a:fld id="{8738A75E-D382-5349-A777-FC86975EB435}" type="datetimeFigureOut">
               <a:rPr lang="en-US" smtClean="0"/>
-              <a:t>7/30/24</a:t>
+              <a:t>8/31/24</a:t>
             </a:fld>
             <a:endParaRPr lang="en-US"/>
           </a:p>
@@ -1298,7 +2907,7 @@
           <a:p>
             <a:fld id="{8738A75E-D382-5349-A777-FC86975EB435}" type="datetimeFigureOut">
               <a:rPr lang="en-US" smtClean="0"/>
-              <a:t>7/30/24</a:t>
+              <a:t>8/31/24</a:t>
             </a:fld>
             <a:endParaRPr lang="en-US"/>
           </a:p>
@@ -1508,7 +3117,7 @@
           <a:p>
             <a:fld id="{8738A75E-D382-5349-A777-FC86975EB435}" type="datetimeFigureOut">
               <a:rPr lang="en-US" smtClean="0"/>
-              <a:t>7/30/24</a:t>
+              <a:t>8/31/24</a:t>
             </a:fld>
             <a:endParaRPr lang="en-US"/>
           </a:p>
@@ -1708,7 +3317,7 @@
           <a:p>
             <a:fld id="{8738A75E-D382-5349-A777-FC86975EB435}" type="datetimeFigureOut">
               <a:rPr lang="en-US" smtClean="0"/>
-              <a:t>7/30/24</a:t>
+              <a:t>8/31/24</a:t>
             </a:fld>
             <a:endParaRPr lang="en-US"/>
           </a:p>
@@ -1984,7 +3593,7 @@
           <a:p>
             <a:fld id="{8738A75E-D382-5349-A777-FC86975EB435}" type="datetimeFigureOut">
               <a:rPr lang="en-US" smtClean="0"/>
-              <a:t>7/30/24</a:t>
+              <a:t>8/31/24</a:t>
             </a:fld>
             <a:endParaRPr lang="en-US"/>
           </a:p>
@@ -2252,7 +3861,7 @@
           <a:p>
             <a:fld id="{8738A75E-D382-5349-A777-FC86975EB435}" type="datetimeFigureOut">
               <a:rPr lang="en-US" smtClean="0"/>
-              <a:t>7/30/24</a:t>
+              <a:t>8/31/24</a:t>
             </a:fld>
             <a:endParaRPr lang="en-US"/>
           </a:p>
@@ -2667,7 +4276,7 @@
           <a:p>
             <a:fld id="{8738A75E-D382-5349-A777-FC86975EB435}" type="datetimeFigureOut">
               <a:rPr lang="en-US" smtClean="0"/>
-              <a:t>7/30/24</a:t>
+              <a:t>8/31/24</a:t>
             </a:fld>
             <a:endParaRPr lang="en-US"/>
           </a:p>
@@ -2809,7 +4418,7 @@
           <a:p>
             <a:fld id="{8738A75E-D382-5349-A777-FC86975EB435}" type="datetimeFigureOut">
               <a:rPr lang="en-US" smtClean="0"/>
-              <a:t>7/30/24</a:t>
+              <a:t>8/31/24</a:t>
             </a:fld>
             <a:endParaRPr lang="en-US"/>
           </a:p>
@@ -2922,7 +4531,7 @@
           <a:p>
             <a:fld id="{8738A75E-D382-5349-A777-FC86975EB435}" type="datetimeFigureOut">
               <a:rPr lang="en-US" smtClean="0"/>
-              <a:t>7/30/24</a:t>
+              <a:t>8/31/24</a:t>
             </a:fld>
             <a:endParaRPr lang="en-US"/>
           </a:p>
@@ -3235,7 +4844,7 @@
           <a:p>
             <a:fld id="{8738A75E-D382-5349-A777-FC86975EB435}" type="datetimeFigureOut">
               <a:rPr lang="en-US" smtClean="0"/>
-              <a:t>7/30/24</a:t>
+              <a:t>8/31/24</a:t>
             </a:fld>
             <a:endParaRPr lang="en-US"/>
           </a:p>
@@ -3524,7 +5133,7 @@
           <a:p>
             <a:fld id="{8738A75E-D382-5349-A777-FC86975EB435}" type="datetimeFigureOut">
               <a:rPr lang="en-US" smtClean="0"/>
-              <a:t>7/30/24</a:t>
+              <a:t>8/31/24</a:t>
             </a:fld>
             <a:endParaRPr lang="en-US"/>
           </a:p>
@@ -3767,7 +5376,7 @@
           <a:p>
             <a:fld id="{8738A75E-D382-5349-A777-FC86975EB435}" type="datetimeFigureOut">
               <a:rPr lang="en-US" smtClean="0"/>
-              <a:t>7/30/24</a:t>
+              <a:t>8/31/24</a:t>
             </a:fld>
             <a:endParaRPr lang="en-US"/>
           </a:p>
@@ -4170,6 +5779,14 @@
 <file path=ppt/slides/slide1.xml><?xml version="1.0" encoding="utf-8"?>
 <p:sld xmlns:a="http://schemas.openxmlformats.org/drawingml/2006/main" xmlns:r="http://schemas.openxmlformats.org/officeDocument/2006/relationships" xmlns:p="http://schemas.openxmlformats.org/presentationml/2006/main">
   <p:cSld>
+    <p:bg>
+      <p:bgPr>
+        <a:solidFill>
+          <a:schemeClr val="bg1"/>
+        </a:solidFill>
+        <a:effectLst/>
+      </p:bgPr>
+    </p:bg>
     <p:spTree>
       <p:nvGrpSpPr>
         <p:cNvPr id="1" name=""/>
@@ -4184,46 +5801,19 @@
           <a:chExt cx="0" cy="0"/>
         </a:xfrm>
       </p:grpSpPr>
-      <p:sp>
-        <p:nvSpPr>
-          <p:cNvPr id="2" name="Title 1">
-            <a:extLst>
-              <a:ext uri="{FF2B5EF4-FFF2-40B4-BE49-F238E27FC236}">
-                <a16:creationId xmlns:a16="http://schemas.microsoft.com/office/drawing/2014/main" id="{5A1A92E8-6FD7-7574-5928-35F8F391E78A}"/>
-              </a:ext>
-            </a:extLst>
-          </p:cNvPr>
-          <p:cNvSpPr>
-            <a:spLocks noGrp="1"/>
-          </p:cNvSpPr>
-          <p:nvPr>
-            <p:ph type="title"/>
-          </p:nvPr>
-        </p:nvSpPr>
-        <p:spPr/>
-        <p:txBody>
-          <a:bodyPr/>
-          <a:lstStyle/>
-          <a:p>
-            <a:endParaRPr lang="en-US"/>
-          </a:p>
-        </p:txBody>
-      </p:sp>
       <p:pic>
         <p:nvPicPr>
-          <p:cNvPr id="5" name="Content Placeholder 4" descr="A graph of a survival curve&#10;&#10;Description automatically generated">
-            <a:extLst>
-              <a:ext uri="{FF2B5EF4-FFF2-40B4-BE49-F238E27FC236}">
-                <a16:creationId xmlns:a16="http://schemas.microsoft.com/office/drawing/2014/main" id="{8A4B3DB5-B19C-649E-2D73-372670472300}"/>
+          <p:cNvPr id="9" name="Picture 8" descr="A graph of a number of patients&#10;&#10;Description automatically generated">
+            <a:extLst>
+              <a:ext uri="{FF2B5EF4-FFF2-40B4-BE49-F238E27FC236}">
+                <a16:creationId xmlns:a16="http://schemas.microsoft.com/office/drawing/2014/main" id="{6DB11223-824C-A664-60A3-13ED00EE5632}"/>
               </a:ext>
             </a:extLst>
           </p:cNvPr>
           <p:cNvPicPr>
-            <a:picLocks noGrp="1" noChangeAspect="1"/>
+            <a:picLocks noChangeAspect="1"/>
           </p:cNvPicPr>
-          <p:nvPr>
-            <p:ph idx="1"/>
-          </p:nvPr>
+          <p:nvPr/>
         </p:nvPicPr>
         <p:blipFill>
           <a:blip r:embed="rId2"/>
@@ -4233,17 +5823,20 @@
         </p:blipFill>
         <p:spPr>
           <a:xfrm>
-            <a:off x="139560" y="166688"/>
-            <a:ext cx="5758320" cy="5758320"/>
+            <a:off x="5269652" y="783169"/>
+            <a:ext cx="4566073" cy="4566073"/>
           </a:xfrm>
+          <a:prstGeom prst="rect">
+            <a:avLst/>
+          </a:prstGeom>
         </p:spPr>
       </p:pic>
       <p:pic>
         <p:nvPicPr>
-          <p:cNvPr id="7" name="Picture 6" descr="A graph of a number of patients&#10;&#10;Description automatically generated with medium confidence">
-            <a:extLst>
-              <a:ext uri="{FF2B5EF4-FFF2-40B4-BE49-F238E27FC236}">
-                <a16:creationId xmlns:a16="http://schemas.microsoft.com/office/drawing/2014/main" id="{1746ED84-84B3-2407-6D70-F16D0F55A5F7}"/>
+          <p:cNvPr id="11" name="Picture 10" descr="A graph of a survival curve&#10;&#10;Description automatically generated with medium confidence">
+            <a:extLst>
+              <a:ext uri="{FF2B5EF4-FFF2-40B4-BE49-F238E27FC236}">
+                <a16:creationId xmlns:a16="http://schemas.microsoft.com/office/drawing/2014/main" id="{1119C3D6-A6D0-D80F-E3CF-3D9342024392}"/>
               </a:ext>
             </a:extLst>
           </p:cNvPr>
@@ -4260,8 +5853,8 @@
         </p:blipFill>
         <p:spPr>
           <a:xfrm>
-            <a:off x="6096000" y="166688"/>
-            <a:ext cx="5758320" cy="5758320"/>
+            <a:off x="572346" y="783168"/>
+            <a:ext cx="4566074" cy="4566074"/>
           </a:xfrm>
           <a:prstGeom prst="rect">
             <a:avLst/>
@@ -4303,7 +5896,7 @@
           <p:cNvPr id="2" name="Title 1">
             <a:extLst>
               <a:ext uri="{FF2B5EF4-FFF2-40B4-BE49-F238E27FC236}">
-                <a16:creationId xmlns:a16="http://schemas.microsoft.com/office/drawing/2014/main" id="{27875B22-7E1B-8055-B32C-8E725C1D79E4}"/>
+                <a16:creationId xmlns:a16="http://schemas.microsoft.com/office/drawing/2014/main" id="{68D3660C-6CFF-738E-C45F-BF5C590C8B49}"/>
               </a:ext>
             </a:extLst>
           </p:cNvPr>
@@ -4325,10 +5918,10 @@
       </p:sp>
       <p:pic>
         <p:nvPicPr>
-          <p:cNvPr id="5" name="Content Placeholder 4" descr="A graph of a number of patients&#10;&#10;Description automatically generated with medium confidence">
-            <a:extLst>
-              <a:ext uri="{FF2B5EF4-FFF2-40B4-BE49-F238E27FC236}">
-                <a16:creationId xmlns:a16="http://schemas.microsoft.com/office/drawing/2014/main" id="{16A2308F-82B2-8349-D72E-FC2D37D68D52}"/>
+          <p:cNvPr id="5" name="Content Placeholder 4" descr="A graph of a number of patients&#10;&#10;Description automatically generated">
+            <a:extLst>
+              <a:ext uri="{FF2B5EF4-FFF2-40B4-BE49-F238E27FC236}">
+                <a16:creationId xmlns:a16="http://schemas.microsoft.com/office/drawing/2014/main" id="{1092C810-438E-B392-FEBE-E6E9F5AF998D}"/>
               </a:ext>
             </a:extLst>
           </p:cNvPr>
@@ -4347,8 +5940,8 @@
         </p:blipFill>
         <p:spPr>
           <a:xfrm>
-            <a:off x="6096000" y="381000"/>
-            <a:ext cx="5638800" cy="5638800"/>
+            <a:off x="5166360" y="1905000"/>
+            <a:ext cx="4861560" cy="4861560"/>
           </a:xfrm>
         </p:spPr>
       </p:pic>
@@ -4357,7 +5950,7 @@
           <p:cNvPr id="7" name="Picture 6" descr="A graph of a survival curve&#10;&#10;Description automatically generated with medium confidence">
             <a:extLst>
               <a:ext uri="{FF2B5EF4-FFF2-40B4-BE49-F238E27FC236}">
-                <a16:creationId xmlns:a16="http://schemas.microsoft.com/office/drawing/2014/main" id="{32F102AC-B0CC-777A-FAE0-28BE71B3EFF2}"/>
+                <a16:creationId xmlns:a16="http://schemas.microsoft.com/office/drawing/2014/main" id="{531C0424-17EA-F466-B388-900FA3FA2888}"/>
               </a:ext>
             </a:extLst>
           </p:cNvPr>
@@ -4374,8 +5967,8 @@
         </p:blipFill>
         <p:spPr>
           <a:xfrm>
-            <a:off x="411480" y="381000"/>
-            <a:ext cx="5638800" cy="5638800"/>
+            <a:off x="304800" y="1905000"/>
+            <a:ext cx="4861560" cy="4861560"/>
           </a:xfrm>
           <a:prstGeom prst="rect">
             <a:avLst/>
@@ -4385,7 +5978,7 @@
     </p:spTree>
     <p:extLst>
       <p:ext uri="{BB962C8B-B14F-4D97-AF65-F5344CB8AC3E}">
-        <p14:creationId xmlns:p14="http://schemas.microsoft.com/office/powerpoint/2010/main" val="3265320427"/>
+        <p14:creationId xmlns:p14="http://schemas.microsoft.com/office/powerpoint/2010/main" val="1071197705"/>
       </p:ext>
     </p:extLst>
   </p:cSld>
@@ -4417,7 +6010,7 @@
           <p:cNvPr id="2" name="Title 1">
             <a:extLst>
               <a:ext uri="{FF2B5EF4-FFF2-40B4-BE49-F238E27FC236}">
-                <a16:creationId xmlns:a16="http://schemas.microsoft.com/office/drawing/2014/main" id="{9F74BDE5-91A3-A44F-556B-3EF07FCDB90E}"/>
+                <a16:creationId xmlns:a16="http://schemas.microsoft.com/office/drawing/2014/main" id="{516C8EAE-8D58-C072-FF29-00D06FFADED4}"/>
               </a:ext>
             </a:extLst>
           </p:cNvPr>
@@ -4439,10 +6032,10 @@
       </p:sp>
       <p:pic>
         <p:nvPicPr>
-          <p:cNvPr id="5" name="Content Placeholder 4" descr="A graph of a number of patients&#10;&#10;Description automatically generated">
-            <a:extLst>
-              <a:ext uri="{FF2B5EF4-FFF2-40B4-BE49-F238E27FC236}">
-                <a16:creationId xmlns:a16="http://schemas.microsoft.com/office/drawing/2014/main" id="{CBFD0C10-6588-7E12-7FCB-BD83C0C01594}"/>
+          <p:cNvPr id="5" name="Content Placeholder 4" descr="A graph of a number of patients&#10;&#10;Description automatically generated with medium confidence">
+            <a:extLst>
+              <a:ext uri="{FF2B5EF4-FFF2-40B4-BE49-F238E27FC236}">
+                <a16:creationId xmlns:a16="http://schemas.microsoft.com/office/drawing/2014/main" id="{CF42ACBF-48E7-7359-CA97-CCD4979F03EC}"/>
               </a:ext>
             </a:extLst>
           </p:cNvPr>
@@ -4461,17 +6054,17 @@
         </p:blipFill>
         <p:spPr>
           <a:xfrm>
-            <a:off x="6096000" y="381000"/>
-            <a:ext cx="5913120" cy="5913120"/>
+            <a:off x="5181600" y="1905000"/>
+            <a:ext cx="4678680" cy="4678680"/>
           </a:xfrm>
         </p:spPr>
       </p:pic>
       <p:pic>
         <p:nvPicPr>
-          <p:cNvPr id="7" name="Picture 6" descr="A graph of a survival curve&#10;&#10;Description automatically generated">
-            <a:extLst>
-              <a:ext uri="{FF2B5EF4-FFF2-40B4-BE49-F238E27FC236}">
-                <a16:creationId xmlns:a16="http://schemas.microsoft.com/office/drawing/2014/main" id="{9CE42312-A951-8886-504D-286F235E4314}"/>
+          <p:cNvPr id="7" name="Picture 6" descr="A graph of survival in a patient&#10;&#10;Description automatically generated with medium confidence">
+            <a:extLst>
+              <a:ext uri="{FF2B5EF4-FFF2-40B4-BE49-F238E27FC236}">
+                <a16:creationId xmlns:a16="http://schemas.microsoft.com/office/drawing/2014/main" id="{D9C91DB2-587F-7D0C-4863-AB9531F888D0}"/>
               </a:ext>
             </a:extLst>
           </p:cNvPr>
@@ -4488,8 +6081,8 @@
         </p:blipFill>
         <p:spPr>
           <a:xfrm>
-            <a:off x="304800" y="381000"/>
-            <a:ext cx="5913120" cy="5913120"/>
+            <a:off x="502920" y="1905000"/>
+            <a:ext cx="4678680" cy="4678680"/>
           </a:xfrm>
           <a:prstGeom prst="rect">
             <a:avLst/>
@@ -4499,7 +6092,7 @@
     </p:spTree>
     <p:extLst>
       <p:ext uri="{BB962C8B-B14F-4D97-AF65-F5344CB8AC3E}">
-        <p14:creationId xmlns:p14="http://schemas.microsoft.com/office/powerpoint/2010/main" val="1687083319"/>
+        <p14:creationId xmlns:p14="http://schemas.microsoft.com/office/powerpoint/2010/main" val="3738075674"/>
       </p:ext>
     </p:extLst>
   </p:cSld>
@@ -4531,7 +6124,7 @@
           <p:cNvPr id="2" name="Title 1">
             <a:extLst>
               <a:ext uri="{FF2B5EF4-FFF2-40B4-BE49-F238E27FC236}">
-                <a16:creationId xmlns:a16="http://schemas.microsoft.com/office/drawing/2014/main" id="{08F45717-33A4-5927-9E1C-1668F3CC1A8B}"/>
+                <a16:creationId xmlns:a16="http://schemas.microsoft.com/office/drawing/2014/main" id="{159AD190-3953-3897-FDDE-C18220B7C711}"/>
               </a:ext>
             </a:extLst>
           </p:cNvPr>
@@ -4553,10 +6146,10 @@
       </p:sp>
       <p:pic>
         <p:nvPicPr>
-          <p:cNvPr id="5" name="Content Placeholder 4" descr="A graph of a number of patients&#10;&#10;Description automatically generated with medium confidence">
-            <a:extLst>
-              <a:ext uri="{FF2B5EF4-FFF2-40B4-BE49-F238E27FC236}">
-                <a16:creationId xmlns:a16="http://schemas.microsoft.com/office/drawing/2014/main" id="{E7D5AA77-6019-3037-0C76-F8240DFBE48F}"/>
+          <p:cNvPr id="5" name="Content Placeholder 4" descr="A graph of a number of patients&#10;&#10;Description automatically generated">
+            <a:extLst>
+              <a:ext uri="{FF2B5EF4-FFF2-40B4-BE49-F238E27FC236}">
+                <a16:creationId xmlns:a16="http://schemas.microsoft.com/office/drawing/2014/main" id="{DCC00433-595E-E5E6-BBBA-1242177B4963}"/>
               </a:ext>
             </a:extLst>
           </p:cNvPr>
@@ -4575,17 +6168,17 @@
         </p:blipFill>
         <p:spPr>
           <a:xfrm>
-            <a:off x="6096000" y="381000"/>
-            <a:ext cx="5745480" cy="5745480"/>
+            <a:off x="4907280" y="1888808"/>
+            <a:ext cx="4724400" cy="4724400"/>
           </a:xfrm>
         </p:spPr>
       </p:pic>
       <p:pic>
         <p:nvPicPr>
-          <p:cNvPr id="7" name="Picture 6" descr="A graph of survival in a patient&#10;&#10;Description automatically generated with medium confidence">
-            <a:extLst>
-              <a:ext uri="{FF2B5EF4-FFF2-40B4-BE49-F238E27FC236}">
-                <a16:creationId xmlns:a16="http://schemas.microsoft.com/office/drawing/2014/main" id="{5A104FC3-3F73-4E66-D3EF-68BA74B35053}"/>
+          <p:cNvPr id="7" name="Picture 6" descr="A graph of a number of patients&#10;&#10;Description automatically generated with medium confidence">
+            <a:extLst>
+              <a:ext uri="{FF2B5EF4-FFF2-40B4-BE49-F238E27FC236}">
+                <a16:creationId xmlns:a16="http://schemas.microsoft.com/office/drawing/2014/main" id="{CF82536E-F5BE-D2AE-7C36-531CC446D478}"/>
               </a:ext>
             </a:extLst>
           </p:cNvPr>
@@ -4602,8 +6195,8 @@
         </p:blipFill>
         <p:spPr>
           <a:xfrm>
-            <a:off x="243840" y="365125"/>
-            <a:ext cx="5745480" cy="5745480"/>
+            <a:off x="182880" y="1905000"/>
+            <a:ext cx="4724400" cy="4724400"/>
           </a:xfrm>
           <a:prstGeom prst="rect">
             <a:avLst/>
@@ -4613,7 +6206,806 @@
     </p:spTree>
     <p:extLst>
       <p:ext uri="{BB962C8B-B14F-4D97-AF65-F5344CB8AC3E}">
-        <p14:creationId xmlns:p14="http://schemas.microsoft.com/office/powerpoint/2010/main" val="2325192167"/>
+        <p14:creationId xmlns:p14="http://schemas.microsoft.com/office/powerpoint/2010/main" val="3976390588"/>
+      </p:ext>
+    </p:extLst>
+  </p:cSld>
+  <p:clrMapOvr>
+    <a:masterClrMapping/>
+  </p:clrMapOvr>
+</p:sld>
+</file>
+
+<file path=ppt/slides/slide13.xml><?xml version="1.0" encoding="utf-8"?>
+<p:sld xmlns:a="http://schemas.openxmlformats.org/drawingml/2006/main" xmlns:r="http://schemas.openxmlformats.org/officeDocument/2006/relationships" xmlns:p="http://schemas.openxmlformats.org/presentationml/2006/main">
+  <p:cSld>
+    <p:spTree>
+      <p:nvGrpSpPr>
+        <p:cNvPr id="1" name=""/>
+        <p:cNvGrpSpPr/>
+        <p:nvPr/>
+      </p:nvGrpSpPr>
+      <p:grpSpPr>
+        <a:xfrm>
+          <a:off x="0" y="0"/>
+          <a:ext cx="0" cy="0"/>
+          <a:chOff x="0" y="0"/>
+          <a:chExt cx="0" cy="0"/>
+        </a:xfrm>
+      </p:grpSpPr>
+      <p:sp>
+        <p:nvSpPr>
+          <p:cNvPr id="2" name="Title 1">
+            <a:extLst>
+              <a:ext uri="{FF2B5EF4-FFF2-40B4-BE49-F238E27FC236}">
+                <a16:creationId xmlns:a16="http://schemas.microsoft.com/office/drawing/2014/main" id="{7FAE90CB-E3BA-0809-32BB-119DFBB5396E}"/>
+              </a:ext>
+            </a:extLst>
+          </p:cNvPr>
+          <p:cNvSpPr>
+            <a:spLocks noGrp="1"/>
+          </p:cNvSpPr>
+          <p:nvPr>
+            <p:ph type="title"/>
+          </p:nvPr>
+        </p:nvSpPr>
+        <p:spPr/>
+        <p:txBody>
+          <a:bodyPr/>
+          <a:lstStyle/>
+          <a:p>
+            <a:endParaRPr lang="en-US"/>
+          </a:p>
+        </p:txBody>
+      </p:sp>
+      <p:pic>
+        <p:nvPicPr>
+          <p:cNvPr id="5" name="Content Placeholder 4" descr="A graph of a number of patients&#10;&#10;Description automatically generated">
+            <a:extLst>
+              <a:ext uri="{FF2B5EF4-FFF2-40B4-BE49-F238E27FC236}">
+                <a16:creationId xmlns:a16="http://schemas.microsoft.com/office/drawing/2014/main" id="{CD3D16BB-C91B-0D95-19B8-0C77FC8DA853}"/>
+              </a:ext>
+            </a:extLst>
+          </p:cNvPr>
+          <p:cNvPicPr>
+            <a:picLocks noGrp="1" noChangeAspect="1"/>
+          </p:cNvPicPr>
+          <p:nvPr>
+            <p:ph idx="1"/>
+          </p:nvPr>
+        </p:nvPicPr>
+        <p:blipFill>
+          <a:blip r:embed="rId2"/>
+          <a:stretch>
+            <a:fillRect/>
+          </a:stretch>
+        </p:blipFill>
+        <p:spPr>
+          <a:xfrm>
+            <a:off x="4922520" y="1905000"/>
+            <a:ext cx="4709160" cy="4709160"/>
+          </a:xfrm>
+        </p:spPr>
+      </p:pic>
+      <p:pic>
+        <p:nvPicPr>
+          <p:cNvPr id="7" name="Picture 6" descr="A graph of a survival curve&#10;&#10;Description automatically generated with medium confidence">
+            <a:extLst>
+              <a:ext uri="{FF2B5EF4-FFF2-40B4-BE49-F238E27FC236}">
+                <a16:creationId xmlns:a16="http://schemas.microsoft.com/office/drawing/2014/main" id="{8583F1E2-6404-FE10-FC84-11CB500B6867}"/>
+              </a:ext>
+            </a:extLst>
+          </p:cNvPr>
+          <p:cNvPicPr>
+            <a:picLocks noChangeAspect="1"/>
+          </p:cNvPicPr>
+          <p:nvPr/>
+        </p:nvPicPr>
+        <p:blipFill>
+          <a:blip r:embed="rId3"/>
+          <a:stretch>
+            <a:fillRect/>
+          </a:stretch>
+        </p:blipFill>
+        <p:spPr>
+          <a:xfrm>
+            <a:off x="213360" y="1905000"/>
+            <a:ext cx="4709160" cy="4709160"/>
+          </a:xfrm>
+          <a:prstGeom prst="rect">
+            <a:avLst/>
+          </a:prstGeom>
+        </p:spPr>
+      </p:pic>
+    </p:spTree>
+    <p:extLst>
+      <p:ext uri="{BB962C8B-B14F-4D97-AF65-F5344CB8AC3E}">
+        <p14:creationId xmlns:p14="http://schemas.microsoft.com/office/powerpoint/2010/main" val="1884859843"/>
+      </p:ext>
+    </p:extLst>
+  </p:cSld>
+  <p:clrMapOvr>
+    <a:masterClrMapping/>
+  </p:clrMapOvr>
+</p:sld>
+</file>
+
+<file path=ppt/slides/slide14.xml><?xml version="1.0" encoding="utf-8"?>
+<p:sld xmlns:a="http://schemas.openxmlformats.org/drawingml/2006/main" xmlns:r="http://schemas.openxmlformats.org/officeDocument/2006/relationships" xmlns:p="http://schemas.openxmlformats.org/presentationml/2006/main">
+  <p:cSld>
+    <p:spTree>
+      <p:nvGrpSpPr>
+        <p:cNvPr id="1" name=""/>
+        <p:cNvGrpSpPr/>
+        <p:nvPr/>
+      </p:nvGrpSpPr>
+      <p:grpSpPr>
+        <a:xfrm>
+          <a:off x="0" y="0"/>
+          <a:ext cx="0" cy="0"/>
+          <a:chOff x="0" y="0"/>
+          <a:chExt cx="0" cy="0"/>
+        </a:xfrm>
+      </p:grpSpPr>
+      <p:sp>
+        <p:nvSpPr>
+          <p:cNvPr id="2" name="Title 1">
+            <a:extLst>
+              <a:ext uri="{FF2B5EF4-FFF2-40B4-BE49-F238E27FC236}">
+                <a16:creationId xmlns:a16="http://schemas.microsoft.com/office/drawing/2014/main" id="{F1CEE548-8781-8CE1-4250-5F583C65A575}"/>
+              </a:ext>
+            </a:extLst>
+          </p:cNvPr>
+          <p:cNvSpPr>
+            <a:spLocks noGrp="1"/>
+          </p:cNvSpPr>
+          <p:nvPr>
+            <p:ph type="title"/>
+          </p:nvPr>
+        </p:nvSpPr>
+        <p:spPr/>
+        <p:txBody>
+          <a:bodyPr/>
+          <a:lstStyle/>
+          <a:p>
+            <a:endParaRPr lang="en-US"/>
+          </a:p>
+        </p:txBody>
+      </p:sp>
+      <p:pic>
+        <p:nvPicPr>
+          <p:cNvPr id="5" name="Content Placeholder 4" descr="A graph of a number of patients&#10;&#10;Description automatically generated with medium confidence">
+            <a:extLst>
+              <a:ext uri="{FF2B5EF4-FFF2-40B4-BE49-F238E27FC236}">
+                <a16:creationId xmlns:a16="http://schemas.microsoft.com/office/drawing/2014/main" id="{D2678297-14A0-B054-F807-9C65B35C4065}"/>
+              </a:ext>
+            </a:extLst>
+          </p:cNvPr>
+          <p:cNvPicPr>
+            <a:picLocks noGrp="1" noChangeAspect="1"/>
+          </p:cNvPicPr>
+          <p:nvPr>
+            <p:ph idx="1"/>
+          </p:nvPr>
+        </p:nvPicPr>
+        <p:blipFill>
+          <a:blip r:embed="rId2"/>
+          <a:stretch>
+            <a:fillRect/>
+          </a:stretch>
+        </p:blipFill>
+        <p:spPr>
+          <a:xfrm>
+            <a:off x="4922520" y="1905000"/>
+            <a:ext cx="4739640" cy="4739640"/>
+          </a:xfrm>
+        </p:spPr>
+      </p:pic>
+      <p:pic>
+        <p:nvPicPr>
+          <p:cNvPr id="7" name="Picture 6" descr="A graph of a number of patients&#10;&#10;Description automatically generated with medium confidence">
+            <a:extLst>
+              <a:ext uri="{FF2B5EF4-FFF2-40B4-BE49-F238E27FC236}">
+                <a16:creationId xmlns:a16="http://schemas.microsoft.com/office/drawing/2014/main" id="{C90FBE4E-5D35-2F89-A7A9-007C790D4E54}"/>
+              </a:ext>
+            </a:extLst>
+          </p:cNvPr>
+          <p:cNvPicPr>
+            <a:picLocks noChangeAspect="1"/>
+          </p:cNvPicPr>
+          <p:nvPr/>
+        </p:nvPicPr>
+        <p:blipFill>
+          <a:blip r:embed="rId3"/>
+          <a:stretch>
+            <a:fillRect/>
+          </a:stretch>
+        </p:blipFill>
+        <p:spPr>
+          <a:xfrm>
+            <a:off x="182880" y="1905000"/>
+            <a:ext cx="4739640" cy="4739640"/>
+          </a:xfrm>
+          <a:prstGeom prst="rect">
+            <a:avLst/>
+          </a:prstGeom>
+        </p:spPr>
+      </p:pic>
+    </p:spTree>
+    <p:extLst>
+      <p:ext uri="{BB962C8B-B14F-4D97-AF65-F5344CB8AC3E}">
+        <p14:creationId xmlns:p14="http://schemas.microsoft.com/office/powerpoint/2010/main" val="1027104481"/>
+      </p:ext>
+    </p:extLst>
+  </p:cSld>
+  <p:clrMapOvr>
+    <a:masterClrMapping/>
+  </p:clrMapOvr>
+</p:sld>
+</file>
+
+<file path=ppt/slides/slide15.xml><?xml version="1.0" encoding="utf-8"?>
+<p:sld xmlns:a="http://schemas.openxmlformats.org/drawingml/2006/main" xmlns:r="http://schemas.openxmlformats.org/officeDocument/2006/relationships" xmlns:p="http://schemas.openxmlformats.org/presentationml/2006/main">
+  <p:cSld>
+    <p:spTree>
+      <p:nvGrpSpPr>
+        <p:cNvPr id="1" name=""/>
+        <p:cNvGrpSpPr/>
+        <p:nvPr/>
+      </p:nvGrpSpPr>
+      <p:grpSpPr>
+        <a:xfrm>
+          <a:off x="0" y="0"/>
+          <a:ext cx="0" cy="0"/>
+          <a:chOff x="0" y="0"/>
+          <a:chExt cx="0" cy="0"/>
+        </a:xfrm>
+      </p:grpSpPr>
+      <p:sp>
+        <p:nvSpPr>
+          <p:cNvPr id="2" name="Title 1">
+            <a:extLst>
+              <a:ext uri="{FF2B5EF4-FFF2-40B4-BE49-F238E27FC236}">
+                <a16:creationId xmlns:a16="http://schemas.microsoft.com/office/drawing/2014/main" id="{F4DFCBE4-A49E-85BA-3004-C6E0F47BAC29}"/>
+              </a:ext>
+            </a:extLst>
+          </p:cNvPr>
+          <p:cNvSpPr>
+            <a:spLocks noGrp="1"/>
+          </p:cNvSpPr>
+          <p:nvPr>
+            <p:ph type="title"/>
+          </p:nvPr>
+        </p:nvSpPr>
+        <p:spPr/>
+        <p:txBody>
+          <a:bodyPr/>
+          <a:lstStyle/>
+          <a:p>
+            <a:endParaRPr lang="en-US"/>
+          </a:p>
+        </p:txBody>
+      </p:sp>
+      <p:pic>
+        <p:nvPicPr>
+          <p:cNvPr id="5" name="Content Placeholder 4" descr="A graph of a number of patients&#10;&#10;Description automatically generated">
+            <a:extLst>
+              <a:ext uri="{FF2B5EF4-FFF2-40B4-BE49-F238E27FC236}">
+                <a16:creationId xmlns:a16="http://schemas.microsoft.com/office/drawing/2014/main" id="{8500230B-14C0-8BB6-5464-E0801437F061}"/>
+              </a:ext>
+            </a:extLst>
+          </p:cNvPr>
+          <p:cNvPicPr>
+            <a:picLocks noGrp="1" noChangeAspect="1"/>
+          </p:cNvPicPr>
+          <p:nvPr>
+            <p:ph idx="1"/>
+          </p:nvPr>
+        </p:nvPicPr>
+        <p:blipFill>
+          <a:blip r:embed="rId2"/>
+          <a:stretch>
+            <a:fillRect/>
+          </a:stretch>
+        </p:blipFill>
+        <p:spPr>
+          <a:xfrm>
+            <a:off x="4846320" y="1905000"/>
+            <a:ext cx="4678680" cy="4678680"/>
+          </a:xfrm>
+        </p:spPr>
+      </p:pic>
+      <p:pic>
+        <p:nvPicPr>
+          <p:cNvPr id="7" name="Picture 6" descr="A graph of a survival curve&#10;&#10;Description automatically generated with medium confidence">
+            <a:extLst>
+              <a:ext uri="{FF2B5EF4-FFF2-40B4-BE49-F238E27FC236}">
+                <a16:creationId xmlns:a16="http://schemas.microsoft.com/office/drawing/2014/main" id="{D5A7BF49-C807-E93E-A29D-08AB6A6267AB}"/>
+              </a:ext>
+            </a:extLst>
+          </p:cNvPr>
+          <p:cNvPicPr>
+            <a:picLocks noChangeAspect="1"/>
+          </p:cNvPicPr>
+          <p:nvPr/>
+        </p:nvPicPr>
+        <p:blipFill>
+          <a:blip r:embed="rId3"/>
+          <a:stretch>
+            <a:fillRect/>
+          </a:stretch>
+        </p:blipFill>
+        <p:spPr>
+          <a:xfrm>
+            <a:off x="167640" y="1905000"/>
+            <a:ext cx="4678680" cy="4678680"/>
+          </a:xfrm>
+          <a:prstGeom prst="rect">
+            <a:avLst/>
+          </a:prstGeom>
+        </p:spPr>
+      </p:pic>
+    </p:spTree>
+    <p:extLst>
+      <p:ext uri="{BB962C8B-B14F-4D97-AF65-F5344CB8AC3E}">
+        <p14:creationId xmlns:p14="http://schemas.microsoft.com/office/powerpoint/2010/main" val="1978938983"/>
+      </p:ext>
+    </p:extLst>
+  </p:cSld>
+  <p:clrMapOvr>
+    <a:masterClrMapping/>
+  </p:clrMapOvr>
+</p:sld>
+</file>
+
+<file path=ppt/slides/slide16.xml><?xml version="1.0" encoding="utf-8"?>
+<p:sld xmlns:a="http://schemas.openxmlformats.org/drawingml/2006/main" xmlns:r="http://schemas.openxmlformats.org/officeDocument/2006/relationships" xmlns:p="http://schemas.openxmlformats.org/presentationml/2006/main">
+  <p:cSld>
+    <p:spTree>
+      <p:nvGrpSpPr>
+        <p:cNvPr id="1" name=""/>
+        <p:cNvGrpSpPr/>
+        <p:nvPr/>
+      </p:nvGrpSpPr>
+      <p:grpSpPr>
+        <a:xfrm>
+          <a:off x="0" y="0"/>
+          <a:ext cx="0" cy="0"/>
+          <a:chOff x="0" y="0"/>
+          <a:chExt cx="0" cy="0"/>
+        </a:xfrm>
+      </p:grpSpPr>
+      <p:sp>
+        <p:nvSpPr>
+          <p:cNvPr id="2" name="Title 1">
+            <a:extLst>
+              <a:ext uri="{FF2B5EF4-FFF2-40B4-BE49-F238E27FC236}">
+                <a16:creationId xmlns:a16="http://schemas.microsoft.com/office/drawing/2014/main" id="{9B8042E1-4744-7110-C98D-FA28D1BA72C2}"/>
+              </a:ext>
+            </a:extLst>
+          </p:cNvPr>
+          <p:cNvSpPr>
+            <a:spLocks noGrp="1"/>
+          </p:cNvSpPr>
+          <p:nvPr>
+            <p:ph type="title"/>
+          </p:nvPr>
+        </p:nvSpPr>
+        <p:spPr/>
+        <p:txBody>
+          <a:bodyPr/>
+          <a:lstStyle/>
+          <a:p>
+            <a:endParaRPr lang="en-US"/>
+          </a:p>
+        </p:txBody>
+      </p:sp>
+      <p:pic>
+        <p:nvPicPr>
+          <p:cNvPr id="5" name="Content Placeholder 4" descr="A graph of a number of patients&#10;&#10;Description automatically generated with medium confidence">
+            <a:extLst>
+              <a:ext uri="{FF2B5EF4-FFF2-40B4-BE49-F238E27FC236}">
+                <a16:creationId xmlns:a16="http://schemas.microsoft.com/office/drawing/2014/main" id="{D3F3F74D-7565-F341-87A6-58A1A3C39D98}"/>
+              </a:ext>
+            </a:extLst>
+          </p:cNvPr>
+          <p:cNvPicPr>
+            <a:picLocks noGrp="1" noChangeAspect="1"/>
+          </p:cNvPicPr>
+          <p:nvPr>
+            <p:ph idx="1"/>
+          </p:nvPr>
+        </p:nvPicPr>
+        <p:blipFill>
+          <a:blip r:embed="rId2"/>
+          <a:stretch>
+            <a:fillRect/>
+          </a:stretch>
+        </p:blipFill>
+        <p:spPr>
+          <a:xfrm>
+            <a:off x="5029200" y="1905000"/>
+            <a:ext cx="4785360" cy="4785360"/>
+          </a:xfrm>
+        </p:spPr>
+      </p:pic>
+      <p:pic>
+        <p:nvPicPr>
+          <p:cNvPr id="7" name="Picture 6" descr="A graph of a survival curve&#10;&#10;Description automatically generated with medium confidence">
+            <a:extLst>
+              <a:ext uri="{FF2B5EF4-FFF2-40B4-BE49-F238E27FC236}">
+                <a16:creationId xmlns:a16="http://schemas.microsoft.com/office/drawing/2014/main" id="{059F63C2-2ED6-CCC3-B988-1BFDC9394454}"/>
+              </a:ext>
+            </a:extLst>
+          </p:cNvPr>
+          <p:cNvPicPr>
+            <a:picLocks noChangeAspect="1"/>
+          </p:cNvPicPr>
+          <p:nvPr/>
+        </p:nvPicPr>
+        <p:blipFill>
+          <a:blip r:embed="rId3"/>
+          <a:stretch>
+            <a:fillRect/>
+          </a:stretch>
+        </p:blipFill>
+        <p:spPr>
+          <a:xfrm>
+            <a:off x="243840" y="1905000"/>
+            <a:ext cx="4785360" cy="4785360"/>
+          </a:xfrm>
+          <a:prstGeom prst="rect">
+            <a:avLst/>
+          </a:prstGeom>
+        </p:spPr>
+      </p:pic>
+    </p:spTree>
+    <p:extLst>
+      <p:ext uri="{BB962C8B-B14F-4D97-AF65-F5344CB8AC3E}">
+        <p14:creationId xmlns:p14="http://schemas.microsoft.com/office/powerpoint/2010/main" val="1789641090"/>
+      </p:ext>
+    </p:extLst>
+  </p:cSld>
+  <p:clrMapOvr>
+    <a:masterClrMapping/>
+  </p:clrMapOvr>
+</p:sld>
+</file>
+
+<file path=ppt/slides/slide17.xml><?xml version="1.0" encoding="utf-8"?>
+<p:sld xmlns:a="http://schemas.openxmlformats.org/drawingml/2006/main" xmlns:r="http://schemas.openxmlformats.org/officeDocument/2006/relationships" xmlns:p="http://schemas.openxmlformats.org/presentationml/2006/main">
+  <p:cSld>
+    <p:spTree>
+      <p:nvGrpSpPr>
+        <p:cNvPr id="1" name=""/>
+        <p:cNvGrpSpPr/>
+        <p:nvPr/>
+      </p:nvGrpSpPr>
+      <p:grpSpPr>
+        <a:xfrm>
+          <a:off x="0" y="0"/>
+          <a:ext cx="0" cy="0"/>
+          <a:chOff x="0" y="0"/>
+          <a:chExt cx="0" cy="0"/>
+        </a:xfrm>
+      </p:grpSpPr>
+      <p:sp>
+        <p:nvSpPr>
+          <p:cNvPr id="2" name="Title 1">
+            <a:extLst>
+              <a:ext uri="{FF2B5EF4-FFF2-40B4-BE49-F238E27FC236}">
+                <a16:creationId xmlns:a16="http://schemas.microsoft.com/office/drawing/2014/main" id="{46BA70E2-0CFD-F7BE-6D36-7C8CFE3F8713}"/>
+              </a:ext>
+            </a:extLst>
+          </p:cNvPr>
+          <p:cNvSpPr>
+            <a:spLocks noGrp="1"/>
+          </p:cNvSpPr>
+          <p:nvPr>
+            <p:ph type="title"/>
+          </p:nvPr>
+        </p:nvSpPr>
+        <p:spPr/>
+        <p:txBody>
+          <a:bodyPr/>
+          <a:lstStyle/>
+          <a:p>
+            <a:endParaRPr lang="en-US"/>
+          </a:p>
+        </p:txBody>
+      </p:sp>
+      <p:pic>
+        <p:nvPicPr>
+          <p:cNvPr id="9" name="Picture 8" descr="A graph of a number of patients&#10;&#10;Description automatically generated">
+            <a:extLst>
+              <a:ext uri="{FF2B5EF4-FFF2-40B4-BE49-F238E27FC236}">
+                <a16:creationId xmlns:a16="http://schemas.microsoft.com/office/drawing/2014/main" id="{F6BCE7ED-40D7-EB14-1EE7-D8D436C56F79}"/>
+              </a:ext>
+            </a:extLst>
+          </p:cNvPr>
+          <p:cNvPicPr>
+            <a:picLocks noChangeAspect="1"/>
+          </p:cNvPicPr>
+          <p:nvPr/>
+        </p:nvPicPr>
+        <p:blipFill>
+          <a:blip r:embed="rId2"/>
+          <a:stretch>
+            <a:fillRect/>
+          </a:stretch>
+        </p:blipFill>
+        <p:spPr>
+          <a:xfrm>
+            <a:off x="5242560" y="1905000"/>
+            <a:ext cx="4770120" cy="4770120"/>
+          </a:xfrm>
+          <a:prstGeom prst="rect">
+            <a:avLst/>
+          </a:prstGeom>
+        </p:spPr>
+      </p:pic>
+      <p:pic>
+        <p:nvPicPr>
+          <p:cNvPr id="11" name="Picture 10" descr="A graph of a survival curve&#10;&#10;Description automatically generated with medium confidence">
+            <a:extLst>
+              <a:ext uri="{FF2B5EF4-FFF2-40B4-BE49-F238E27FC236}">
+                <a16:creationId xmlns:a16="http://schemas.microsoft.com/office/drawing/2014/main" id="{DDCF1595-02DA-3EEB-B936-01D5F0F0F6CC}"/>
+              </a:ext>
+            </a:extLst>
+          </p:cNvPr>
+          <p:cNvPicPr>
+            <a:picLocks noChangeAspect="1"/>
+          </p:cNvPicPr>
+          <p:nvPr/>
+        </p:nvPicPr>
+        <p:blipFill>
+          <a:blip r:embed="rId3"/>
+          <a:stretch>
+            <a:fillRect/>
+          </a:stretch>
+        </p:blipFill>
+        <p:spPr>
+          <a:xfrm>
+            <a:off x="472440" y="1905000"/>
+            <a:ext cx="4770120" cy="4770120"/>
+          </a:xfrm>
+          <a:prstGeom prst="rect">
+            <a:avLst/>
+          </a:prstGeom>
+        </p:spPr>
+      </p:pic>
+    </p:spTree>
+    <p:extLst>
+      <p:ext uri="{BB962C8B-B14F-4D97-AF65-F5344CB8AC3E}">
+        <p14:creationId xmlns:p14="http://schemas.microsoft.com/office/powerpoint/2010/main" val="3607079109"/>
+      </p:ext>
+    </p:extLst>
+  </p:cSld>
+  <p:clrMapOvr>
+    <a:masterClrMapping/>
+  </p:clrMapOvr>
+</p:sld>
+</file>
+
+<file path=ppt/slides/slide18.xml><?xml version="1.0" encoding="utf-8"?>
+<p:sld xmlns:a="http://schemas.openxmlformats.org/drawingml/2006/main" xmlns:r="http://schemas.openxmlformats.org/officeDocument/2006/relationships" xmlns:p="http://schemas.openxmlformats.org/presentationml/2006/main">
+  <p:cSld>
+    <p:spTree>
+      <p:nvGrpSpPr>
+        <p:cNvPr id="1" name=""/>
+        <p:cNvGrpSpPr/>
+        <p:nvPr/>
+      </p:nvGrpSpPr>
+      <p:grpSpPr>
+        <a:xfrm>
+          <a:off x="0" y="0"/>
+          <a:ext cx="0" cy="0"/>
+          <a:chOff x="0" y="0"/>
+          <a:chExt cx="0" cy="0"/>
+        </a:xfrm>
+      </p:grpSpPr>
+      <p:sp>
+        <p:nvSpPr>
+          <p:cNvPr id="2" name="Title 1">
+            <a:extLst>
+              <a:ext uri="{FF2B5EF4-FFF2-40B4-BE49-F238E27FC236}">
+                <a16:creationId xmlns:a16="http://schemas.microsoft.com/office/drawing/2014/main" id="{3E99AEA5-55CD-C73C-F7F9-19C215D01787}"/>
+              </a:ext>
+            </a:extLst>
+          </p:cNvPr>
+          <p:cNvSpPr>
+            <a:spLocks noGrp="1"/>
+          </p:cNvSpPr>
+          <p:nvPr>
+            <p:ph type="title"/>
+          </p:nvPr>
+        </p:nvSpPr>
+        <p:spPr/>
+        <p:txBody>
+          <a:bodyPr/>
+          <a:lstStyle/>
+          <a:p>
+            <a:endParaRPr lang="en-US"/>
+          </a:p>
+        </p:txBody>
+      </p:sp>
+      <p:pic>
+        <p:nvPicPr>
+          <p:cNvPr id="5" name="Content Placeholder 4" descr="A graph of a number of patients&#10;&#10;Description automatically generated with medium confidence">
+            <a:extLst>
+              <a:ext uri="{FF2B5EF4-FFF2-40B4-BE49-F238E27FC236}">
+                <a16:creationId xmlns:a16="http://schemas.microsoft.com/office/drawing/2014/main" id="{84E3D664-0F17-27F3-C290-BFF7CB1E051D}"/>
+              </a:ext>
+            </a:extLst>
+          </p:cNvPr>
+          <p:cNvPicPr>
+            <a:picLocks noGrp="1" noChangeAspect="1"/>
+          </p:cNvPicPr>
+          <p:nvPr>
+            <p:ph idx="1"/>
+          </p:nvPr>
+        </p:nvPicPr>
+        <p:blipFill>
+          <a:blip r:embed="rId2"/>
+          <a:stretch>
+            <a:fillRect/>
+          </a:stretch>
+        </p:blipFill>
+        <p:spPr>
+          <a:xfrm>
+            <a:off x="5059680" y="1905000"/>
+            <a:ext cx="4693920" cy="4693920"/>
+          </a:xfrm>
+        </p:spPr>
+      </p:pic>
+      <p:pic>
+        <p:nvPicPr>
+          <p:cNvPr id="7" name="Picture 6" descr="A graph of survival in a patient&#10;&#10;Description automatically generated with medium confidence">
+            <a:extLst>
+              <a:ext uri="{FF2B5EF4-FFF2-40B4-BE49-F238E27FC236}">
+                <a16:creationId xmlns:a16="http://schemas.microsoft.com/office/drawing/2014/main" id="{96ECEE6B-7068-0DF1-4221-67CF845274CD}"/>
+              </a:ext>
+            </a:extLst>
+          </p:cNvPr>
+          <p:cNvPicPr>
+            <a:picLocks noChangeAspect="1"/>
+          </p:cNvPicPr>
+          <p:nvPr/>
+        </p:nvPicPr>
+        <p:blipFill>
+          <a:blip r:embed="rId3"/>
+          <a:stretch>
+            <a:fillRect/>
+          </a:stretch>
+        </p:blipFill>
+        <p:spPr>
+          <a:xfrm>
+            <a:off x="365760" y="1905000"/>
+            <a:ext cx="4693920" cy="4693920"/>
+          </a:xfrm>
+          <a:prstGeom prst="rect">
+            <a:avLst/>
+          </a:prstGeom>
+        </p:spPr>
+      </p:pic>
+    </p:spTree>
+    <p:extLst>
+      <p:ext uri="{BB962C8B-B14F-4D97-AF65-F5344CB8AC3E}">
+        <p14:creationId xmlns:p14="http://schemas.microsoft.com/office/powerpoint/2010/main" val="821815205"/>
+      </p:ext>
+    </p:extLst>
+  </p:cSld>
+  <p:clrMapOvr>
+    <a:masterClrMapping/>
+  </p:clrMapOvr>
+</p:sld>
+</file>
+
+<file path=ppt/slides/slide19.xml><?xml version="1.0" encoding="utf-8"?>
+<p:sld xmlns:a="http://schemas.openxmlformats.org/drawingml/2006/main" xmlns:r="http://schemas.openxmlformats.org/officeDocument/2006/relationships" xmlns:p="http://schemas.openxmlformats.org/presentationml/2006/main">
+  <p:cSld>
+    <p:spTree>
+      <p:nvGrpSpPr>
+        <p:cNvPr id="1" name=""/>
+        <p:cNvGrpSpPr/>
+        <p:nvPr/>
+      </p:nvGrpSpPr>
+      <p:grpSpPr>
+        <a:xfrm>
+          <a:off x="0" y="0"/>
+          <a:ext cx="0" cy="0"/>
+          <a:chOff x="0" y="0"/>
+          <a:chExt cx="0" cy="0"/>
+        </a:xfrm>
+      </p:grpSpPr>
+      <p:sp>
+        <p:nvSpPr>
+          <p:cNvPr id="2" name="Title 1">
+            <a:extLst>
+              <a:ext uri="{FF2B5EF4-FFF2-40B4-BE49-F238E27FC236}">
+                <a16:creationId xmlns:a16="http://schemas.microsoft.com/office/drawing/2014/main" id="{560E189A-EBA5-A2EF-6AC4-71F03A2B7370}"/>
+              </a:ext>
+            </a:extLst>
+          </p:cNvPr>
+          <p:cNvSpPr>
+            <a:spLocks noGrp="1"/>
+          </p:cNvSpPr>
+          <p:nvPr>
+            <p:ph type="title"/>
+          </p:nvPr>
+        </p:nvSpPr>
+        <p:spPr/>
+        <p:txBody>
+          <a:bodyPr/>
+          <a:lstStyle/>
+          <a:p>
+            <a:endParaRPr lang="en-US"/>
+          </a:p>
+        </p:txBody>
+      </p:sp>
+      <p:pic>
+        <p:nvPicPr>
+          <p:cNvPr id="5" name="Content Placeholder 4" descr="A graph of a number of patients&#10;&#10;Description automatically generated with medium confidence">
+            <a:extLst>
+              <a:ext uri="{FF2B5EF4-FFF2-40B4-BE49-F238E27FC236}">
+                <a16:creationId xmlns:a16="http://schemas.microsoft.com/office/drawing/2014/main" id="{3D2DC342-4227-B1E5-C98A-B36F40A77033}"/>
+              </a:ext>
+            </a:extLst>
+          </p:cNvPr>
+          <p:cNvPicPr>
+            <a:picLocks noGrp="1" noChangeAspect="1"/>
+          </p:cNvPicPr>
+          <p:nvPr>
+            <p:ph idx="1"/>
+          </p:nvPr>
+        </p:nvPicPr>
+        <p:blipFill>
+          <a:blip r:embed="rId2"/>
+          <a:stretch>
+            <a:fillRect/>
+          </a:stretch>
+        </p:blipFill>
+        <p:spPr>
+          <a:xfrm>
+            <a:off x="5044440" y="1905000"/>
+            <a:ext cx="4770120" cy="4770120"/>
+          </a:xfrm>
+        </p:spPr>
+      </p:pic>
+      <p:pic>
+        <p:nvPicPr>
+          <p:cNvPr id="7" name="Picture 6" descr="A graph of a survival curve&#10;&#10;Description automatically generated with medium confidence">
+            <a:extLst>
+              <a:ext uri="{FF2B5EF4-FFF2-40B4-BE49-F238E27FC236}">
+                <a16:creationId xmlns:a16="http://schemas.microsoft.com/office/drawing/2014/main" id="{2E745B3B-C818-38C7-DEFC-2F0E19D8CB08}"/>
+              </a:ext>
+            </a:extLst>
+          </p:cNvPr>
+          <p:cNvPicPr>
+            <a:picLocks noChangeAspect="1"/>
+          </p:cNvPicPr>
+          <p:nvPr/>
+        </p:nvPicPr>
+        <p:blipFill>
+          <a:blip r:embed="rId3"/>
+          <a:stretch>
+            <a:fillRect/>
+          </a:stretch>
+        </p:blipFill>
+        <p:spPr>
+          <a:xfrm>
+            <a:off x="274320" y="1905000"/>
+            <a:ext cx="4770120" cy="4770120"/>
+          </a:xfrm>
+          <a:prstGeom prst="rect">
+            <a:avLst/>
+          </a:prstGeom>
+        </p:spPr>
+      </p:pic>
+    </p:spTree>
+    <p:extLst>
+      <p:ext uri="{BB962C8B-B14F-4D97-AF65-F5344CB8AC3E}">
+        <p14:creationId xmlns:p14="http://schemas.microsoft.com/office/powerpoint/2010/main" val="1532058498"/>
       </p:ext>
     </p:extLst>
   </p:cSld>
@@ -4645,7 +7037,7 @@
           <p:cNvPr id="2" name="Title 1">
             <a:extLst>
               <a:ext uri="{FF2B5EF4-FFF2-40B4-BE49-F238E27FC236}">
-                <a16:creationId xmlns:a16="http://schemas.microsoft.com/office/drawing/2014/main" id="{0CBAFDFA-D162-E076-BAE9-78E3814FC115}"/>
+                <a16:creationId xmlns:a16="http://schemas.microsoft.com/office/drawing/2014/main" id="{C87FD56B-5558-6400-75C3-A3B4FE82352C}"/>
               </a:ext>
             </a:extLst>
           </p:cNvPr>
@@ -4667,10 +7059,10 @@
       </p:sp>
       <p:pic>
         <p:nvPicPr>
-          <p:cNvPr id="5" name="Content Placeholder 4" descr="A graph of a survival curve&#10;&#10;Description automatically generated with medium confidence">
-            <a:extLst>
-              <a:ext uri="{FF2B5EF4-FFF2-40B4-BE49-F238E27FC236}">
-                <a16:creationId xmlns:a16="http://schemas.microsoft.com/office/drawing/2014/main" id="{6C593929-F074-D4A0-7AEE-F2E6DC24630B}"/>
+          <p:cNvPr id="5" name="Content Placeholder 4" descr="A graph of a number of patients&#10;&#10;Description automatically generated">
+            <a:extLst>
+              <a:ext uri="{FF2B5EF4-FFF2-40B4-BE49-F238E27FC236}">
+                <a16:creationId xmlns:a16="http://schemas.microsoft.com/office/drawing/2014/main" id="{2E1624A8-3DEA-6B9D-D379-1FF511711F05}"/>
               </a:ext>
             </a:extLst>
           </p:cNvPr>
@@ -4689,17 +7081,17 @@
         </p:blipFill>
         <p:spPr>
           <a:xfrm>
-            <a:off x="121919" y="380999"/>
-            <a:ext cx="5883275" cy="5883275"/>
+            <a:off x="5356066" y="1021080"/>
+            <a:ext cx="4517866" cy="4517866"/>
           </a:xfrm>
         </p:spPr>
       </p:pic>
       <p:pic>
         <p:nvPicPr>
-          <p:cNvPr id="7" name="Picture 6" descr="A graph of a number of patients&#10;&#10;Description automatically generated">
-            <a:extLst>
-              <a:ext uri="{FF2B5EF4-FFF2-40B4-BE49-F238E27FC236}">
-                <a16:creationId xmlns:a16="http://schemas.microsoft.com/office/drawing/2014/main" id="{F646C56B-CBBD-7C87-6CD0-F6055095F9E7}"/>
+          <p:cNvPr id="7" name="Picture 6" descr="A graph of survival in a cancer patient&#10;&#10;Description automatically generated with medium confidence">
+            <a:extLst>
+              <a:ext uri="{FF2B5EF4-FFF2-40B4-BE49-F238E27FC236}">
+                <a16:creationId xmlns:a16="http://schemas.microsoft.com/office/drawing/2014/main" id="{A22C040F-4AF8-169B-9A3A-D201BE5FB10D}"/>
               </a:ext>
             </a:extLst>
           </p:cNvPr>
@@ -4716,8 +7108,8 @@
         </p:blipFill>
         <p:spPr>
           <a:xfrm>
-            <a:off x="6095999" y="365124"/>
-            <a:ext cx="5883275" cy="5883275"/>
+            <a:off x="838200" y="1021080"/>
+            <a:ext cx="4517866" cy="4517866"/>
           </a:xfrm>
           <a:prstGeom prst="rect">
             <a:avLst/>
@@ -4727,7 +7119,1068 @@
     </p:spTree>
     <p:extLst>
       <p:ext uri="{BB962C8B-B14F-4D97-AF65-F5344CB8AC3E}">
-        <p14:creationId xmlns:p14="http://schemas.microsoft.com/office/powerpoint/2010/main" val="4177914376"/>
+        <p14:creationId xmlns:p14="http://schemas.microsoft.com/office/powerpoint/2010/main" val="2464605890"/>
+      </p:ext>
+    </p:extLst>
+  </p:cSld>
+  <p:clrMapOvr>
+    <a:masterClrMapping/>
+  </p:clrMapOvr>
+</p:sld>
+</file>
+
+<file path=ppt/slides/slide20.xml><?xml version="1.0" encoding="utf-8"?>
+<p:sld xmlns:a="http://schemas.openxmlformats.org/drawingml/2006/main" xmlns:r="http://schemas.openxmlformats.org/officeDocument/2006/relationships" xmlns:p="http://schemas.openxmlformats.org/presentationml/2006/main">
+  <p:cSld>
+    <p:spTree>
+      <p:nvGrpSpPr>
+        <p:cNvPr id="1" name=""/>
+        <p:cNvGrpSpPr/>
+        <p:nvPr/>
+      </p:nvGrpSpPr>
+      <p:grpSpPr>
+        <a:xfrm>
+          <a:off x="0" y="0"/>
+          <a:ext cx="0" cy="0"/>
+          <a:chOff x="0" y="0"/>
+          <a:chExt cx="0" cy="0"/>
+        </a:xfrm>
+      </p:grpSpPr>
+      <p:sp>
+        <p:nvSpPr>
+          <p:cNvPr id="2" name="Title 1">
+            <a:extLst>
+              <a:ext uri="{FF2B5EF4-FFF2-40B4-BE49-F238E27FC236}">
+                <a16:creationId xmlns:a16="http://schemas.microsoft.com/office/drawing/2014/main" id="{0BE271E3-3EC7-D606-3ED6-830161E6D770}"/>
+              </a:ext>
+            </a:extLst>
+          </p:cNvPr>
+          <p:cNvSpPr>
+            <a:spLocks noGrp="1"/>
+          </p:cNvSpPr>
+          <p:nvPr>
+            <p:ph type="title"/>
+          </p:nvPr>
+        </p:nvSpPr>
+        <p:spPr/>
+        <p:txBody>
+          <a:bodyPr/>
+          <a:lstStyle/>
+          <a:p>
+            <a:endParaRPr lang="en-US"/>
+          </a:p>
+        </p:txBody>
+      </p:sp>
+      <p:pic>
+        <p:nvPicPr>
+          <p:cNvPr id="9" name="Picture 8" descr="A graph of a number of patients&#10;&#10;Description automatically generated">
+            <a:extLst>
+              <a:ext uri="{FF2B5EF4-FFF2-40B4-BE49-F238E27FC236}">
+                <a16:creationId xmlns:a16="http://schemas.microsoft.com/office/drawing/2014/main" id="{94EA2068-F5E1-1139-B4EB-C3C832F7238E}"/>
+              </a:ext>
+            </a:extLst>
+          </p:cNvPr>
+          <p:cNvPicPr>
+            <a:picLocks noChangeAspect="1"/>
+          </p:cNvPicPr>
+          <p:nvPr/>
+        </p:nvPicPr>
+        <p:blipFill>
+          <a:blip r:embed="rId2"/>
+          <a:stretch>
+            <a:fillRect/>
+          </a:stretch>
+        </p:blipFill>
+        <p:spPr>
+          <a:xfrm>
+            <a:off x="5029200" y="1905000"/>
+            <a:ext cx="4678680" cy="4678680"/>
+          </a:xfrm>
+          <a:prstGeom prst="rect">
+            <a:avLst/>
+          </a:prstGeom>
+        </p:spPr>
+      </p:pic>
+      <p:pic>
+        <p:nvPicPr>
+          <p:cNvPr id="11" name="Picture 10" descr="A graph of a survival curve&#10;&#10;Description automatically generated with medium confidence">
+            <a:extLst>
+              <a:ext uri="{FF2B5EF4-FFF2-40B4-BE49-F238E27FC236}">
+                <a16:creationId xmlns:a16="http://schemas.microsoft.com/office/drawing/2014/main" id="{D6A05816-0889-B111-C869-A4226C3FB2CA}"/>
+              </a:ext>
+            </a:extLst>
+          </p:cNvPr>
+          <p:cNvPicPr>
+            <a:picLocks noChangeAspect="1"/>
+          </p:cNvPicPr>
+          <p:nvPr/>
+        </p:nvPicPr>
+        <p:blipFill>
+          <a:blip r:embed="rId3"/>
+          <a:stretch>
+            <a:fillRect/>
+          </a:stretch>
+        </p:blipFill>
+        <p:spPr>
+          <a:xfrm>
+            <a:off x="350520" y="1905000"/>
+            <a:ext cx="4678680" cy="4678680"/>
+          </a:xfrm>
+          <a:prstGeom prst="rect">
+            <a:avLst/>
+          </a:prstGeom>
+        </p:spPr>
+      </p:pic>
+    </p:spTree>
+    <p:extLst>
+      <p:ext uri="{BB962C8B-B14F-4D97-AF65-F5344CB8AC3E}">
+        <p14:creationId xmlns:p14="http://schemas.microsoft.com/office/powerpoint/2010/main" val="1199622873"/>
+      </p:ext>
+    </p:extLst>
+  </p:cSld>
+  <p:clrMapOvr>
+    <a:masterClrMapping/>
+  </p:clrMapOvr>
+</p:sld>
+</file>
+
+<file path=ppt/slides/slide21.xml><?xml version="1.0" encoding="utf-8"?>
+<p:sld xmlns:a="http://schemas.openxmlformats.org/drawingml/2006/main" xmlns:r="http://schemas.openxmlformats.org/officeDocument/2006/relationships" xmlns:p="http://schemas.openxmlformats.org/presentationml/2006/main">
+  <p:cSld>
+    <p:spTree>
+      <p:nvGrpSpPr>
+        <p:cNvPr id="1" name=""/>
+        <p:cNvGrpSpPr/>
+        <p:nvPr/>
+      </p:nvGrpSpPr>
+      <p:grpSpPr>
+        <a:xfrm>
+          <a:off x="0" y="0"/>
+          <a:ext cx="0" cy="0"/>
+          <a:chOff x="0" y="0"/>
+          <a:chExt cx="0" cy="0"/>
+        </a:xfrm>
+      </p:grpSpPr>
+      <p:sp>
+        <p:nvSpPr>
+          <p:cNvPr id="2" name="Title 1">
+            <a:extLst>
+              <a:ext uri="{FF2B5EF4-FFF2-40B4-BE49-F238E27FC236}">
+                <a16:creationId xmlns:a16="http://schemas.microsoft.com/office/drawing/2014/main" id="{4D19E5A0-5479-637E-E536-93D4B49EA809}"/>
+              </a:ext>
+            </a:extLst>
+          </p:cNvPr>
+          <p:cNvSpPr>
+            <a:spLocks noGrp="1"/>
+          </p:cNvSpPr>
+          <p:nvPr>
+            <p:ph type="title"/>
+          </p:nvPr>
+        </p:nvSpPr>
+        <p:spPr/>
+        <p:txBody>
+          <a:bodyPr/>
+          <a:lstStyle/>
+          <a:p>
+            <a:endParaRPr lang="en-US"/>
+          </a:p>
+        </p:txBody>
+      </p:sp>
+      <p:sp>
+        <p:nvSpPr>
+          <p:cNvPr id="3" name="Content Placeholder 2">
+            <a:extLst>
+              <a:ext uri="{FF2B5EF4-FFF2-40B4-BE49-F238E27FC236}">
+                <a16:creationId xmlns:a16="http://schemas.microsoft.com/office/drawing/2014/main" id="{2ECE38DE-408C-42C7-5B7A-13900D1C1AA8}"/>
+              </a:ext>
+            </a:extLst>
+          </p:cNvPr>
+          <p:cNvSpPr>
+            <a:spLocks noGrp="1"/>
+          </p:cNvSpPr>
+          <p:nvPr>
+            <p:ph idx="1"/>
+          </p:nvPr>
+        </p:nvSpPr>
+        <p:spPr/>
+        <p:txBody>
+          <a:bodyPr/>
+          <a:lstStyle/>
+          <a:p>
+            <a:endParaRPr lang="en-US"/>
+          </a:p>
+        </p:txBody>
+      </p:sp>
+    </p:spTree>
+    <p:extLst>
+      <p:ext uri="{BB962C8B-B14F-4D97-AF65-F5344CB8AC3E}">
+        <p14:creationId xmlns:p14="http://schemas.microsoft.com/office/powerpoint/2010/main" val="13602908"/>
+      </p:ext>
+    </p:extLst>
+  </p:cSld>
+  <p:clrMapOvr>
+    <a:masterClrMapping/>
+  </p:clrMapOvr>
+</p:sld>
+</file>
+
+<file path=ppt/slides/slide22.xml><?xml version="1.0" encoding="utf-8"?>
+<p:sld xmlns:a="http://schemas.openxmlformats.org/drawingml/2006/main" xmlns:r="http://schemas.openxmlformats.org/officeDocument/2006/relationships" xmlns:p="http://schemas.openxmlformats.org/presentationml/2006/main">
+  <p:cSld>
+    <p:spTree>
+      <p:nvGrpSpPr>
+        <p:cNvPr id="1" name=""/>
+        <p:cNvGrpSpPr/>
+        <p:nvPr/>
+      </p:nvGrpSpPr>
+      <p:grpSpPr>
+        <a:xfrm>
+          <a:off x="0" y="0"/>
+          <a:ext cx="0" cy="0"/>
+          <a:chOff x="0" y="0"/>
+          <a:chExt cx="0" cy="0"/>
+        </a:xfrm>
+      </p:grpSpPr>
+      <p:sp>
+        <p:nvSpPr>
+          <p:cNvPr id="2" name="Title 1">
+            <a:extLst>
+              <a:ext uri="{FF2B5EF4-FFF2-40B4-BE49-F238E27FC236}">
+                <a16:creationId xmlns:a16="http://schemas.microsoft.com/office/drawing/2014/main" id="{7A2AD3F5-9E4E-46F9-C902-B2A4CC32F471}"/>
+              </a:ext>
+            </a:extLst>
+          </p:cNvPr>
+          <p:cNvSpPr>
+            <a:spLocks noGrp="1"/>
+          </p:cNvSpPr>
+          <p:nvPr>
+            <p:ph type="title"/>
+          </p:nvPr>
+        </p:nvSpPr>
+        <p:spPr/>
+        <p:txBody>
+          <a:bodyPr/>
+          <a:lstStyle/>
+          <a:p>
+            <a:endParaRPr lang="en-US"/>
+          </a:p>
+        </p:txBody>
+      </p:sp>
+      <p:pic>
+        <p:nvPicPr>
+          <p:cNvPr id="9" name="Picture 8" descr="A graph of a disease-free survival&#10;&#10;Description automatically generated">
+            <a:extLst>
+              <a:ext uri="{FF2B5EF4-FFF2-40B4-BE49-F238E27FC236}">
+                <a16:creationId xmlns:a16="http://schemas.microsoft.com/office/drawing/2014/main" id="{F8A03EFF-EB81-1D58-4288-22AA5676AD4B}"/>
+              </a:ext>
+            </a:extLst>
+          </p:cNvPr>
+          <p:cNvPicPr>
+            <a:picLocks noChangeAspect="1"/>
+          </p:cNvPicPr>
+          <p:nvPr/>
+        </p:nvPicPr>
+        <p:blipFill>
+          <a:blip r:embed="rId2"/>
+          <a:stretch>
+            <a:fillRect/>
+          </a:stretch>
+        </p:blipFill>
+        <p:spPr>
+          <a:xfrm>
+            <a:off x="4784034" y="1904999"/>
+            <a:ext cx="4558748" cy="4558748"/>
+          </a:xfrm>
+          <a:prstGeom prst="rect">
+            <a:avLst/>
+          </a:prstGeom>
+        </p:spPr>
+      </p:pic>
+      <p:pic>
+        <p:nvPicPr>
+          <p:cNvPr id="11" name="Picture 10" descr="A graph of survival in a patient&#10;&#10;Description automatically generated with medium confidence">
+            <a:extLst>
+              <a:ext uri="{FF2B5EF4-FFF2-40B4-BE49-F238E27FC236}">
+                <a16:creationId xmlns:a16="http://schemas.microsoft.com/office/drawing/2014/main" id="{41E76ADC-9E4C-5FBF-7571-1F3F2F9BE8BC}"/>
+              </a:ext>
+            </a:extLst>
+          </p:cNvPr>
+          <p:cNvPicPr>
+            <a:picLocks noChangeAspect="1"/>
+          </p:cNvPicPr>
+          <p:nvPr/>
+        </p:nvPicPr>
+        <p:blipFill>
+          <a:blip r:embed="rId3"/>
+          <a:stretch>
+            <a:fillRect/>
+          </a:stretch>
+        </p:blipFill>
+        <p:spPr>
+          <a:xfrm>
+            <a:off x="225287" y="1905000"/>
+            <a:ext cx="4558748" cy="4558748"/>
+          </a:xfrm>
+          <a:prstGeom prst="rect">
+            <a:avLst/>
+          </a:prstGeom>
+        </p:spPr>
+      </p:pic>
+    </p:spTree>
+    <p:extLst>
+      <p:ext uri="{BB962C8B-B14F-4D97-AF65-F5344CB8AC3E}">
+        <p14:creationId xmlns:p14="http://schemas.microsoft.com/office/powerpoint/2010/main" val="1081384"/>
+      </p:ext>
+    </p:extLst>
+  </p:cSld>
+  <p:clrMapOvr>
+    <a:masterClrMapping/>
+  </p:clrMapOvr>
+</p:sld>
+</file>
+
+<file path=ppt/slides/slide23.xml><?xml version="1.0" encoding="utf-8"?>
+<p:sld xmlns:a="http://schemas.openxmlformats.org/drawingml/2006/main" xmlns:r="http://schemas.openxmlformats.org/officeDocument/2006/relationships" xmlns:p="http://schemas.openxmlformats.org/presentationml/2006/main">
+  <p:cSld>
+    <p:spTree>
+      <p:nvGrpSpPr>
+        <p:cNvPr id="1" name=""/>
+        <p:cNvGrpSpPr/>
+        <p:nvPr/>
+      </p:nvGrpSpPr>
+      <p:grpSpPr>
+        <a:xfrm>
+          <a:off x="0" y="0"/>
+          <a:ext cx="0" cy="0"/>
+          <a:chOff x="0" y="0"/>
+          <a:chExt cx="0" cy="0"/>
+        </a:xfrm>
+      </p:grpSpPr>
+      <p:sp>
+        <p:nvSpPr>
+          <p:cNvPr id="2" name="Title 1">
+            <a:extLst>
+              <a:ext uri="{FF2B5EF4-FFF2-40B4-BE49-F238E27FC236}">
+                <a16:creationId xmlns:a16="http://schemas.microsoft.com/office/drawing/2014/main" id="{2F6AA58B-6422-28DB-C546-BE3C69C8A1BA}"/>
+              </a:ext>
+            </a:extLst>
+          </p:cNvPr>
+          <p:cNvSpPr>
+            <a:spLocks noGrp="1"/>
+          </p:cNvSpPr>
+          <p:nvPr>
+            <p:ph type="title"/>
+          </p:nvPr>
+        </p:nvSpPr>
+        <p:spPr/>
+        <p:txBody>
+          <a:bodyPr/>
+          <a:lstStyle/>
+          <a:p>
+            <a:endParaRPr lang="en-US"/>
+          </a:p>
+        </p:txBody>
+      </p:sp>
+      <p:pic>
+        <p:nvPicPr>
+          <p:cNvPr id="4" name="Picture 3" descr="A graph of a disease&#10;&#10;Description automatically generated">
+            <a:extLst>
+              <a:ext uri="{FF2B5EF4-FFF2-40B4-BE49-F238E27FC236}">
+                <a16:creationId xmlns:a16="http://schemas.microsoft.com/office/drawing/2014/main" id="{C414D59A-EC28-6189-C3F2-2483F3220BE2}"/>
+              </a:ext>
+            </a:extLst>
+          </p:cNvPr>
+          <p:cNvPicPr>
+            <a:picLocks noChangeAspect="1"/>
+          </p:cNvPicPr>
+          <p:nvPr/>
+        </p:nvPicPr>
+        <p:blipFill>
+          <a:blip r:embed="rId2"/>
+          <a:stretch>
+            <a:fillRect/>
+          </a:stretch>
+        </p:blipFill>
+        <p:spPr>
+          <a:xfrm>
+            <a:off x="4969564" y="2053050"/>
+            <a:ext cx="4598503" cy="4598503"/>
+          </a:xfrm>
+          <a:prstGeom prst="rect">
+            <a:avLst/>
+          </a:prstGeom>
+        </p:spPr>
+      </p:pic>
+      <p:pic>
+        <p:nvPicPr>
+          <p:cNvPr id="8" name="Picture 7" descr="A graph of a survival curve&#10;&#10;Description automatically generated with medium confidence">
+            <a:extLst>
+              <a:ext uri="{FF2B5EF4-FFF2-40B4-BE49-F238E27FC236}">
+                <a16:creationId xmlns:a16="http://schemas.microsoft.com/office/drawing/2014/main" id="{2E30412F-E35D-123C-7D6A-D4E759ACD3A8}"/>
+              </a:ext>
+            </a:extLst>
+          </p:cNvPr>
+          <p:cNvPicPr>
+            <a:picLocks noChangeAspect="1"/>
+          </p:cNvPicPr>
+          <p:nvPr/>
+        </p:nvPicPr>
+        <p:blipFill>
+          <a:blip r:embed="rId3"/>
+          <a:stretch>
+            <a:fillRect/>
+          </a:stretch>
+        </p:blipFill>
+        <p:spPr>
+          <a:xfrm>
+            <a:off x="371061" y="2053051"/>
+            <a:ext cx="4598504" cy="4598504"/>
+          </a:xfrm>
+          <a:prstGeom prst="rect">
+            <a:avLst/>
+          </a:prstGeom>
+        </p:spPr>
+      </p:pic>
+    </p:spTree>
+    <p:extLst>
+      <p:ext uri="{BB962C8B-B14F-4D97-AF65-F5344CB8AC3E}">
+        <p14:creationId xmlns:p14="http://schemas.microsoft.com/office/powerpoint/2010/main" val="3685060175"/>
+      </p:ext>
+    </p:extLst>
+  </p:cSld>
+  <p:clrMapOvr>
+    <a:masterClrMapping/>
+  </p:clrMapOvr>
+</p:sld>
+</file>
+
+<file path=ppt/slides/slide24.xml><?xml version="1.0" encoding="utf-8"?>
+<p:sld xmlns:a="http://schemas.openxmlformats.org/drawingml/2006/main" xmlns:r="http://schemas.openxmlformats.org/officeDocument/2006/relationships" xmlns:p="http://schemas.openxmlformats.org/presentationml/2006/main">
+  <p:cSld>
+    <p:spTree>
+      <p:nvGrpSpPr>
+        <p:cNvPr id="1" name=""/>
+        <p:cNvGrpSpPr/>
+        <p:nvPr/>
+      </p:nvGrpSpPr>
+      <p:grpSpPr>
+        <a:xfrm>
+          <a:off x="0" y="0"/>
+          <a:ext cx="0" cy="0"/>
+          <a:chOff x="0" y="0"/>
+          <a:chExt cx="0" cy="0"/>
+        </a:xfrm>
+      </p:grpSpPr>
+      <p:pic>
+        <p:nvPicPr>
+          <p:cNvPr id="8" name="Picture 7" descr="A graph of a number of patients&#10;&#10;Description automatically generated">
+            <a:extLst>
+              <a:ext uri="{FF2B5EF4-FFF2-40B4-BE49-F238E27FC236}">
+                <a16:creationId xmlns:a16="http://schemas.microsoft.com/office/drawing/2014/main" id="{9169D950-BA81-DA61-C335-B8A4AD3C02DF}"/>
+              </a:ext>
+            </a:extLst>
+          </p:cNvPr>
+          <p:cNvPicPr>
+            <a:picLocks noChangeAspect="1"/>
+          </p:cNvPicPr>
+          <p:nvPr/>
+        </p:nvPicPr>
+        <p:blipFill>
+          <a:blip r:embed="rId2"/>
+          <a:stretch>
+            <a:fillRect/>
+          </a:stretch>
+        </p:blipFill>
+        <p:spPr>
+          <a:xfrm>
+            <a:off x="5168347" y="1905000"/>
+            <a:ext cx="4625008" cy="4625008"/>
+          </a:xfrm>
+          <a:prstGeom prst="rect">
+            <a:avLst/>
+          </a:prstGeom>
+        </p:spPr>
+      </p:pic>
+      <p:pic>
+        <p:nvPicPr>
+          <p:cNvPr id="10" name="Picture 9" descr="A graph of a number of patients&#10;&#10;Description automatically generated with medium confidence">
+            <a:extLst>
+              <a:ext uri="{FF2B5EF4-FFF2-40B4-BE49-F238E27FC236}">
+                <a16:creationId xmlns:a16="http://schemas.microsoft.com/office/drawing/2014/main" id="{1A7FA656-4118-F7FA-CE14-FB15EBA9A0EF}"/>
+              </a:ext>
+            </a:extLst>
+          </p:cNvPr>
+          <p:cNvPicPr>
+            <a:picLocks noChangeAspect="1"/>
+          </p:cNvPicPr>
+          <p:nvPr/>
+        </p:nvPicPr>
+        <p:blipFill>
+          <a:blip r:embed="rId3"/>
+          <a:stretch>
+            <a:fillRect/>
+          </a:stretch>
+        </p:blipFill>
+        <p:spPr>
+          <a:xfrm>
+            <a:off x="543338" y="1904999"/>
+            <a:ext cx="4625009" cy="4625009"/>
+          </a:xfrm>
+          <a:prstGeom prst="rect">
+            <a:avLst/>
+          </a:prstGeom>
+        </p:spPr>
+      </p:pic>
+    </p:spTree>
+    <p:extLst>
+      <p:ext uri="{BB962C8B-B14F-4D97-AF65-F5344CB8AC3E}">
+        <p14:creationId xmlns:p14="http://schemas.microsoft.com/office/powerpoint/2010/main" val="3443655303"/>
+      </p:ext>
+    </p:extLst>
+  </p:cSld>
+  <p:clrMapOvr>
+    <a:masterClrMapping/>
+  </p:clrMapOvr>
+</p:sld>
+</file>
+
+<file path=ppt/slides/slide25.xml><?xml version="1.0" encoding="utf-8"?>
+<p:sld xmlns:a="http://schemas.openxmlformats.org/drawingml/2006/main" xmlns:r="http://schemas.openxmlformats.org/officeDocument/2006/relationships" xmlns:p="http://schemas.openxmlformats.org/presentationml/2006/main">
+  <p:cSld>
+    <p:spTree>
+      <p:nvGrpSpPr>
+        <p:cNvPr id="1" name=""/>
+        <p:cNvGrpSpPr/>
+        <p:nvPr/>
+      </p:nvGrpSpPr>
+      <p:grpSpPr>
+        <a:xfrm>
+          <a:off x="0" y="0"/>
+          <a:ext cx="0" cy="0"/>
+          <a:chOff x="0" y="0"/>
+          <a:chExt cx="0" cy="0"/>
+        </a:xfrm>
+      </p:grpSpPr>
+      <p:pic>
+        <p:nvPicPr>
+          <p:cNvPr id="8" name="Picture 7" descr="A graph of a number of patients&#10;&#10;Description automatically generated with medium confidence">
+            <a:extLst>
+              <a:ext uri="{FF2B5EF4-FFF2-40B4-BE49-F238E27FC236}">
+                <a16:creationId xmlns:a16="http://schemas.microsoft.com/office/drawing/2014/main" id="{5A10A27A-7B1A-0E32-634B-8D912467EA54}"/>
+              </a:ext>
+            </a:extLst>
+          </p:cNvPr>
+          <p:cNvPicPr>
+            <a:picLocks noChangeAspect="1"/>
+          </p:cNvPicPr>
+          <p:nvPr/>
+        </p:nvPicPr>
+        <p:blipFill>
+          <a:blip r:embed="rId2"/>
+          <a:stretch>
+            <a:fillRect/>
+          </a:stretch>
+        </p:blipFill>
+        <p:spPr>
+          <a:xfrm>
+            <a:off x="5406890" y="1759225"/>
+            <a:ext cx="4837042" cy="4837042"/>
+          </a:xfrm>
+          <a:prstGeom prst="rect">
+            <a:avLst/>
+          </a:prstGeom>
+        </p:spPr>
+      </p:pic>
+      <p:pic>
+        <p:nvPicPr>
+          <p:cNvPr id="10" name="Picture 9" descr="A graph of survival in a patient&#10;&#10;Description automatically generated with medium confidence">
+            <a:extLst>
+              <a:ext uri="{FF2B5EF4-FFF2-40B4-BE49-F238E27FC236}">
+                <a16:creationId xmlns:a16="http://schemas.microsoft.com/office/drawing/2014/main" id="{314BE359-E00B-23DD-2F0E-F8311D7FA7BF}"/>
+              </a:ext>
+            </a:extLst>
+          </p:cNvPr>
+          <p:cNvPicPr>
+            <a:picLocks noChangeAspect="1"/>
+          </p:cNvPicPr>
+          <p:nvPr/>
+        </p:nvPicPr>
+        <p:blipFill>
+          <a:blip r:embed="rId3"/>
+          <a:stretch>
+            <a:fillRect/>
+          </a:stretch>
+        </p:blipFill>
+        <p:spPr>
+          <a:xfrm>
+            <a:off x="424069" y="1759225"/>
+            <a:ext cx="4837043" cy="4837043"/>
+          </a:xfrm>
+          <a:prstGeom prst="rect">
+            <a:avLst/>
+          </a:prstGeom>
+        </p:spPr>
+      </p:pic>
+    </p:spTree>
+    <p:extLst>
+      <p:ext uri="{BB962C8B-B14F-4D97-AF65-F5344CB8AC3E}">
+        <p14:creationId xmlns:p14="http://schemas.microsoft.com/office/powerpoint/2010/main" val="498473921"/>
+      </p:ext>
+    </p:extLst>
+  </p:cSld>
+  <p:clrMapOvr>
+    <a:masterClrMapping/>
+  </p:clrMapOvr>
+</p:sld>
+</file>
+
+<file path=ppt/slides/slide26.xml><?xml version="1.0" encoding="utf-8"?>
+<p:sld xmlns:a="http://schemas.openxmlformats.org/drawingml/2006/main" xmlns:r="http://schemas.openxmlformats.org/officeDocument/2006/relationships" xmlns:p="http://schemas.openxmlformats.org/presentationml/2006/main">
+  <p:cSld>
+    <p:spTree>
+      <p:nvGrpSpPr>
+        <p:cNvPr id="1" name=""/>
+        <p:cNvGrpSpPr/>
+        <p:nvPr/>
+      </p:nvGrpSpPr>
+      <p:grpSpPr>
+        <a:xfrm>
+          <a:off x="0" y="0"/>
+          <a:ext cx="0" cy="0"/>
+          <a:chOff x="0" y="0"/>
+          <a:chExt cx="0" cy="0"/>
+        </a:xfrm>
+      </p:grpSpPr>
+      <p:sp>
+        <p:nvSpPr>
+          <p:cNvPr id="2" name="Title 1">
+            <a:extLst>
+              <a:ext uri="{FF2B5EF4-FFF2-40B4-BE49-F238E27FC236}">
+                <a16:creationId xmlns:a16="http://schemas.microsoft.com/office/drawing/2014/main" id="{23FDEC4B-A45E-C87A-BB5F-F3E81F080745}"/>
+              </a:ext>
+            </a:extLst>
+          </p:cNvPr>
+          <p:cNvSpPr>
+            <a:spLocks noGrp="1"/>
+          </p:cNvSpPr>
+          <p:nvPr>
+            <p:ph type="title"/>
+          </p:nvPr>
+        </p:nvSpPr>
+        <p:spPr/>
+        <p:txBody>
+          <a:bodyPr/>
+          <a:lstStyle/>
+          <a:p>
+            <a:endParaRPr lang="en-US"/>
+          </a:p>
+        </p:txBody>
+      </p:sp>
+      <p:pic>
+        <p:nvPicPr>
+          <p:cNvPr id="6" name="Content Placeholder 5" descr="A graph of a disease-free survival&#10;&#10;Description automatically generated">
+            <a:extLst>
+              <a:ext uri="{FF2B5EF4-FFF2-40B4-BE49-F238E27FC236}">
+                <a16:creationId xmlns:a16="http://schemas.microsoft.com/office/drawing/2014/main" id="{2E907E56-1943-8DAD-5036-EC97C39AD03B}"/>
+              </a:ext>
+            </a:extLst>
+          </p:cNvPr>
+          <p:cNvPicPr>
+            <a:picLocks noGrp="1" noChangeAspect="1"/>
+          </p:cNvPicPr>
+          <p:nvPr>
+            <p:ph idx="1"/>
+          </p:nvPr>
+        </p:nvPicPr>
+        <p:blipFill>
+          <a:blip r:embed="rId2"/>
+          <a:stretch>
+            <a:fillRect/>
+          </a:stretch>
+        </p:blipFill>
+        <p:spPr>
+          <a:xfrm>
+            <a:off x="4982816" y="2130286"/>
+            <a:ext cx="4545494" cy="4545494"/>
+          </a:xfrm>
+        </p:spPr>
+      </p:pic>
+      <p:pic>
+        <p:nvPicPr>
+          <p:cNvPr id="8" name="Picture 7" descr="A graph of a survival curve&#10;&#10;Description automatically generated">
+            <a:extLst>
+              <a:ext uri="{FF2B5EF4-FFF2-40B4-BE49-F238E27FC236}">
+                <a16:creationId xmlns:a16="http://schemas.microsoft.com/office/drawing/2014/main" id="{01CD7298-8DAB-0374-A6B6-C75362485BCB}"/>
+              </a:ext>
+            </a:extLst>
+          </p:cNvPr>
+          <p:cNvPicPr>
+            <a:picLocks noChangeAspect="1"/>
+          </p:cNvPicPr>
+          <p:nvPr/>
+        </p:nvPicPr>
+        <p:blipFill>
+          <a:blip r:embed="rId3"/>
+          <a:stretch>
+            <a:fillRect/>
+          </a:stretch>
+        </p:blipFill>
+        <p:spPr>
+          <a:xfrm>
+            <a:off x="437321" y="2130286"/>
+            <a:ext cx="4545495" cy="4545495"/>
+          </a:xfrm>
+          <a:prstGeom prst="rect">
+            <a:avLst/>
+          </a:prstGeom>
+        </p:spPr>
+      </p:pic>
+    </p:spTree>
+    <p:extLst>
+      <p:ext uri="{BB962C8B-B14F-4D97-AF65-F5344CB8AC3E}">
+        <p14:creationId xmlns:p14="http://schemas.microsoft.com/office/powerpoint/2010/main" val="3484982821"/>
+      </p:ext>
+    </p:extLst>
+  </p:cSld>
+  <p:clrMapOvr>
+    <a:masterClrMapping/>
+  </p:clrMapOvr>
+</p:sld>
+</file>
+
+<file path=ppt/slides/slide27.xml><?xml version="1.0" encoding="utf-8"?>
+<p:sld xmlns:a="http://schemas.openxmlformats.org/drawingml/2006/main" xmlns:r="http://schemas.openxmlformats.org/officeDocument/2006/relationships" xmlns:p="http://schemas.openxmlformats.org/presentationml/2006/main">
+  <p:cSld>
+    <p:spTree>
+      <p:nvGrpSpPr>
+        <p:cNvPr id="1" name=""/>
+        <p:cNvGrpSpPr/>
+        <p:nvPr/>
+      </p:nvGrpSpPr>
+      <p:grpSpPr>
+        <a:xfrm>
+          <a:off x="0" y="0"/>
+          <a:ext cx="0" cy="0"/>
+          <a:chOff x="0" y="0"/>
+          <a:chExt cx="0" cy="0"/>
+        </a:xfrm>
+      </p:grpSpPr>
+      <p:sp>
+        <p:nvSpPr>
+          <p:cNvPr id="2" name="Title 1">
+            <a:extLst>
+              <a:ext uri="{FF2B5EF4-FFF2-40B4-BE49-F238E27FC236}">
+                <a16:creationId xmlns:a16="http://schemas.microsoft.com/office/drawing/2014/main" id="{A1D8BB2D-80A1-3154-CB05-0E2F93566575}"/>
+              </a:ext>
+            </a:extLst>
+          </p:cNvPr>
+          <p:cNvSpPr>
+            <a:spLocks noGrp="1"/>
+          </p:cNvSpPr>
+          <p:nvPr>
+            <p:ph type="title"/>
+          </p:nvPr>
+        </p:nvSpPr>
+        <p:spPr/>
+        <p:txBody>
+          <a:bodyPr/>
+          <a:lstStyle/>
+          <a:p>
+            <a:endParaRPr lang="en-US"/>
+          </a:p>
+        </p:txBody>
+      </p:sp>
+      <p:pic>
+        <p:nvPicPr>
+          <p:cNvPr id="5" name="Content Placeholder 4" descr="A graph of a number of patients&#10;&#10;Description automatically generated with medium confidence">
+            <a:extLst>
+              <a:ext uri="{FF2B5EF4-FFF2-40B4-BE49-F238E27FC236}">
+                <a16:creationId xmlns:a16="http://schemas.microsoft.com/office/drawing/2014/main" id="{DBE970B7-EED9-ECCD-FD6E-A7A23A438FDC}"/>
+              </a:ext>
+            </a:extLst>
+          </p:cNvPr>
+          <p:cNvPicPr>
+            <a:picLocks noGrp="1" noChangeAspect="1"/>
+          </p:cNvPicPr>
+          <p:nvPr>
+            <p:ph idx="1"/>
+          </p:nvPr>
+        </p:nvPicPr>
+        <p:blipFill>
+          <a:blip r:embed="rId2"/>
+          <a:stretch>
+            <a:fillRect/>
+          </a:stretch>
+        </p:blipFill>
+        <p:spPr>
+          <a:xfrm>
+            <a:off x="5261112" y="1904999"/>
+            <a:ext cx="4770781" cy="4770781"/>
+          </a:xfrm>
+        </p:spPr>
+      </p:pic>
+      <p:pic>
+        <p:nvPicPr>
+          <p:cNvPr id="7" name="Picture 6" descr="A graph of a survival curve&#10;&#10;Description automatically generated with medium confidence">
+            <a:extLst>
+              <a:ext uri="{FF2B5EF4-FFF2-40B4-BE49-F238E27FC236}">
+                <a16:creationId xmlns:a16="http://schemas.microsoft.com/office/drawing/2014/main" id="{B5AECE35-84FC-8410-AB58-98CC63E24E84}"/>
+              </a:ext>
+            </a:extLst>
+          </p:cNvPr>
+          <p:cNvPicPr>
+            <a:picLocks noChangeAspect="1"/>
+          </p:cNvPicPr>
+          <p:nvPr/>
+        </p:nvPicPr>
+        <p:blipFill>
+          <a:blip r:embed="rId3"/>
+          <a:stretch>
+            <a:fillRect/>
+          </a:stretch>
+        </p:blipFill>
+        <p:spPr>
+          <a:xfrm>
+            <a:off x="490331" y="1905000"/>
+            <a:ext cx="4770782" cy="4770782"/>
+          </a:xfrm>
+          <a:prstGeom prst="rect">
+            <a:avLst/>
+          </a:prstGeom>
+        </p:spPr>
+      </p:pic>
+    </p:spTree>
+    <p:extLst>
+      <p:ext uri="{BB962C8B-B14F-4D97-AF65-F5344CB8AC3E}">
+        <p14:creationId xmlns:p14="http://schemas.microsoft.com/office/powerpoint/2010/main" val="1891838126"/>
+      </p:ext>
+    </p:extLst>
+  </p:cSld>
+  <p:clrMapOvr>
+    <a:masterClrMapping/>
+  </p:clrMapOvr>
+</p:sld>
+</file>
+
+<file path=ppt/slides/slide28.xml><?xml version="1.0" encoding="utf-8"?>
+<p:sld xmlns:a="http://schemas.openxmlformats.org/drawingml/2006/main" xmlns:r="http://schemas.openxmlformats.org/officeDocument/2006/relationships" xmlns:p="http://schemas.openxmlformats.org/presentationml/2006/main">
+  <p:cSld>
+    <p:spTree>
+      <p:nvGrpSpPr>
+        <p:cNvPr id="1" name=""/>
+        <p:cNvGrpSpPr/>
+        <p:nvPr/>
+      </p:nvGrpSpPr>
+      <p:grpSpPr>
+        <a:xfrm>
+          <a:off x="0" y="0"/>
+          <a:ext cx="0" cy="0"/>
+          <a:chOff x="0" y="0"/>
+          <a:chExt cx="0" cy="0"/>
+        </a:xfrm>
+      </p:grpSpPr>
+      <p:sp>
+        <p:nvSpPr>
+          <p:cNvPr id="2" name="Title 1">
+            <a:extLst>
+              <a:ext uri="{FF2B5EF4-FFF2-40B4-BE49-F238E27FC236}">
+                <a16:creationId xmlns:a16="http://schemas.microsoft.com/office/drawing/2014/main" id="{4DC5C3B7-BF6C-A6FE-FD6A-8D2722BFE5C2}"/>
+              </a:ext>
+            </a:extLst>
+          </p:cNvPr>
+          <p:cNvSpPr>
+            <a:spLocks noGrp="1"/>
+          </p:cNvSpPr>
+          <p:nvPr>
+            <p:ph type="title"/>
+          </p:nvPr>
+        </p:nvSpPr>
+        <p:spPr/>
+        <p:txBody>
+          <a:bodyPr/>
+          <a:lstStyle/>
+          <a:p>
+            <a:endParaRPr lang="en-US"/>
+          </a:p>
+        </p:txBody>
+      </p:sp>
+      <p:pic>
+        <p:nvPicPr>
+          <p:cNvPr id="5" name="Content Placeholder 4" descr="A graph of a disease-free survival&#10;&#10;Description automatically generated">
+            <a:extLst>
+              <a:ext uri="{FF2B5EF4-FFF2-40B4-BE49-F238E27FC236}">
+                <a16:creationId xmlns:a16="http://schemas.microsoft.com/office/drawing/2014/main" id="{02AC8009-2C5E-7430-A441-ACE086347C2C}"/>
+              </a:ext>
+            </a:extLst>
+          </p:cNvPr>
+          <p:cNvPicPr>
+            <a:picLocks noGrp="1" noChangeAspect="1"/>
+          </p:cNvPicPr>
+          <p:nvPr>
+            <p:ph idx="1"/>
+          </p:nvPr>
+        </p:nvPicPr>
+        <p:blipFill>
+          <a:blip r:embed="rId2"/>
+          <a:stretch>
+            <a:fillRect/>
+          </a:stretch>
+        </p:blipFill>
+        <p:spPr>
+          <a:xfrm>
+            <a:off x="5221355" y="1904999"/>
+            <a:ext cx="4744279" cy="4744279"/>
+          </a:xfrm>
+        </p:spPr>
+      </p:pic>
+      <p:pic>
+        <p:nvPicPr>
+          <p:cNvPr id="7" name="Picture 6" descr="A graph of a survival curve&#10;&#10;Description automatically generated with medium confidence">
+            <a:extLst>
+              <a:ext uri="{FF2B5EF4-FFF2-40B4-BE49-F238E27FC236}">
+                <a16:creationId xmlns:a16="http://schemas.microsoft.com/office/drawing/2014/main" id="{0FFD43A2-058E-6E11-7272-AED1EBE74D6F}"/>
+              </a:ext>
+            </a:extLst>
+          </p:cNvPr>
+          <p:cNvPicPr>
+            <a:picLocks noChangeAspect="1"/>
+          </p:cNvPicPr>
+          <p:nvPr/>
+        </p:nvPicPr>
+        <p:blipFill>
+          <a:blip r:embed="rId3"/>
+          <a:stretch>
+            <a:fillRect/>
+          </a:stretch>
+        </p:blipFill>
+        <p:spPr>
+          <a:xfrm>
+            <a:off x="477077" y="1904999"/>
+            <a:ext cx="4744279" cy="4744279"/>
+          </a:xfrm>
+          <a:prstGeom prst="rect">
+            <a:avLst/>
+          </a:prstGeom>
+        </p:spPr>
+      </p:pic>
+    </p:spTree>
+    <p:extLst>
+      <p:ext uri="{BB962C8B-B14F-4D97-AF65-F5344CB8AC3E}">
+        <p14:creationId xmlns:p14="http://schemas.microsoft.com/office/powerpoint/2010/main" val="4283351874"/>
+      </p:ext>
+    </p:extLst>
+  </p:cSld>
+  <p:clrMapOvr>
+    <a:masterClrMapping/>
+  </p:clrMapOvr>
+</p:sld>
+</file>
+
+<file path=ppt/slides/slide29.xml><?xml version="1.0" encoding="utf-8"?>
+<p:sld xmlns:a="http://schemas.openxmlformats.org/drawingml/2006/main" xmlns:r="http://schemas.openxmlformats.org/officeDocument/2006/relationships" xmlns:p="http://schemas.openxmlformats.org/presentationml/2006/main">
+  <p:cSld>
+    <p:spTree>
+      <p:nvGrpSpPr>
+        <p:cNvPr id="1" name=""/>
+        <p:cNvGrpSpPr/>
+        <p:nvPr/>
+      </p:nvGrpSpPr>
+      <p:grpSpPr>
+        <a:xfrm>
+          <a:off x="0" y="0"/>
+          <a:ext cx="0" cy="0"/>
+          <a:chOff x="0" y="0"/>
+          <a:chExt cx="0" cy="0"/>
+        </a:xfrm>
+      </p:grpSpPr>
+      <p:sp>
+        <p:nvSpPr>
+          <p:cNvPr id="2" name="Title 1">
+            <a:extLst>
+              <a:ext uri="{FF2B5EF4-FFF2-40B4-BE49-F238E27FC236}">
+                <a16:creationId xmlns:a16="http://schemas.microsoft.com/office/drawing/2014/main" id="{13EEE9F8-8314-7A6B-E71A-6C2477D177FD}"/>
+              </a:ext>
+            </a:extLst>
+          </p:cNvPr>
+          <p:cNvSpPr>
+            <a:spLocks noGrp="1"/>
+          </p:cNvSpPr>
+          <p:nvPr>
+            <p:ph type="title"/>
+          </p:nvPr>
+        </p:nvSpPr>
+        <p:spPr/>
+        <p:txBody>
+          <a:bodyPr/>
+          <a:lstStyle/>
+          <a:p>
+            <a:endParaRPr lang="en-US"/>
+          </a:p>
+        </p:txBody>
+      </p:sp>
+      <p:pic>
+        <p:nvPicPr>
+          <p:cNvPr id="5" name="Content Placeholder 4" descr="A graph of a number of patients&#10;&#10;Description automatically generated with medium confidence">
+            <a:extLst>
+              <a:ext uri="{FF2B5EF4-FFF2-40B4-BE49-F238E27FC236}">
+                <a16:creationId xmlns:a16="http://schemas.microsoft.com/office/drawing/2014/main" id="{4B1E1EBD-8139-3DD0-C631-B59E4F335445}"/>
+              </a:ext>
+            </a:extLst>
+          </p:cNvPr>
+          <p:cNvPicPr>
+            <a:picLocks noGrp="1" noChangeAspect="1"/>
+          </p:cNvPicPr>
+          <p:nvPr>
+            <p:ph idx="1"/>
+          </p:nvPr>
+        </p:nvPicPr>
+        <p:blipFill>
+          <a:blip r:embed="rId2"/>
+          <a:stretch>
+            <a:fillRect/>
+          </a:stretch>
+        </p:blipFill>
+        <p:spPr>
+          <a:xfrm>
+            <a:off x="4943060" y="1904999"/>
+            <a:ext cx="4704521" cy="4704521"/>
+          </a:xfrm>
+        </p:spPr>
+      </p:pic>
+      <p:pic>
+        <p:nvPicPr>
+          <p:cNvPr id="7" name="Picture 6" descr="A graph of a survival curve&#10;&#10;Description automatically generated with medium confidence">
+            <a:extLst>
+              <a:ext uri="{FF2B5EF4-FFF2-40B4-BE49-F238E27FC236}">
+                <a16:creationId xmlns:a16="http://schemas.microsoft.com/office/drawing/2014/main" id="{9378DFF2-B30F-EFD1-AE74-1167532DDFFA}"/>
+              </a:ext>
+            </a:extLst>
+          </p:cNvPr>
+          <p:cNvPicPr>
+            <a:picLocks noChangeAspect="1"/>
+          </p:cNvPicPr>
+          <p:nvPr/>
+        </p:nvPicPr>
+        <p:blipFill>
+          <a:blip r:embed="rId3"/>
+          <a:stretch>
+            <a:fillRect/>
+          </a:stretch>
+        </p:blipFill>
+        <p:spPr>
+          <a:xfrm>
+            <a:off x="238539" y="1905000"/>
+            <a:ext cx="4704522" cy="4704522"/>
+          </a:xfrm>
+          <a:prstGeom prst="rect">
+            <a:avLst/>
+          </a:prstGeom>
+        </p:spPr>
+      </p:pic>
+    </p:spTree>
+    <p:extLst>
+      <p:ext uri="{BB962C8B-B14F-4D97-AF65-F5344CB8AC3E}">
+        <p14:creationId xmlns:p14="http://schemas.microsoft.com/office/powerpoint/2010/main" val="2094289761"/>
       </p:ext>
     </p:extLst>
   </p:cSld>
@@ -4759,7 +8212,7 @@
           <p:cNvPr id="2" name="Title 1">
             <a:extLst>
               <a:ext uri="{FF2B5EF4-FFF2-40B4-BE49-F238E27FC236}">
-                <a16:creationId xmlns:a16="http://schemas.microsoft.com/office/drawing/2014/main" id="{B504A3B5-183C-BA73-1827-FF1892199F70}"/>
+                <a16:creationId xmlns:a16="http://schemas.microsoft.com/office/drawing/2014/main" id="{A53BD301-203A-8F98-7330-28287EA38DF6}"/>
               </a:ext>
             </a:extLst>
           </p:cNvPr>
@@ -4781,10 +8234,10 @@
       </p:sp>
       <p:pic>
         <p:nvPicPr>
-          <p:cNvPr id="5" name="Content Placeholder 4" descr="A graph of a survival curve&#10;&#10;Description automatically generated with medium confidence">
-            <a:extLst>
-              <a:ext uri="{FF2B5EF4-FFF2-40B4-BE49-F238E27FC236}">
-                <a16:creationId xmlns:a16="http://schemas.microsoft.com/office/drawing/2014/main" id="{2C6A325C-9075-8DBA-3F4A-48C1D1424280}"/>
+          <p:cNvPr id="5" name="Content Placeholder 4" descr="A graph of a number of patients&#10;&#10;Description automatically generated">
+            <a:extLst>
+              <a:ext uri="{FF2B5EF4-FFF2-40B4-BE49-F238E27FC236}">
+                <a16:creationId xmlns:a16="http://schemas.microsoft.com/office/drawing/2014/main" id="{35FCE2AE-577A-D9D3-B587-65ED9A4E221A}"/>
               </a:ext>
             </a:extLst>
           </p:cNvPr>
@@ -4803,17 +8256,17 @@
         </p:blipFill>
         <p:spPr>
           <a:xfrm>
-            <a:off x="274320" y="349250"/>
-            <a:ext cx="5684520" cy="5684520"/>
+            <a:off x="5105400" y="868680"/>
+            <a:ext cx="4480560" cy="4480560"/>
           </a:xfrm>
         </p:spPr>
       </p:pic>
       <p:pic>
         <p:nvPicPr>
-          <p:cNvPr id="7" name="Picture 6" descr="A graph of a number of patients&#10;&#10;Description automatically generated with medium confidence">
-            <a:extLst>
-              <a:ext uri="{FF2B5EF4-FFF2-40B4-BE49-F238E27FC236}">
-                <a16:creationId xmlns:a16="http://schemas.microsoft.com/office/drawing/2014/main" id="{29424592-7C4B-F27C-9F10-84C8506E7185}"/>
+          <p:cNvPr id="7" name="Picture 6" descr="A graph of a number of patients&#10;&#10;Description automatically generated">
+            <a:extLst>
+              <a:ext uri="{FF2B5EF4-FFF2-40B4-BE49-F238E27FC236}">
+                <a16:creationId xmlns:a16="http://schemas.microsoft.com/office/drawing/2014/main" id="{4849142B-E8A5-D3C8-3ED0-585FCDB13E91}"/>
               </a:ext>
             </a:extLst>
           </p:cNvPr>
@@ -4830,8 +8283,8 @@
         </p:blipFill>
         <p:spPr>
           <a:xfrm>
-            <a:off x="6233160" y="365125"/>
-            <a:ext cx="5684520" cy="5684520"/>
+            <a:off x="624840" y="868680"/>
+            <a:ext cx="4480560" cy="4480560"/>
           </a:xfrm>
           <a:prstGeom prst="rect">
             <a:avLst/>
@@ -4841,7 +8294,1147 @@
     </p:spTree>
     <p:extLst>
       <p:ext uri="{BB962C8B-B14F-4D97-AF65-F5344CB8AC3E}">
-        <p14:creationId xmlns:p14="http://schemas.microsoft.com/office/powerpoint/2010/main" val="2492302522"/>
+        <p14:creationId xmlns:p14="http://schemas.microsoft.com/office/powerpoint/2010/main" val="2114021470"/>
+      </p:ext>
+    </p:extLst>
+  </p:cSld>
+  <p:clrMapOvr>
+    <a:masterClrMapping/>
+  </p:clrMapOvr>
+</p:sld>
+</file>
+
+<file path=ppt/slides/slide30.xml><?xml version="1.0" encoding="utf-8"?>
+<p:sld xmlns:a="http://schemas.openxmlformats.org/drawingml/2006/main" xmlns:r="http://schemas.openxmlformats.org/officeDocument/2006/relationships" xmlns:p="http://schemas.openxmlformats.org/presentationml/2006/main">
+  <p:cSld>
+    <p:spTree>
+      <p:nvGrpSpPr>
+        <p:cNvPr id="1" name=""/>
+        <p:cNvGrpSpPr/>
+        <p:nvPr/>
+      </p:nvGrpSpPr>
+      <p:grpSpPr>
+        <a:xfrm>
+          <a:off x="0" y="0"/>
+          <a:ext cx="0" cy="0"/>
+          <a:chOff x="0" y="0"/>
+          <a:chExt cx="0" cy="0"/>
+        </a:xfrm>
+      </p:grpSpPr>
+      <p:sp>
+        <p:nvSpPr>
+          <p:cNvPr id="2" name="Title 1">
+            <a:extLst>
+              <a:ext uri="{FF2B5EF4-FFF2-40B4-BE49-F238E27FC236}">
+                <a16:creationId xmlns:a16="http://schemas.microsoft.com/office/drawing/2014/main" id="{47D2238C-91E2-578E-6A87-FB93D548E0AB}"/>
+              </a:ext>
+            </a:extLst>
+          </p:cNvPr>
+          <p:cNvSpPr>
+            <a:spLocks noGrp="1"/>
+          </p:cNvSpPr>
+          <p:nvPr>
+            <p:ph type="title"/>
+          </p:nvPr>
+        </p:nvSpPr>
+        <p:spPr/>
+        <p:txBody>
+          <a:bodyPr/>
+          <a:lstStyle/>
+          <a:p>
+            <a:endParaRPr lang="en-US"/>
+          </a:p>
+        </p:txBody>
+      </p:sp>
+      <p:pic>
+        <p:nvPicPr>
+          <p:cNvPr id="5" name="Content Placeholder 4" descr="A graph of a disease&#10;&#10;Description automatically generated">
+            <a:extLst>
+              <a:ext uri="{FF2B5EF4-FFF2-40B4-BE49-F238E27FC236}">
+                <a16:creationId xmlns:a16="http://schemas.microsoft.com/office/drawing/2014/main" id="{24FFD5CB-16F4-D4B0-FCC8-E5FCDEE99EB7}"/>
+              </a:ext>
+            </a:extLst>
+          </p:cNvPr>
+          <p:cNvPicPr>
+            <a:picLocks noGrp="1" noChangeAspect="1"/>
+          </p:cNvPicPr>
+          <p:nvPr>
+            <p:ph idx="1"/>
+          </p:nvPr>
+        </p:nvPicPr>
+        <p:blipFill>
+          <a:blip r:embed="rId2"/>
+          <a:stretch>
+            <a:fillRect/>
+          </a:stretch>
+        </p:blipFill>
+        <p:spPr>
+          <a:xfrm>
+            <a:off x="5420137" y="1904999"/>
+            <a:ext cx="4581939" cy="4581939"/>
+          </a:xfrm>
+        </p:spPr>
+      </p:pic>
+      <p:pic>
+        <p:nvPicPr>
+          <p:cNvPr id="7" name="Picture 6" descr="A graph of survival in a patient&#10;&#10;Description automatically generated with medium confidence">
+            <a:extLst>
+              <a:ext uri="{FF2B5EF4-FFF2-40B4-BE49-F238E27FC236}">
+                <a16:creationId xmlns:a16="http://schemas.microsoft.com/office/drawing/2014/main" id="{BD862DD8-5CB8-C227-63C3-EF43B766DC1D}"/>
+              </a:ext>
+            </a:extLst>
+          </p:cNvPr>
+          <p:cNvPicPr>
+            <a:picLocks noChangeAspect="1"/>
+          </p:cNvPicPr>
+          <p:nvPr/>
+        </p:nvPicPr>
+        <p:blipFill>
+          <a:blip r:embed="rId3"/>
+          <a:stretch>
+            <a:fillRect/>
+          </a:stretch>
+        </p:blipFill>
+        <p:spPr>
+          <a:xfrm>
+            <a:off x="838199" y="1904999"/>
+            <a:ext cx="4581939" cy="4581939"/>
+          </a:xfrm>
+          <a:prstGeom prst="rect">
+            <a:avLst/>
+          </a:prstGeom>
+        </p:spPr>
+      </p:pic>
+    </p:spTree>
+    <p:extLst>
+      <p:ext uri="{BB962C8B-B14F-4D97-AF65-F5344CB8AC3E}">
+        <p14:creationId xmlns:p14="http://schemas.microsoft.com/office/powerpoint/2010/main" val="3402386528"/>
+      </p:ext>
+    </p:extLst>
+  </p:cSld>
+  <p:clrMapOvr>
+    <a:masterClrMapping/>
+  </p:clrMapOvr>
+</p:sld>
+</file>
+
+<file path=ppt/slides/slide31.xml><?xml version="1.0" encoding="utf-8"?>
+<p:sld xmlns:a="http://schemas.openxmlformats.org/drawingml/2006/main" xmlns:r="http://schemas.openxmlformats.org/officeDocument/2006/relationships" xmlns:p="http://schemas.openxmlformats.org/presentationml/2006/main">
+  <p:cSld>
+    <p:spTree>
+      <p:nvGrpSpPr>
+        <p:cNvPr id="1" name=""/>
+        <p:cNvGrpSpPr/>
+        <p:nvPr/>
+      </p:nvGrpSpPr>
+      <p:grpSpPr>
+        <a:xfrm>
+          <a:off x="0" y="0"/>
+          <a:ext cx="0" cy="0"/>
+          <a:chOff x="0" y="0"/>
+          <a:chExt cx="0" cy="0"/>
+        </a:xfrm>
+      </p:grpSpPr>
+      <p:sp>
+        <p:nvSpPr>
+          <p:cNvPr id="2" name="Title 1">
+            <a:extLst>
+              <a:ext uri="{FF2B5EF4-FFF2-40B4-BE49-F238E27FC236}">
+                <a16:creationId xmlns:a16="http://schemas.microsoft.com/office/drawing/2014/main" id="{5FAD56BD-7210-B747-F186-28EA66965ADC}"/>
+              </a:ext>
+            </a:extLst>
+          </p:cNvPr>
+          <p:cNvSpPr>
+            <a:spLocks noGrp="1"/>
+          </p:cNvSpPr>
+          <p:nvPr>
+            <p:ph type="title"/>
+          </p:nvPr>
+        </p:nvSpPr>
+        <p:spPr/>
+        <p:txBody>
+          <a:bodyPr/>
+          <a:lstStyle/>
+          <a:p>
+            <a:endParaRPr lang="en-US"/>
+          </a:p>
+        </p:txBody>
+      </p:sp>
+      <p:pic>
+        <p:nvPicPr>
+          <p:cNvPr id="5" name="Content Placeholder 4" descr="A graph of a disease&#10;&#10;Description automatically generated">
+            <a:extLst>
+              <a:ext uri="{FF2B5EF4-FFF2-40B4-BE49-F238E27FC236}">
+                <a16:creationId xmlns:a16="http://schemas.microsoft.com/office/drawing/2014/main" id="{CBD4AA52-73C1-F146-171D-CAE138B86168}"/>
+              </a:ext>
+            </a:extLst>
+          </p:cNvPr>
+          <p:cNvPicPr>
+            <a:picLocks noGrp="1" noChangeAspect="1"/>
+          </p:cNvPicPr>
+          <p:nvPr>
+            <p:ph idx="1"/>
+          </p:nvPr>
+        </p:nvPicPr>
+        <p:blipFill>
+          <a:blip r:embed="rId2"/>
+          <a:stretch>
+            <a:fillRect/>
+          </a:stretch>
+        </p:blipFill>
+        <p:spPr>
+          <a:xfrm>
+            <a:off x="4916557" y="1905000"/>
+            <a:ext cx="4518992" cy="4518992"/>
+          </a:xfrm>
+        </p:spPr>
+      </p:pic>
+      <p:pic>
+        <p:nvPicPr>
+          <p:cNvPr id="7" name="Picture 6" descr="A graph of survival in a patient&#10;&#10;Description automatically generated with medium confidence">
+            <a:extLst>
+              <a:ext uri="{FF2B5EF4-FFF2-40B4-BE49-F238E27FC236}">
+                <a16:creationId xmlns:a16="http://schemas.microsoft.com/office/drawing/2014/main" id="{1C7FDB0E-97C4-602F-3140-DF5FE7CBD2B5}"/>
+              </a:ext>
+            </a:extLst>
+          </p:cNvPr>
+          <p:cNvPicPr>
+            <a:picLocks noChangeAspect="1"/>
+          </p:cNvPicPr>
+          <p:nvPr/>
+        </p:nvPicPr>
+        <p:blipFill>
+          <a:blip r:embed="rId3"/>
+          <a:stretch>
+            <a:fillRect/>
+          </a:stretch>
+        </p:blipFill>
+        <p:spPr>
+          <a:xfrm>
+            <a:off x="397565" y="1905000"/>
+            <a:ext cx="4518992" cy="4518992"/>
+          </a:xfrm>
+          <a:prstGeom prst="rect">
+            <a:avLst/>
+          </a:prstGeom>
+        </p:spPr>
+      </p:pic>
+    </p:spTree>
+    <p:extLst>
+      <p:ext uri="{BB962C8B-B14F-4D97-AF65-F5344CB8AC3E}">
+        <p14:creationId xmlns:p14="http://schemas.microsoft.com/office/powerpoint/2010/main" val="3142630967"/>
+      </p:ext>
+    </p:extLst>
+  </p:cSld>
+  <p:clrMapOvr>
+    <a:masterClrMapping/>
+  </p:clrMapOvr>
+</p:sld>
+</file>
+
+<file path=ppt/slides/slide32.xml><?xml version="1.0" encoding="utf-8"?>
+<p:sld xmlns:a="http://schemas.openxmlformats.org/drawingml/2006/main" xmlns:r="http://schemas.openxmlformats.org/officeDocument/2006/relationships" xmlns:p="http://schemas.openxmlformats.org/presentationml/2006/main">
+  <p:cSld>
+    <p:spTree>
+      <p:nvGrpSpPr>
+        <p:cNvPr id="1" name=""/>
+        <p:cNvGrpSpPr/>
+        <p:nvPr/>
+      </p:nvGrpSpPr>
+      <p:grpSpPr>
+        <a:xfrm>
+          <a:off x="0" y="0"/>
+          <a:ext cx="0" cy="0"/>
+          <a:chOff x="0" y="0"/>
+          <a:chExt cx="0" cy="0"/>
+        </a:xfrm>
+      </p:grpSpPr>
+      <p:sp>
+        <p:nvSpPr>
+          <p:cNvPr id="2" name="Title 1">
+            <a:extLst>
+              <a:ext uri="{FF2B5EF4-FFF2-40B4-BE49-F238E27FC236}">
+                <a16:creationId xmlns:a16="http://schemas.microsoft.com/office/drawing/2014/main" id="{6F18CC51-D4CC-32E2-0A1F-DC5DB3E9D8AB}"/>
+              </a:ext>
+            </a:extLst>
+          </p:cNvPr>
+          <p:cNvSpPr>
+            <a:spLocks noGrp="1"/>
+          </p:cNvSpPr>
+          <p:nvPr>
+            <p:ph type="title"/>
+          </p:nvPr>
+        </p:nvSpPr>
+        <p:spPr/>
+        <p:txBody>
+          <a:bodyPr/>
+          <a:lstStyle/>
+          <a:p>
+            <a:endParaRPr lang="en-US"/>
+          </a:p>
+        </p:txBody>
+      </p:sp>
+      <p:pic>
+        <p:nvPicPr>
+          <p:cNvPr id="5" name="Content Placeholder 4" descr="A graph of a number of patients&#10;&#10;Description automatically generated with medium confidence">
+            <a:extLst>
+              <a:ext uri="{FF2B5EF4-FFF2-40B4-BE49-F238E27FC236}">
+                <a16:creationId xmlns:a16="http://schemas.microsoft.com/office/drawing/2014/main" id="{CF3AD8CC-3B1E-F164-A625-08249209BED7}"/>
+              </a:ext>
+            </a:extLst>
+          </p:cNvPr>
+          <p:cNvPicPr>
+            <a:picLocks noGrp="1" noChangeAspect="1"/>
+          </p:cNvPicPr>
+          <p:nvPr>
+            <p:ph idx="1"/>
+          </p:nvPr>
+        </p:nvPicPr>
+        <p:blipFill>
+          <a:blip r:embed="rId2"/>
+          <a:stretch>
+            <a:fillRect/>
+          </a:stretch>
+        </p:blipFill>
+        <p:spPr>
+          <a:xfrm>
+            <a:off x="4943059" y="1955729"/>
+            <a:ext cx="4664765" cy="4664765"/>
+          </a:xfrm>
+        </p:spPr>
+      </p:pic>
+      <p:pic>
+        <p:nvPicPr>
+          <p:cNvPr id="7" name="Picture 6" descr="A graph of a survival curve&#10;&#10;Description automatically generated with medium confidence">
+            <a:extLst>
+              <a:ext uri="{FF2B5EF4-FFF2-40B4-BE49-F238E27FC236}">
+                <a16:creationId xmlns:a16="http://schemas.microsoft.com/office/drawing/2014/main" id="{01058F64-32B7-714B-38DE-B5B74FBAB01F}"/>
+              </a:ext>
+            </a:extLst>
+          </p:cNvPr>
+          <p:cNvPicPr>
+            <a:picLocks noChangeAspect="1"/>
+          </p:cNvPicPr>
+          <p:nvPr/>
+        </p:nvPicPr>
+        <p:blipFill>
+          <a:blip r:embed="rId3"/>
+          <a:stretch>
+            <a:fillRect/>
+          </a:stretch>
+        </p:blipFill>
+        <p:spPr>
+          <a:xfrm>
+            <a:off x="278295" y="1955730"/>
+            <a:ext cx="4664765" cy="4664765"/>
+          </a:xfrm>
+          <a:prstGeom prst="rect">
+            <a:avLst/>
+          </a:prstGeom>
+        </p:spPr>
+      </p:pic>
+    </p:spTree>
+    <p:extLst>
+      <p:ext uri="{BB962C8B-B14F-4D97-AF65-F5344CB8AC3E}">
+        <p14:creationId xmlns:p14="http://schemas.microsoft.com/office/powerpoint/2010/main" val="350572610"/>
+      </p:ext>
+    </p:extLst>
+  </p:cSld>
+  <p:clrMapOvr>
+    <a:masterClrMapping/>
+  </p:clrMapOvr>
+</p:sld>
+</file>
+
+<file path=ppt/slides/slide33.xml><?xml version="1.0" encoding="utf-8"?>
+<p:sld xmlns:a="http://schemas.openxmlformats.org/drawingml/2006/main" xmlns:r="http://schemas.openxmlformats.org/officeDocument/2006/relationships" xmlns:p="http://schemas.openxmlformats.org/presentationml/2006/main">
+  <p:cSld>
+    <p:spTree>
+      <p:nvGrpSpPr>
+        <p:cNvPr id="1" name=""/>
+        <p:cNvGrpSpPr/>
+        <p:nvPr/>
+      </p:nvGrpSpPr>
+      <p:grpSpPr>
+        <a:xfrm>
+          <a:off x="0" y="0"/>
+          <a:ext cx="0" cy="0"/>
+          <a:chOff x="0" y="0"/>
+          <a:chExt cx="0" cy="0"/>
+        </a:xfrm>
+      </p:grpSpPr>
+      <p:sp>
+        <p:nvSpPr>
+          <p:cNvPr id="2" name="Title 1">
+            <a:extLst>
+              <a:ext uri="{FF2B5EF4-FFF2-40B4-BE49-F238E27FC236}">
+                <a16:creationId xmlns:a16="http://schemas.microsoft.com/office/drawing/2014/main" id="{B2DE6F40-4365-E9C7-59F2-174F9A8806F4}"/>
+              </a:ext>
+            </a:extLst>
+          </p:cNvPr>
+          <p:cNvSpPr>
+            <a:spLocks noGrp="1"/>
+          </p:cNvSpPr>
+          <p:nvPr>
+            <p:ph type="title"/>
+          </p:nvPr>
+        </p:nvSpPr>
+        <p:spPr/>
+        <p:txBody>
+          <a:bodyPr/>
+          <a:lstStyle/>
+          <a:p>
+            <a:endParaRPr lang="en-US"/>
+          </a:p>
+        </p:txBody>
+      </p:sp>
+      <p:pic>
+        <p:nvPicPr>
+          <p:cNvPr id="5" name="Content Placeholder 4" descr="A graph of a disease-free survival&#10;&#10;Description automatically generated">
+            <a:extLst>
+              <a:ext uri="{FF2B5EF4-FFF2-40B4-BE49-F238E27FC236}">
+                <a16:creationId xmlns:a16="http://schemas.microsoft.com/office/drawing/2014/main" id="{04E5BDE5-5FEF-8449-CEE8-C7C1CB01423C}"/>
+              </a:ext>
+            </a:extLst>
+          </p:cNvPr>
+          <p:cNvPicPr>
+            <a:picLocks noGrp="1" noChangeAspect="1"/>
+          </p:cNvPicPr>
+          <p:nvPr>
+            <p:ph idx="1"/>
+          </p:nvPr>
+        </p:nvPicPr>
+        <p:blipFill>
+          <a:blip r:embed="rId2"/>
+          <a:stretch>
+            <a:fillRect/>
+          </a:stretch>
+        </p:blipFill>
+        <p:spPr>
+          <a:xfrm>
+            <a:off x="4876798" y="1904998"/>
+            <a:ext cx="4625009" cy="4625009"/>
+          </a:xfrm>
+        </p:spPr>
+      </p:pic>
+      <p:pic>
+        <p:nvPicPr>
+          <p:cNvPr id="7" name="Picture 6" descr="A graph of a survival curve&#10;&#10;Description automatically generated with medium confidence">
+            <a:extLst>
+              <a:ext uri="{FF2B5EF4-FFF2-40B4-BE49-F238E27FC236}">
+                <a16:creationId xmlns:a16="http://schemas.microsoft.com/office/drawing/2014/main" id="{31049701-E069-2D9D-4AEE-0D85BF97F1B2}"/>
+              </a:ext>
+            </a:extLst>
+          </p:cNvPr>
+          <p:cNvPicPr>
+            <a:picLocks noChangeAspect="1"/>
+          </p:cNvPicPr>
+          <p:nvPr/>
+        </p:nvPicPr>
+        <p:blipFill>
+          <a:blip r:embed="rId3"/>
+          <a:stretch>
+            <a:fillRect/>
+          </a:stretch>
+        </p:blipFill>
+        <p:spPr>
+          <a:xfrm>
+            <a:off x="251790" y="1904999"/>
+            <a:ext cx="4625009" cy="4625009"/>
+          </a:xfrm>
+          <a:prstGeom prst="rect">
+            <a:avLst/>
+          </a:prstGeom>
+        </p:spPr>
+      </p:pic>
+    </p:spTree>
+    <p:extLst>
+      <p:ext uri="{BB962C8B-B14F-4D97-AF65-F5344CB8AC3E}">
+        <p14:creationId xmlns:p14="http://schemas.microsoft.com/office/powerpoint/2010/main" val="4099946203"/>
+      </p:ext>
+    </p:extLst>
+  </p:cSld>
+  <p:clrMapOvr>
+    <a:masterClrMapping/>
+  </p:clrMapOvr>
+</p:sld>
+</file>
+
+<file path=ppt/slides/slide34.xml><?xml version="1.0" encoding="utf-8"?>
+<p:sld xmlns:a="http://schemas.openxmlformats.org/drawingml/2006/main" xmlns:r="http://schemas.openxmlformats.org/officeDocument/2006/relationships" xmlns:p="http://schemas.openxmlformats.org/presentationml/2006/main">
+  <p:cSld>
+    <p:spTree>
+      <p:nvGrpSpPr>
+        <p:cNvPr id="1" name=""/>
+        <p:cNvGrpSpPr/>
+        <p:nvPr/>
+      </p:nvGrpSpPr>
+      <p:grpSpPr>
+        <a:xfrm>
+          <a:off x="0" y="0"/>
+          <a:ext cx="0" cy="0"/>
+          <a:chOff x="0" y="0"/>
+          <a:chExt cx="0" cy="0"/>
+        </a:xfrm>
+      </p:grpSpPr>
+      <p:sp>
+        <p:nvSpPr>
+          <p:cNvPr id="2" name="Title 1">
+            <a:extLst>
+              <a:ext uri="{FF2B5EF4-FFF2-40B4-BE49-F238E27FC236}">
+                <a16:creationId xmlns:a16="http://schemas.microsoft.com/office/drawing/2014/main" id="{3045623F-C8EB-3F0D-3B03-FCF45252FCA6}"/>
+              </a:ext>
+            </a:extLst>
+          </p:cNvPr>
+          <p:cNvSpPr>
+            <a:spLocks noGrp="1"/>
+          </p:cNvSpPr>
+          <p:nvPr>
+            <p:ph type="title"/>
+          </p:nvPr>
+        </p:nvSpPr>
+        <p:spPr/>
+        <p:txBody>
+          <a:bodyPr/>
+          <a:lstStyle/>
+          <a:p>
+            <a:endParaRPr lang="en-US"/>
+          </a:p>
+        </p:txBody>
+      </p:sp>
+      <p:pic>
+        <p:nvPicPr>
+          <p:cNvPr id="5" name="Content Placeholder 4" descr="A graph of a disease&#10;&#10;Description automatically generated">
+            <a:extLst>
+              <a:ext uri="{FF2B5EF4-FFF2-40B4-BE49-F238E27FC236}">
+                <a16:creationId xmlns:a16="http://schemas.microsoft.com/office/drawing/2014/main" id="{915EB611-E21E-A723-8524-386B047CE6EF}"/>
+              </a:ext>
+            </a:extLst>
+          </p:cNvPr>
+          <p:cNvPicPr>
+            <a:picLocks noGrp="1" noChangeAspect="1"/>
+          </p:cNvPicPr>
+          <p:nvPr>
+            <p:ph idx="1"/>
+          </p:nvPr>
+        </p:nvPicPr>
+        <p:blipFill>
+          <a:blip r:embed="rId2"/>
+          <a:stretch>
+            <a:fillRect/>
+          </a:stretch>
+        </p:blipFill>
+        <p:spPr>
+          <a:xfrm>
+            <a:off x="4691269" y="1931503"/>
+            <a:ext cx="4412973" cy="4412973"/>
+          </a:xfrm>
+        </p:spPr>
+      </p:pic>
+      <p:pic>
+        <p:nvPicPr>
+          <p:cNvPr id="7" name="Picture 6" descr="A graph of a survival curve&#10;&#10;Description automatically generated with medium confidence">
+            <a:extLst>
+              <a:ext uri="{FF2B5EF4-FFF2-40B4-BE49-F238E27FC236}">
+                <a16:creationId xmlns:a16="http://schemas.microsoft.com/office/drawing/2014/main" id="{68866361-314F-6178-2EEC-948BB7948C76}"/>
+              </a:ext>
+            </a:extLst>
+          </p:cNvPr>
+          <p:cNvPicPr>
+            <a:picLocks noChangeAspect="1"/>
+          </p:cNvPicPr>
+          <p:nvPr/>
+        </p:nvPicPr>
+        <p:blipFill>
+          <a:blip r:embed="rId3"/>
+          <a:stretch>
+            <a:fillRect/>
+          </a:stretch>
+        </p:blipFill>
+        <p:spPr>
+          <a:xfrm>
+            <a:off x="278296" y="1931504"/>
+            <a:ext cx="4412974" cy="4412974"/>
+          </a:xfrm>
+          <a:prstGeom prst="rect">
+            <a:avLst/>
+          </a:prstGeom>
+        </p:spPr>
+      </p:pic>
+    </p:spTree>
+    <p:extLst>
+      <p:ext uri="{BB962C8B-B14F-4D97-AF65-F5344CB8AC3E}">
+        <p14:creationId xmlns:p14="http://schemas.microsoft.com/office/powerpoint/2010/main" val="2497148198"/>
+      </p:ext>
+    </p:extLst>
+  </p:cSld>
+  <p:clrMapOvr>
+    <a:masterClrMapping/>
+  </p:clrMapOvr>
+</p:sld>
+</file>
+
+<file path=ppt/slides/slide35.xml><?xml version="1.0" encoding="utf-8"?>
+<p:sld xmlns:a="http://schemas.openxmlformats.org/drawingml/2006/main" xmlns:r="http://schemas.openxmlformats.org/officeDocument/2006/relationships" xmlns:p="http://schemas.openxmlformats.org/presentationml/2006/main">
+  <p:cSld>
+    <p:spTree>
+      <p:nvGrpSpPr>
+        <p:cNvPr id="1" name=""/>
+        <p:cNvGrpSpPr/>
+        <p:nvPr/>
+      </p:nvGrpSpPr>
+      <p:grpSpPr>
+        <a:xfrm>
+          <a:off x="0" y="0"/>
+          <a:ext cx="0" cy="0"/>
+          <a:chOff x="0" y="0"/>
+          <a:chExt cx="0" cy="0"/>
+        </a:xfrm>
+      </p:grpSpPr>
+      <p:sp>
+        <p:nvSpPr>
+          <p:cNvPr id="2" name="Title 1">
+            <a:extLst>
+              <a:ext uri="{FF2B5EF4-FFF2-40B4-BE49-F238E27FC236}">
+                <a16:creationId xmlns:a16="http://schemas.microsoft.com/office/drawing/2014/main" id="{31A9DD5C-FDD2-C504-F241-C5AFD6A1B30C}"/>
+              </a:ext>
+            </a:extLst>
+          </p:cNvPr>
+          <p:cNvSpPr>
+            <a:spLocks noGrp="1"/>
+          </p:cNvSpPr>
+          <p:nvPr>
+            <p:ph type="title"/>
+          </p:nvPr>
+        </p:nvSpPr>
+        <p:spPr/>
+        <p:txBody>
+          <a:bodyPr/>
+          <a:lstStyle/>
+          <a:p>
+            <a:endParaRPr lang="en-US"/>
+          </a:p>
+        </p:txBody>
+      </p:sp>
+      <p:pic>
+        <p:nvPicPr>
+          <p:cNvPr id="5" name="Content Placeholder 4" descr="A graph of a disease&#10;&#10;Description automatically generated">
+            <a:extLst>
+              <a:ext uri="{FF2B5EF4-FFF2-40B4-BE49-F238E27FC236}">
+                <a16:creationId xmlns:a16="http://schemas.microsoft.com/office/drawing/2014/main" id="{89F7E420-0E24-40B7-E89C-B74225068115}"/>
+              </a:ext>
+            </a:extLst>
+          </p:cNvPr>
+          <p:cNvPicPr>
+            <a:picLocks noGrp="1" noChangeAspect="1"/>
+          </p:cNvPicPr>
+          <p:nvPr>
+            <p:ph idx="1"/>
+          </p:nvPr>
+        </p:nvPicPr>
+        <p:blipFill>
+          <a:blip r:embed="rId2"/>
+          <a:stretch>
+            <a:fillRect/>
+          </a:stretch>
+        </p:blipFill>
+        <p:spPr>
+          <a:xfrm>
+            <a:off x="5234607" y="1904999"/>
+            <a:ext cx="4744279" cy="4744279"/>
+          </a:xfrm>
+        </p:spPr>
+      </p:pic>
+      <p:pic>
+        <p:nvPicPr>
+          <p:cNvPr id="7" name="Picture 6" descr="A graph of survival in a group&#10;&#10;Description automatically generated with medium confidence">
+            <a:extLst>
+              <a:ext uri="{FF2B5EF4-FFF2-40B4-BE49-F238E27FC236}">
+                <a16:creationId xmlns:a16="http://schemas.microsoft.com/office/drawing/2014/main" id="{33E249D6-C057-AFE1-A405-0F612378119B}"/>
+              </a:ext>
+            </a:extLst>
+          </p:cNvPr>
+          <p:cNvPicPr>
+            <a:picLocks noChangeAspect="1"/>
+          </p:cNvPicPr>
+          <p:nvPr/>
+        </p:nvPicPr>
+        <p:blipFill>
+          <a:blip r:embed="rId3"/>
+          <a:stretch>
+            <a:fillRect/>
+          </a:stretch>
+        </p:blipFill>
+        <p:spPr>
+          <a:xfrm>
+            <a:off x="490329" y="1904999"/>
+            <a:ext cx="4744279" cy="4744279"/>
+          </a:xfrm>
+          <a:prstGeom prst="rect">
+            <a:avLst/>
+          </a:prstGeom>
+        </p:spPr>
+      </p:pic>
+    </p:spTree>
+    <p:extLst>
+      <p:ext uri="{BB962C8B-B14F-4D97-AF65-F5344CB8AC3E}">
+        <p14:creationId xmlns:p14="http://schemas.microsoft.com/office/powerpoint/2010/main" val="4275122243"/>
+      </p:ext>
+    </p:extLst>
+  </p:cSld>
+  <p:clrMapOvr>
+    <a:masterClrMapping/>
+  </p:clrMapOvr>
+</p:sld>
+</file>
+
+<file path=ppt/slides/slide36.xml><?xml version="1.0" encoding="utf-8"?>
+<p:sld xmlns:a="http://schemas.openxmlformats.org/drawingml/2006/main" xmlns:r="http://schemas.openxmlformats.org/officeDocument/2006/relationships" xmlns:p="http://schemas.openxmlformats.org/presentationml/2006/main">
+  <p:cSld>
+    <p:spTree>
+      <p:nvGrpSpPr>
+        <p:cNvPr id="1" name=""/>
+        <p:cNvGrpSpPr/>
+        <p:nvPr/>
+      </p:nvGrpSpPr>
+      <p:grpSpPr>
+        <a:xfrm>
+          <a:off x="0" y="0"/>
+          <a:ext cx="0" cy="0"/>
+          <a:chOff x="0" y="0"/>
+          <a:chExt cx="0" cy="0"/>
+        </a:xfrm>
+      </p:grpSpPr>
+      <p:sp>
+        <p:nvSpPr>
+          <p:cNvPr id="2" name="Title 1">
+            <a:extLst>
+              <a:ext uri="{FF2B5EF4-FFF2-40B4-BE49-F238E27FC236}">
+                <a16:creationId xmlns:a16="http://schemas.microsoft.com/office/drawing/2014/main" id="{9CE02A67-1A96-784A-AFA3-EE03C3F6B77E}"/>
+              </a:ext>
+            </a:extLst>
+          </p:cNvPr>
+          <p:cNvSpPr>
+            <a:spLocks noGrp="1"/>
+          </p:cNvSpPr>
+          <p:nvPr>
+            <p:ph type="title"/>
+          </p:nvPr>
+        </p:nvSpPr>
+        <p:spPr/>
+        <p:txBody>
+          <a:bodyPr/>
+          <a:lstStyle/>
+          <a:p>
+            <a:endParaRPr lang="en-US"/>
+          </a:p>
+        </p:txBody>
+      </p:sp>
+      <p:pic>
+        <p:nvPicPr>
+          <p:cNvPr id="5" name="Content Placeholder 4" descr="A graph of a number of patients&#10;&#10;Description automatically generated with medium confidence">
+            <a:extLst>
+              <a:ext uri="{FF2B5EF4-FFF2-40B4-BE49-F238E27FC236}">
+                <a16:creationId xmlns:a16="http://schemas.microsoft.com/office/drawing/2014/main" id="{04BFB659-56B6-77DC-FD0D-8EC9EE4B1E3E}"/>
+              </a:ext>
+            </a:extLst>
+          </p:cNvPr>
+          <p:cNvPicPr>
+            <a:picLocks noGrp="1" noChangeAspect="1"/>
+          </p:cNvPicPr>
+          <p:nvPr>
+            <p:ph idx="1"/>
+          </p:nvPr>
+        </p:nvPicPr>
+        <p:blipFill>
+          <a:blip r:embed="rId2"/>
+          <a:stretch>
+            <a:fillRect/>
+          </a:stretch>
+        </p:blipFill>
+        <p:spPr>
+          <a:xfrm>
+            <a:off x="4890051" y="1904999"/>
+            <a:ext cx="4571999" cy="4571999"/>
+          </a:xfrm>
+        </p:spPr>
+      </p:pic>
+      <p:pic>
+        <p:nvPicPr>
+          <p:cNvPr id="7" name="Picture 6" descr="A graph of survival in a patient&#10;&#10;Description automatically generated with medium confidence">
+            <a:extLst>
+              <a:ext uri="{FF2B5EF4-FFF2-40B4-BE49-F238E27FC236}">
+                <a16:creationId xmlns:a16="http://schemas.microsoft.com/office/drawing/2014/main" id="{BDEF9531-E6DC-E266-C5D1-1FEB33A0CE48}"/>
+              </a:ext>
+            </a:extLst>
+          </p:cNvPr>
+          <p:cNvPicPr>
+            <a:picLocks noChangeAspect="1"/>
+          </p:cNvPicPr>
+          <p:nvPr/>
+        </p:nvPicPr>
+        <p:blipFill>
+          <a:blip r:embed="rId3"/>
+          <a:stretch>
+            <a:fillRect/>
+          </a:stretch>
+        </p:blipFill>
+        <p:spPr>
+          <a:xfrm>
+            <a:off x="318052" y="1905000"/>
+            <a:ext cx="4572000" cy="4572000"/>
+          </a:xfrm>
+          <a:prstGeom prst="rect">
+            <a:avLst/>
+          </a:prstGeom>
+        </p:spPr>
+      </p:pic>
+    </p:spTree>
+    <p:extLst>
+      <p:ext uri="{BB962C8B-B14F-4D97-AF65-F5344CB8AC3E}">
+        <p14:creationId xmlns:p14="http://schemas.microsoft.com/office/powerpoint/2010/main" val="4060901496"/>
+      </p:ext>
+    </p:extLst>
+  </p:cSld>
+  <p:clrMapOvr>
+    <a:masterClrMapping/>
+  </p:clrMapOvr>
+</p:sld>
+</file>
+
+<file path=ppt/slides/slide37.xml><?xml version="1.0" encoding="utf-8"?>
+<p:sld xmlns:a="http://schemas.openxmlformats.org/drawingml/2006/main" xmlns:r="http://schemas.openxmlformats.org/officeDocument/2006/relationships" xmlns:p="http://schemas.openxmlformats.org/presentationml/2006/main">
+  <p:cSld>
+    <p:spTree>
+      <p:nvGrpSpPr>
+        <p:cNvPr id="1" name=""/>
+        <p:cNvGrpSpPr/>
+        <p:nvPr/>
+      </p:nvGrpSpPr>
+      <p:grpSpPr>
+        <a:xfrm>
+          <a:off x="0" y="0"/>
+          <a:ext cx="0" cy="0"/>
+          <a:chOff x="0" y="0"/>
+          <a:chExt cx="0" cy="0"/>
+        </a:xfrm>
+      </p:grpSpPr>
+      <p:sp>
+        <p:nvSpPr>
+          <p:cNvPr id="2" name="Title 1">
+            <a:extLst>
+              <a:ext uri="{FF2B5EF4-FFF2-40B4-BE49-F238E27FC236}">
+                <a16:creationId xmlns:a16="http://schemas.microsoft.com/office/drawing/2014/main" id="{405A7F4B-E8B0-B10E-7E68-6178884363E1}"/>
+              </a:ext>
+            </a:extLst>
+          </p:cNvPr>
+          <p:cNvSpPr>
+            <a:spLocks noGrp="1"/>
+          </p:cNvSpPr>
+          <p:nvPr>
+            <p:ph type="title"/>
+          </p:nvPr>
+        </p:nvSpPr>
+        <p:spPr/>
+        <p:txBody>
+          <a:bodyPr/>
+          <a:lstStyle/>
+          <a:p>
+            <a:endParaRPr lang="en-US"/>
+          </a:p>
+        </p:txBody>
+      </p:sp>
+      <p:pic>
+        <p:nvPicPr>
+          <p:cNvPr id="5" name="Content Placeholder 4" descr="A graph of a number of patients&#10;&#10;Description automatically generated with medium confidence">
+            <a:extLst>
+              <a:ext uri="{FF2B5EF4-FFF2-40B4-BE49-F238E27FC236}">
+                <a16:creationId xmlns:a16="http://schemas.microsoft.com/office/drawing/2014/main" id="{41C77EC3-A840-521F-A9E5-E6CE9D7959D2}"/>
+              </a:ext>
+            </a:extLst>
+          </p:cNvPr>
+          <p:cNvPicPr>
+            <a:picLocks noGrp="1" noChangeAspect="1"/>
+          </p:cNvPicPr>
+          <p:nvPr>
+            <p:ph idx="1"/>
+          </p:nvPr>
+        </p:nvPicPr>
+        <p:blipFill>
+          <a:blip r:embed="rId2"/>
+          <a:stretch>
+            <a:fillRect/>
+          </a:stretch>
+        </p:blipFill>
+        <p:spPr>
+          <a:xfrm>
+            <a:off x="4996070" y="2011017"/>
+            <a:ext cx="4585252" cy="4585252"/>
+          </a:xfrm>
+        </p:spPr>
+      </p:pic>
+      <p:pic>
+        <p:nvPicPr>
+          <p:cNvPr id="7" name="Picture 6" descr="A graph of survival in a patient&#10;&#10;Description automatically generated with medium confidence">
+            <a:extLst>
+              <a:ext uri="{FF2B5EF4-FFF2-40B4-BE49-F238E27FC236}">
+                <a16:creationId xmlns:a16="http://schemas.microsoft.com/office/drawing/2014/main" id="{7F0DB23F-041E-AD37-949A-EDFA7FCE6EF5}"/>
+              </a:ext>
+            </a:extLst>
+          </p:cNvPr>
+          <p:cNvPicPr>
+            <a:picLocks noChangeAspect="1"/>
+          </p:cNvPicPr>
+          <p:nvPr/>
+        </p:nvPicPr>
+        <p:blipFill>
+          <a:blip r:embed="rId3"/>
+          <a:stretch>
+            <a:fillRect/>
+          </a:stretch>
+        </p:blipFill>
+        <p:spPr>
+          <a:xfrm>
+            <a:off x="410818" y="2011017"/>
+            <a:ext cx="4585252" cy="4585252"/>
+          </a:xfrm>
+          <a:prstGeom prst="rect">
+            <a:avLst/>
+          </a:prstGeom>
+        </p:spPr>
+      </p:pic>
+    </p:spTree>
+    <p:extLst>
+      <p:ext uri="{BB962C8B-B14F-4D97-AF65-F5344CB8AC3E}">
+        <p14:creationId xmlns:p14="http://schemas.microsoft.com/office/powerpoint/2010/main" val="3529263711"/>
+      </p:ext>
+    </p:extLst>
+  </p:cSld>
+  <p:clrMapOvr>
+    <a:masterClrMapping/>
+  </p:clrMapOvr>
+</p:sld>
+</file>
+
+<file path=ppt/slides/slide38.xml><?xml version="1.0" encoding="utf-8"?>
+<p:sld xmlns:a="http://schemas.openxmlformats.org/drawingml/2006/main" xmlns:r="http://schemas.openxmlformats.org/officeDocument/2006/relationships" xmlns:p="http://schemas.openxmlformats.org/presentationml/2006/main">
+  <p:cSld>
+    <p:spTree>
+      <p:nvGrpSpPr>
+        <p:cNvPr id="1" name=""/>
+        <p:cNvGrpSpPr/>
+        <p:nvPr/>
+      </p:nvGrpSpPr>
+      <p:grpSpPr>
+        <a:xfrm>
+          <a:off x="0" y="0"/>
+          <a:ext cx="0" cy="0"/>
+          <a:chOff x="0" y="0"/>
+          <a:chExt cx="0" cy="0"/>
+        </a:xfrm>
+      </p:grpSpPr>
+      <p:sp>
+        <p:nvSpPr>
+          <p:cNvPr id="2" name="Title 1">
+            <a:extLst>
+              <a:ext uri="{FF2B5EF4-FFF2-40B4-BE49-F238E27FC236}">
+                <a16:creationId xmlns:a16="http://schemas.microsoft.com/office/drawing/2014/main" id="{1E3B6CF4-0B4A-1FAB-40F2-29CDFCBE14DE}"/>
+              </a:ext>
+            </a:extLst>
+          </p:cNvPr>
+          <p:cNvSpPr>
+            <a:spLocks noGrp="1"/>
+          </p:cNvSpPr>
+          <p:nvPr>
+            <p:ph type="title"/>
+          </p:nvPr>
+        </p:nvSpPr>
+        <p:spPr/>
+        <p:txBody>
+          <a:bodyPr/>
+          <a:lstStyle/>
+          <a:p>
+            <a:endParaRPr lang="en-US"/>
+          </a:p>
+        </p:txBody>
+      </p:sp>
+      <p:pic>
+        <p:nvPicPr>
+          <p:cNvPr id="5" name="Content Placeholder 4" descr="A graph of a disease&#10;&#10;Description automatically generated">
+            <a:extLst>
+              <a:ext uri="{FF2B5EF4-FFF2-40B4-BE49-F238E27FC236}">
+                <a16:creationId xmlns:a16="http://schemas.microsoft.com/office/drawing/2014/main" id="{EBA73FEF-46FC-D9CF-4725-A1E93AC72D8A}"/>
+              </a:ext>
+            </a:extLst>
+          </p:cNvPr>
+          <p:cNvPicPr>
+            <a:picLocks noGrp="1" noChangeAspect="1"/>
+          </p:cNvPicPr>
+          <p:nvPr>
+            <p:ph idx="1"/>
+          </p:nvPr>
+        </p:nvPicPr>
+        <p:blipFill>
+          <a:blip r:embed="rId2"/>
+          <a:stretch>
+            <a:fillRect/>
+          </a:stretch>
+        </p:blipFill>
+        <p:spPr>
+          <a:xfrm>
+            <a:off x="5009321" y="1905000"/>
+            <a:ext cx="4770782" cy="4770782"/>
+          </a:xfrm>
+        </p:spPr>
+      </p:pic>
+      <p:pic>
+        <p:nvPicPr>
+          <p:cNvPr id="7" name="Picture 6" descr="A graph of survival in a patient&#10;&#10;Description automatically generated with medium confidence">
+            <a:extLst>
+              <a:ext uri="{FF2B5EF4-FFF2-40B4-BE49-F238E27FC236}">
+                <a16:creationId xmlns:a16="http://schemas.microsoft.com/office/drawing/2014/main" id="{C6DE7717-7C11-7FCD-3207-023D909294D6}"/>
+              </a:ext>
+            </a:extLst>
+          </p:cNvPr>
+          <p:cNvPicPr>
+            <a:picLocks noChangeAspect="1"/>
+          </p:cNvPicPr>
+          <p:nvPr/>
+        </p:nvPicPr>
+        <p:blipFill>
+          <a:blip r:embed="rId3"/>
+          <a:stretch>
+            <a:fillRect/>
+          </a:stretch>
+        </p:blipFill>
+        <p:spPr>
+          <a:xfrm>
+            <a:off x="278296" y="1905000"/>
+            <a:ext cx="4770782" cy="4770782"/>
+          </a:xfrm>
+          <a:prstGeom prst="rect">
+            <a:avLst/>
+          </a:prstGeom>
+        </p:spPr>
+      </p:pic>
+    </p:spTree>
+    <p:extLst>
+      <p:ext uri="{BB962C8B-B14F-4D97-AF65-F5344CB8AC3E}">
+        <p14:creationId xmlns:p14="http://schemas.microsoft.com/office/powerpoint/2010/main" val="3126496142"/>
+      </p:ext>
+    </p:extLst>
+  </p:cSld>
+  <p:clrMapOvr>
+    <a:masterClrMapping/>
+  </p:clrMapOvr>
+</p:sld>
+</file>
+
+<file path=ppt/slides/slide39.xml><?xml version="1.0" encoding="utf-8"?>
+<p:sld xmlns:a="http://schemas.openxmlformats.org/drawingml/2006/main" xmlns:r="http://schemas.openxmlformats.org/officeDocument/2006/relationships" xmlns:p="http://schemas.openxmlformats.org/presentationml/2006/main">
+  <p:cSld>
+    <p:spTree>
+      <p:nvGrpSpPr>
+        <p:cNvPr id="1" name=""/>
+        <p:cNvGrpSpPr/>
+        <p:nvPr/>
+      </p:nvGrpSpPr>
+      <p:grpSpPr>
+        <a:xfrm>
+          <a:off x="0" y="0"/>
+          <a:ext cx="0" cy="0"/>
+          <a:chOff x="0" y="0"/>
+          <a:chExt cx="0" cy="0"/>
+        </a:xfrm>
+      </p:grpSpPr>
+      <p:sp>
+        <p:nvSpPr>
+          <p:cNvPr id="2" name="Title 1">
+            <a:extLst>
+              <a:ext uri="{FF2B5EF4-FFF2-40B4-BE49-F238E27FC236}">
+                <a16:creationId xmlns:a16="http://schemas.microsoft.com/office/drawing/2014/main" id="{56D593F3-C411-33C3-CBE3-1754BD2975D7}"/>
+              </a:ext>
+            </a:extLst>
+          </p:cNvPr>
+          <p:cNvSpPr>
+            <a:spLocks noGrp="1"/>
+          </p:cNvSpPr>
+          <p:nvPr>
+            <p:ph type="title"/>
+          </p:nvPr>
+        </p:nvSpPr>
+        <p:spPr/>
+        <p:txBody>
+          <a:bodyPr/>
+          <a:lstStyle/>
+          <a:p>
+            <a:endParaRPr lang="en-US"/>
+          </a:p>
+        </p:txBody>
+      </p:sp>
+      <p:pic>
+        <p:nvPicPr>
+          <p:cNvPr id="5" name="Content Placeholder 4" descr="A graph of a number of patients&#10;&#10;Description automatically generated with medium confidence">
+            <a:extLst>
+              <a:ext uri="{FF2B5EF4-FFF2-40B4-BE49-F238E27FC236}">
+                <a16:creationId xmlns:a16="http://schemas.microsoft.com/office/drawing/2014/main" id="{DC6DFA55-62A6-09B8-8C27-DD1A187EE4BE}"/>
+              </a:ext>
+            </a:extLst>
+          </p:cNvPr>
+          <p:cNvPicPr>
+            <a:picLocks noGrp="1" noChangeAspect="1"/>
+          </p:cNvPicPr>
+          <p:nvPr>
+            <p:ph idx="1"/>
+          </p:nvPr>
+        </p:nvPicPr>
+        <p:blipFill>
+          <a:blip r:embed="rId2"/>
+          <a:stretch>
+            <a:fillRect/>
+          </a:stretch>
+        </p:blipFill>
+        <p:spPr>
+          <a:xfrm>
+            <a:off x="4850296" y="1905000"/>
+            <a:ext cx="4691270" cy="4691270"/>
+          </a:xfrm>
+        </p:spPr>
+      </p:pic>
+      <p:pic>
+        <p:nvPicPr>
+          <p:cNvPr id="7" name="Picture 6" descr="A graph of survival in a patient&#10;&#10;Description automatically generated with medium confidence">
+            <a:extLst>
+              <a:ext uri="{FF2B5EF4-FFF2-40B4-BE49-F238E27FC236}">
+                <a16:creationId xmlns:a16="http://schemas.microsoft.com/office/drawing/2014/main" id="{0819D856-857F-1D66-019D-9D650AD335EE}"/>
+              </a:ext>
+            </a:extLst>
+          </p:cNvPr>
+          <p:cNvPicPr>
+            <a:picLocks noChangeAspect="1"/>
+          </p:cNvPicPr>
+          <p:nvPr/>
+        </p:nvPicPr>
+        <p:blipFill>
+          <a:blip r:embed="rId3"/>
+          <a:stretch>
+            <a:fillRect/>
+          </a:stretch>
+        </p:blipFill>
+        <p:spPr>
+          <a:xfrm>
+            <a:off x="159026" y="1905000"/>
+            <a:ext cx="4691270" cy="4691270"/>
+          </a:xfrm>
+          <a:prstGeom prst="rect">
+            <a:avLst/>
+          </a:prstGeom>
+        </p:spPr>
+      </p:pic>
+    </p:spTree>
+    <p:extLst>
+      <p:ext uri="{BB962C8B-B14F-4D97-AF65-F5344CB8AC3E}">
+        <p14:creationId xmlns:p14="http://schemas.microsoft.com/office/powerpoint/2010/main" val="4016642203"/>
       </p:ext>
     </p:extLst>
   </p:cSld>
@@ -4873,7 +9466,7 @@
           <p:cNvPr id="2" name="Title 1">
             <a:extLst>
               <a:ext uri="{FF2B5EF4-FFF2-40B4-BE49-F238E27FC236}">
-                <a16:creationId xmlns:a16="http://schemas.microsoft.com/office/drawing/2014/main" id="{9ACDFD58-CB65-7318-4305-0E14CADB133E}"/>
+                <a16:creationId xmlns:a16="http://schemas.microsoft.com/office/drawing/2014/main" id="{FE10F92F-6457-070A-933D-0EB15E3FC6E6}"/>
               </a:ext>
             </a:extLst>
           </p:cNvPr>
@@ -4895,10 +9488,10 @@
       </p:sp>
       <p:pic>
         <p:nvPicPr>
-          <p:cNvPr id="5" name="Content Placeholder 4" descr="A graph of survival in a patient&#10;&#10;Description automatically generated with medium confidence">
-            <a:extLst>
-              <a:ext uri="{FF2B5EF4-FFF2-40B4-BE49-F238E27FC236}">
-                <a16:creationId xmlns:a16="http://schemas.microsoft.com/office/drawing/2014/main" id="{3326B373-285D-75B2-414B-4344D15B7495}"/>
+          <p:cNvPr id="5" name="Content Placeholder 4" descr="A graph of a number of patients&#10;&#10;Description automatically generated">
+            <a:extLst>
+              <a:ext uri="{FF2B5EF4-FFF2-40B4-BE49-F238E27FC236}">
+                <a16:creationId xmlns:a16="http://schemas.microsoft.com/office/drawing/2014/main" id="{28DC619E-5BD1-25B9-29E9-EE65F9458739}"/>
               </a:ext>
             </a:extLst>
           </p:cNvPr>
@@ -4917,17 +9510,17 @@
         </p:blipFill>
         <p:spPr>
           <a:xfrm>
-            <a:off x="350520" y="365125"/>
-            <a:ext cx="5946000" cy="5946000"/>
+            <a:off x="5212080" y="1690688"/>
+            <a:ext cx="4693920" cy="4693920"/>
           </a:xfrm>
         </p:spPr>
       </p:pic>
       <p:pic>
         <p:nvPicPr>
-          <p:cNvPr id="7" name="Picture 6" descr="A graph of survival in a patient&#10;&#10;Description automatically generated with medium confidence">
-            <a:extLst>
-              <a:ext uri="{FF2B5EF4-FFF2-40B4-BE49-F238E27FC236}">
-                <a16:creationId xmlns:a16="http://schemas.microsoft.com/office/drawing/2014/main" id="{2C53DA03-8C8C-2907-968F-FE933E4F6D1D}"/>
+          <p:cNvPr id="7" name="Picture 6" descr="A graph of a survival curve&#10;&#10;Description automatically generated with medium confidence">
+            <a:extLst>
+              <a:ext uri="{FF2B5EF4-FFF2-40B4-BE49-F238E27FC236}">
+                <a16:creationId xmlns:a16="http://schemas.microsoft.com/office/drawing/2014/main" id="{E758DCD4-F87E-32FD-58AA-2B178C208C75}"/>
               </a:ext>
             </a:extLst>
           </p:cNvPr>
@@ -4944,8 +9537,8 @@
         </p:blipFill>
         <p:spPr>
           <a:xfrm>
-            <a:off x="6246000" y="381000"/>
-            <a:ext cx="5946000" cy="5946000"/>
+            <a:off x="411480" y="1690688"/>
+            <a:ext cx="4693920" cy="4693920"/>
           </a:xfrm>
           <a:prstGeom prst="rect">
             <a:avLst/>
@@ -4955,7 +9548,235 @@
     </p:spTree>
     <p:extLst>
       <p:ext uri="{BB962C8B-B14F-4D97-AF65-F5344CB8AC3E}">
-        <p14:creationId xmlns:p14="http://schemas.microsoft.com/office/powerpoint/2010/main" val="94591275"/>
+        <p14:creationId xmlns:p14="http://schemas.microsoft.com/office/powerpoint/2010/main" val="3796237898"/>
+      </p:ext>
+    </p:extLst>
+  </p:cSld>
+  <p:clrMapOvr>
+    <a:masterClrMapping/>
+  </p:clrMapOvr>
+</p:sld>
+</file>
+
+<file path=ppt/slides/slide40.xml><?xml version="1.0" encoding="utf-8"?>
+<p:sld xmlns:a="http://schemas.openxmlformats.org/drawingml/2006/main" xmlns:r="http://schemas.openxmlformats.org/officeDocument/2006/relationships" xmlns:p="http://schemas.openxmlformats.org/presentationml/2006/main">
+  <p:cSld>
+    <p:spTree>
+      <p:nvGrpSpPr>
+        <p:cNvPr id="1" name=""/>
+        <p:cNvGrpSpPr/>
+        <p:nvPr/>
+      </p:nvGrpSpPr>
+      <p:grpSpPr>
+        <a:xfrm>
+          <a:off x="0" y="0"/>
+          <a:ext cx="0" cy="0"/>
+          <a:chOff x="0" y="0"/>
+          <a:chExt cx="0" cy="0"/>
+        </a:xfrm>
+      </p:grpSpPr>
+      <p:sp>
+        <p:nvSpPr>
+          <p:cNvPr id="2" name="Title 1">
+            <a:extLst>
+              <a:ext uri="{FF2B5EF4-FFF2-40B4-BE49-F238E27FC236}">
+                <a16:creationId xmlns:a16="http://schemas.microsoft.com/office/drawing/2014/main" id="{7FAF13F4-5C81-A530-5654-155F04DAB62E}"/>
+              </a:ext>
+            </a:extLst>
+          </p:cNvPr>
+          <p:cNvSpPr>
+            <a:spLocks noGrp="1"/>
+          </p:cNvSpPr>
+          <p:nvPr>
+            <p:ph type="title"/>
+          </p:nvPr>
+        </p:nvSpPr>
+        <p:spPr/>
+        <p:txBody>
+          <a:bodyPr/>
+          <a:lstStyle/>
+          <a:p>
+            <a:endParaRPr lang="en-US"/>
+          </a:p>
+        </p:txBody>
+      </p:sp>
+      <p:pic>
+        <p:nvPicPr>
+          <p:cNvPr id="5" name="Content Placeholder 4" descr="A graph of a number of patients&#10;&#10;Description automatically generated with medium confidence">
+            <a:extLst>
+              <a:ext uri="{FF2B5EF4-FFF2-40B4-BE49-F238E27FC236}">
+                <a16:creationId xmlns:a16="http://schemas.microsoft.com/office/drawing/2014/main" id="{FB3D00A1-538A-C73A-C408-1ED9C6F68846}"/>
+              </a:ext>
+            </a:extLst>
+          </p:cNvPr>
+          <p:cNvPicPr>
+            <a:picLocks noGrp="1" noChangeAspect="1"/>
+          </p:cNvPicPr>
+          <p:nvPr>
+            <p:ph idx="1"/>
+          </p:nvPr>
+        </p:nvPicPr>
+        <p:blipFill>
+          <a:blip r:embed="rId2"/>
+          <a:stretch>
+            <a:fillRect/>
+          </a:stretch>
+        </p:blipFill>
+        <p:spPr>
+          <a:xfrm>
+            <a:off x="4903303" y="1904999"/>
+            <a:ext cx="4704521" cy="4704521"/>
+          </a:xfrm>
+        </p:spPr>
+      </p:pic>
+      <p:pic>
+        <p:nvPicPr>
+          <p:cNvPr id="7" name="Picture 6" descr="A graph of survival in a patient&#10;&#10;Description automatically generated with medium confidence">
+            <a:extLst>
+              <a:ext uri="{FF2B5EF4-FFF2-40B4-BE49-F238E27FC236}">
+                <a16:creationId xmlns:a16="http://schemas.microsoft.com/office/drawing/2014/main" id="{A448E776-7BA7-EFBA-7A9C-259479C9058A}"/>
+              </a:ext>
+            </a:extLst>
+          </p:cNvPr>
+          <p:cNvPicPr>
+            <a:picLocks noChangeAspect="1"/>
+          </p:cNvPicPr>
+          <p:nvPr/>
+        </p:nvPicPr>
+        <p:blipFill>
+          <a:blip r:embed="rId3"/>
+          <a:stretch>
+            <a:fillRect/>
+          </a:stretch>
+        </p:blipFill>
+        <p:spPr>
+          <a:xfrm>
+            <a:off x="198782" y="1905000"/>
+            <a:ext cx="4704522" cy="4704522"/>
+          </a:xfrm>
+          <a:prstGeom prst="rect">
+            <a:avLst/>
+          </a:prstGeom>
+        </p:spPr>
+      </p:pic>
+    </p:spTree>
+    <p:extLst>
+      <p:ext uri="{BB962C8B-B14F-4D97-AF65-F5344CB8AC3E}">
+        <p14:creationId xmlns:p14="http://schemas.microsoft.com/office/powerpoint/2010/main" val="1822276020"/>
+      </p:ext>
+    </p:extLst>
+  </p:cSld>
+  <p:clrMapOvr>
+    <a:masterClrMapping/>
+  </p:clrMapOvr>
+</p:sld>
+</file>
+
+<file path=ppt/slides/slide41.xml><?xml version="1.0" encoding="utf-8"?>
+<p:sld xmlns:a="http://schemas.openxmlformats.org/drawingml/2006/main" xmlns:r="http://schemas.openxmlformats.org/officeDocument/2006/relationships" xmlns:p="http://schemas.openxmlformats.org/presentationml/2006/main">
+  <p:cSld>
+    <p:spTree>
+      <p:nvGrpSpPr>
+        <p:cNvPr id="1" name=""/>
+        <p:cNvGrpSpPr/>
+        <p:nvPr/>
+      </p:nvGrpSpPr>
+      <p:grpSpPr>
+        <a:xfrm>
+          <a:off x="0" y="0"/>
+          <a:ext cx="0" cy="0"/>
+          <a:chOff x="0" y="0"/>
+          <a:chExt cx="0" cy="0"/>
+        </a:xfrm>
+      </p:grpSpPr>
+      <p:sp>
+        <p:nvSpPr>
+          <p:cNvPr id="2" name="Title 1">
+            <a:extLst>
+              <a:ext uri="{FF2B5EF4-FFF2-40B4-BE49-F238E27FC236}">
+                <a16:creationId xmlns:a16="http://schemas.microsoft.com/office/drawing/2014/main" id="{870A1901-84DE-E898-9810-1FB6E81A8B2B}"/>
+              </a:ext>
+            </a:extLst>
+          </p:cNvPr>
+          <p:cNvSpPr>
+            <a:spLocks noGrp="1"/>
+          </p:cNvSpPr>
+          <p:nvPr>
+            <p:ph type="title"/>
+          </p:nvPr>
+        </p:nvSpPr>
+        <p:spPr/>
+        <p:txBody>
+          <a:bodyPr/>
+          <a:lstStyle/>
+          <a:p>
+            <a:endParaRPr lang="en-US"/>
+          </a:p>
+        </p:txBody>
+      </p:sp>
+      <p:pic>
+        <p:nvPicPr>
+          <p:cNvPr id="5" name="Content Placeholder 4" descr="A graph of a number of patients&#10;&#10;Description automatically generated with medium confidence">
+            <a:extLst>
+              <a:ext uri="{FF2B5EF4-FFF2-40B4-BE49-F238E27FC236}">
+                <a16:creationId xmlns:a16="http://schemas.microsoft.com/office/drawing/2014/main" id="{B9CED2C0-F5F1-3531-C418-DF70E9A209B2}"/>
+              </a:ext>
+            </a:extLst>
+          </p:cNvPr>
+          <p:cNvPicPr>
+            <a:picLocks noGrp="1" noChangeAspect="1"/>
+          </p:cNvPicPr>
+          <p:nvPr>
+            <p:ph idx="1"/>
+          </p:nvPr>
+        </p:nvPicPr>
+        <p:blipFill>
+          <a:blip r:embed="rId2"/>
+          <a:stretch>
+            <a:fillRect/>
+          </a:stretch>
+        </p:blipFill>
+        <p:spPr>
+          <a:xfrm>
+            <a:off x="5102086" y="1904999"/>
+            <a:ext cx="4691269" cy="4691269"/>
+          </a:xfrm>
+        </p:spPr>
+      </p:pic>
+      <p:pic>
+        <p:nvPicPr>
+          <p:cNvPr id="7" name="Picture 6" descr="A graph of survival in a patient&#10;&#10;Description automatically generated with medium confidence">
+            <a:extLst>
+              <a:ext uri="{FF2B5EF4-FFF2-40B4-BE49-F238E27FC236}">
+                <a16:creationId xmlns:a16="http://schemas.microsoft.com/office/drawing/2014/main" id="{16A51AC7-4A9A-207A-0902-810C8B919577}"/>
+              </a:ext>
+            </a:extLst>
+          </p:cNvPr>
+          <p:cNvPicPr>
+            <a:picLocks noChangeAspect="1"/>
+          </p:cNvPicPr>
+          <p:nvPr/>
+        </p:nvPicPr>
+        <p:blipFill>
+          <a:blip r:embed="rId3"/>
+          <a:stretch>
+            <a:fillRect/>
+          </a:stretch>
+        </p:blipFill>
+        <p:spPr>
+          <a:xfrm>
+            <a:off x="410817" y="1905000"/>
+            <a:ext cx="4691270" cy="4691270"/>
+          </a:xfrm>
+          <a:prstGeom prst="rect">
+            <a:avLst/>
+          </a:prstGeom>
+        </p:spPr>
+      </p:pic>
+    </p:spTree>
+    <p:extLst>
+      <p:ext uri="{BB962C8B-B14F-4D97-AF65-F5344CB8AC3E}">
+        <p14:creationId xmlns:p14="http://schemas.microsoft.com/office/powerpoint/2010/main" val="3047943341"/>
       </p:ext>
     </p:extLst>
   </p:cSld>
@@ -4987,7 +9808,7 @@
           <p:cNvPr id="2" name="Title 1">
             <a:extLst>
               <a:ext uri="{FF2B5EF4-FFF2-40B4-BE49-F238E27FC236}">
-                <a16:creationId xmlns:a16="http://schemas.microsoft.com/office/drawing/2014/main" id="{B0F7E641-18B9-5761-2AD1-00085A6FD505}"/>
+                <a16:creationId xmlns:a16="http://schemas.microsoft.com/office/drawing/2014/main" id="{1C001C34-4022-7518-6225-6DB5ABE44B40}"/>
               </a:ext>
             </a:extLst>
           </p:cNvPr>
@@ -4995,7 +9816,7 @@
             <a:spLocks noGrp="1"/>
           </p:cNvSpPr>
           <p:nvPr>
-            <p:ph type="ctrTitle"/>
+            <p:ph type="title"/>
           </p:nvPr>
         </p:nvSpPr>
         <p:spPr/>
@@ -5007,44 +9828,21 @@
           </a:p>
         </p:txBody>
       </p:sp>
-      <p:sp>
-        <p:nvSpPr>
-          <p:cNvPr id="3" name="Subtitle 2">
-            <a:extLst>
-              <a:ext uri="{FF2B5EF4-FFF2-40B4-BE49-F238E27FC236}">
-                <a16:creationId xmlns:a16="http://schemas.microsoft.com/office/drawing/2014/main" id="{782EE96E-FB8E-CB32-5DE1-81C94A77CC74}"/>
-              </a:ext>
-            </a:extLst>
-          </p:cNvPr>
-          <p:cNvSpPr>
-            <a:spLocks noGrp="1"/>
-          </p:cNvSpPr>
-          <p:nvPr>
-            <p:ph type="subTitle" idx="1"/>
-          </p:nvPr>
-        </p:nvSpPr>
-        <p:spPr/>
-        <p:txBody>
-          <a:bodyPr/>
-          <a:lstStyle/>
-          <a:p>
-            <a:endParaRPr lang="en-US"/>
-          </a:p>
-        </p:txBody>
-      </p:sp>
       <p:pic>
         <p:nvPicPr>
-          <p:cNvPr id="5" name="Picture 4" descr="A graph of a number of patients&#10;&#10;Description automatically generated with medium confidence">
-            <a:extLst>
-              <a:ext uri="{FF2B5EF4-FFF2-40B4-BE49-F238E27FC236}">
-                <a16:creationId xmlns:a16="http://schemas.microsoft.com/office/drawing/2014/main" id="{1E20696C-5B1F-8EA0-90B5-182F668E0D58}"/>
+          <p:cNvPr id="5" name="Content Placeholder 4" descr="A graph of a number of patients&#10;&#10;Description automatically generated with medium confidence">
+            <a:extLst>
+              <a:ext uri="{FF2B5EF4-FFF2-40B4-BE49-F238E27FC236}">
+                <a16:creationId xmlns:a16="http://schemas.microsoft.com/office/drawing/2014/main" id="{F428FEB9-1D64-5476-4947-ACBEB69772A1}"/>
               </a:ext>
             </a:extLst>
           </p:cNvPr>
           <p:cNvPicPr>
-            <a:picLocks noChangeAspect="1"/>
+            <a:picLocks noGrp="1" noChangeAspect="1"/>
           </p:cNvPicPr>
-          <p:nvPr/>
+          <p:nvPr>
+            <p:ph idx="1"/>
+          </p:nvPr>
         </p:nvPicPr>
         <p:blipFill>
           <a:blip r:embed="rId2"/>
@@ -5054,12 +9852,9 @@
         </p:blipFill>
         <p:spPr>
           <a:xfrm>
-            <a:off x="6096000" y="396240"/>
-            <a:ext cx="5794958" cy="5794958"/>
+            <a:off x="5516880" y="1905000"/>
+            <a:ext cx="4785360" cy="4785360"/>
           </a:xfrm>
-          <a:prstGeom prst="rect">
-            <a:avLst/>
-          </a:prstGeom>
         </p:spPr>
       </p:pic>
       <p:pic>
@@ -5067,7 +9862,7 @@
           <p:cNvPr id="7" name="Picture 6" descr="A graph of a survival curve&#10;&#10;Description automatically generated with medium confidence">
             <a:extLst>
               <a:ext uri="{FF2B5EF4-FFF2-40B4-BE49-F238E27FC236}">
-                <a16:creationId xmlns:a16="http://schemas.microsoft.com/office/drawing/2014/main" id="{67E280BA-7B93-FB18-469F-B5A22393B0B5}"/>
+                <a16:creationId xmlns:a16="http://schemas.microsoft.com/office/drawing/2014/main" id="{A1B32D1D-9F4D-82FD-8B4F-7F9EC1F7F26A}"/>
               </a:ext>
             </a:extLst>
           </p:cNvPr>
@@ -5084,8 +9879,8 @@
         </p:blipFill>
         <p:spPr>
           <a:xfrm>
-            <a:off x="301042" y="396240"/>
-            <a:ext cx="5794958" cy="5794958"/>
+            <a:off x="838200" y="1905000"/>
+            <a:ext cx="4678680" cy="4678680"/>
           </a:xfrm>
           <a:prstGeom prst="rect">
             <a:avLst/>
@@ -5095,7 +9890,7 @@
     </p:spTree>
     <p:extLst>
       <p:ext uri="{BB962C8B-B14F-4D97-AF65-F5344CB8AC3E}">
-        <p14:creationId xmlns:p14="http://schemas.microsoft.com/office/powerpoint/2010/main" val="1183995492"/>
+        <p14:creationId xmlns:p14="http://schemas.microsoft.com/office/powerpoint/2010/main" val="2869360240"/>
       </p:ext>
     </p:extLst>
   </p:cSld>
@@ -5127,7 +9922,7 @@
           <p:cNvPr id="2" name="Title 1">
             <a:extLst>
               <a:ext uri="{FF2B5EF4-FFF2-40B4-BE49-F238E27FC236}">
-                <a16:creationId xmlns:a16="http://schemas.microsoft.com/office/drawing/2014/main" id="{6FA51E77-49C1-7977-F587-D47614973B2C}"/>
+                <a16:creationId xmlns:a16="http://schemas.microsoft.com/office/drawing/2014/main" id="{2908F6F1-3DA6-7C2B-0378-9183FCF4568D}"/>
               </a:ext>
             </a:extLst>
           </p:cNvPr>
@@ -5149,19 +9944,17 @@
       </p:sp>
       <p:pic>
         <p:nvPicPr>
-          <p:cNvPr id="5" name="Content Placeholder 4" descr="A graph of a number of patients with cancer&#10;&#10;Description automatically generated with medium confidence">
-            <a:extLst>
-              <a:ext uri="{FF2B5EF4-FFF2-40B4-BE49-F238E27FC236}">
-                <a16:creationId xmlns:a16="http://schemas.microsoft.com/office/drawing/2014/main" id="{7F843DA2-0B7B-C676-D163-9E191F2D0DB1}"/>
+          <p:cNvPr id="9" name="Picture 8" descr="A graph of a number of patients&#10;&#10;Description automatically generated">
+            <a:extLst>
+              <a:ext uri="{FF2B5EF4-FFF2-40B4-BE49-F238E27FC236}">
+                <a16:creationId xmlns:a16="http://schemas.microsoft.com/office/drawing/2014/main" id="{AE2D4F65-0953-096C-7C0B-E0967D643A0F}"/>
               </a:ext>
             </a:extLst>
           </p:cNvPr>
           <p:cNvPicPr>
-            <a:picLocks noGrp="1" noChangeAspect="1"/>
+            <a:picLocks noChangeAspect="1"/>
           </p:cNvPicPr>
-          <p:nvPr>
-            <p:ph idx="1"/>
-          </p:nvPr>
+          <p:nvPr/>
         </p:nvPicPr>
         <p:blipFill>
           <a:blip r:embed="rId2"/>
@@ -5171,17 +9964,20 @@
         </p:blipFill>
         <p:spPr>
           <a:xfrm>
-            <a:off x="6096000" y="166688"/>
-            <a:ext cx="5958840" cy="5958840"/>
+            <a:off x="5364480" y="1905000"/>
+            <a:ext cx="4693920" cy="4693920"/>
           </a:xfrm>
+          <a:prstGeom prst="rect">
+            <a:avLst/>
+          </a:prstGeom>
         </p:spPr>
       </p:pic>
       <p:pic>
         <p:nvPicPr>
-          <p:cNvPr id="7" name="Picture 6" descr="A graph of a survival curve&#10;&#10;Description automatically generated">
-            <a:extLst>
-              <a:ext uri="{FF2B5EF4-FFF2-40B4-BE49-F238E27FC236}">
-                <a16:creationId xmlns:a16="http://schemas.microsoft.com/office/drawing/2014/main" id="{6FA637C0-E4FF-E5F6-D381-806E5C194259}"/>
+          <p:cNvPr id="11" name="Picture 10" descr="A graph of a survival curve&#10;&#10;Description automatically generated with medium confidence">
+            <a:extLst>
+              <a:ext uri="{FF2B5EF4-FFF2-40B4-BE49-F238E27FC236}">
+                <a16:creationId xmlns:a16="http://schemas.microsoft.com/office/drawing/2014/main" id="{99E1F9E9-4DED-F7E0-A1F3-2E1380302DF5}"/>
               </a:ext>
             </a:extLst>
           </p:cNvPr>
@@ -5198,8 +9994,8 @@
         </p:blipFill>
         <p:spPr>
           <a:xfrm>
-            <a:off x="121920" y="166688"/>
-            <a:ext cx="5958840" cy="5958840"/>
+            <a:off x="670560" y="1905000"/>
+            <a:ext cx="4693920" cy="4693920"/>
           </a:xfrm>
           <a:prstGeom prst="rect">
             <a:avLst/>
@@ -5209,7 +10005,7 @@
     </p:spTree>
     <p:extLst>
       <p:ext uri="{BB962C8B-B14F-4D97-AF65-F5344CB8AC3E}">
-        <p14:creationId xmlns:p14="http://schemas.microsoft.com/office/powerpoint/2010/main" val="1352556573"/>
+        <p14:creationId xmlns:p14="http://schemas.microsoft.com/office/powerpoint/2010/main" val="1996268460"/>
       </p:ext>
     </p:extLst>
   </p:cSld>
@@ -5241,7 +10037,7 @@
           <p:cNvPr id="2" name="Title 1">
             <a:extLst>
               <a:ext uri="{FF2B5EF4-FFF2-40B4-BE49-F238E27FC236}">
-                <a16:creationId xmlns:a16="http://schemas.microsoft.com/office/drawing/2014/main" id="{B69AA321-06AF-0771-6395-E88E55C3088F}"/>
+                <a16:creationId xmlns:a16="http://schemas.microsoft.com/office/drawing/2014/main" id="{1181AC6F-936B-57EC-D7AC-BB1FBEA2FA01}"/>
               </a:ext>
             </a:extLst>
           </p:cNvPr>
@@ -5263,10 +10059,10 @@
       </p:sp>
       <p:pic>
         <p:nvPicPr>
-          <p:cNvPr id="5" name="Content Placeholder 4" descr="A graph of a survival curve&#10;&#10;Description automatically generated with medium confidence">
-            <a:extLst>
-              <a:ext uri="{FF2B5EF4-FFF2-40B4-BE49-F238E27FC236}">
-                <a16:creationId xmlns:a16="http://schemas.microsoft.com/office/drawing/2014/main" id="{B2BACB46-DA65-1F62-498D-CCD3777818EF}"/>
+          <p:cNvPr id="5" name="Content Placeholder 4" descr="A graph of a number of patients&#10;&#10;Description automatically generated">
+            <a:extLst>
+              <a:ext uri="{FF2B5EF4-FFF2-40B4-BE49-F238E27FC236}">
+                <a16:creationId xmlns:a16="http://schemas.microsoft.com/office/drawing/2014/main" id="{AA57BBFC-E1CC-D23F-872F-5CD8AAE88EFB}"/>
               </a:ext>
             </a:extLst>
           </p:cNvPr>
@@ -5285,17 +10081,17 @@
         </p:blipFill>
         <p:spPr>
           <a:xfrm>
-            <a:off x="71400" y="365125"/>
-            <a:ext cx="5471795" cy="5471795"/>
+            <a:off x="5257800" y="1920557"/>
+            <a:ext cx="4632960" cy="4632960"/>
           </a:xfrm>
         </p:spPr>
       </p:pic>
       <p:pic>
         <p:nvPicPr>
-          <p:cNvPr id="7" name="Picture 6" descr="A graph of a number of patients&#10;&#10;Description automatically generated with medium confidence">
-            <a:extLst>
-              <a:ext uri="{FF2B5EF4-FFF2-40B4-BE49-F238E27FC236}">
-                <a16:creationId xmlns:a16="http://schemas.microsoft.com/office/drawing/2014/main" id="{827CF770-7ABF-8509-6B3F-9C67905B6C43}"/>
+          <p:cNvPr id="7" name="Picture 6" descr="A graph of a survival curve&#10;&#10;Description automatically generated with medium confidence">
+            <a:extLst>
+              <a:ext uri="{FF2B5EF4-FFF2-40B4-BE49-F238E27FC236}">
+                <a16:creationId xmlns:a16="http://schemas.microsoft.com/office/drawing/2014/main" id="{28861A0B-C14B-0FA3-60CF-B655E16F14C8}"/>
               </a:ext>
             </a:extLst>
           </p:cNvPr>
@@ -5312,8 +10108,8 @@
         </p:blipFill>
         <p:spPr>
           <a:xfrm>
-            <a:off x="5712600" y="365125"/>
-            <a:ext cx="5471795" cy="5471795"/>
+            <a:off x="624840" y="1905000"/>
+            <a:ext cx="4632960" cy="4632960"/>
           </a:xfrm>
           <a:prstGeom prst="rect">
             <a:avLst/>
@@ -5323,7 +10119,7 @@
     </p:spTree>
     <p:extLst>
       <p:ext uri="{BB962C8B-B14F-4D97-AF65-F5344CB8AC3E}">
-        <p14:creationId xmlns:p14="http://schemas.microsoft.com/office/powerpoint/2010/main" val="3887059275"/>
+        <p14:creationId xmlns:p14="http://schemas.microsoft.com/office/powerpoint/2010/main" val="1695597060"/>
       </p:ext>
     </p:extLst>
   </p:cSld>
@@ -5355,7 +10151,7 @@
           <p:cNvPr id="2" name="Title 1">
             <a:extLst>
               <a:ext uri="{FF2B5EF4-FFF2-40B4-BE49-F238E27FC236}">
-                <a16:creationId xmlns:a16="http://schemas.microsoft.com/office/drawing/2014/main" id="{20417C9F-7F5C-5A62-B7AE-8F8F1CCD2375}"/>
+                <a16:creationId xmlns:a16="http://schemas.microsoft.com/office/drawing/2014/main" id="{7180E6BB-8480-378C-4820-E024E3E0B149}"/>
               </a:ext>
             </a:extLst>
           </p:cNvPr>
@@ -5377,10 +10173,10 @@
       </p:sp>
       <p:pic>
         <p:nvPicPr>
-          <p:cNvPr id="5" name="Content Placeholder 4" descr="A graph of survival in a patient&#10;&#10;Description automatically generated with medium confidence">
-            <a:extLst>
-              <a:ext uri="{FF2B5EF4-FFF2-40B4-BE49-F238E27FC236}">
-                <a16:creationId xmlns:a16="http://schemas.microsoft.com/office/drawing/2014/main" id="{A6E9C102-C005-F158-6D90-018E97776831}"/>
+          <p:cNvPr id="5" name="Content Placeholder 4" descr="A graph of a number of patients&#10;&#10;Description automatically generated">
+            <a:extLst>
+              <a:ext uri="{FF2B5EF4-FFF2-40B4-BE49-F238E27FC236}">
+                <a16:creationId xmlns:a16="http://schemas.microsoft.com/office/drawing/2014/main" id="{AC0E8B89-9040-69EF-F821-FAEC50D20E58}"/>
               </a:ext>
             </a:extLst>
           </p:cNvPr>
@@ -5399,8 +10195,8 @@
         </p:blipFill>
         <p:spPr>
           <a:xfrm>
-            <a:off x="356939" y="297338"/>
-            <a:ext cx="5463381" cy="5463381"/>
+            <a:off x="5303520" y="1905000"/>
+            <a:ext cx="4693920" cy="4693920"/>
           </a:xfrm>
         </p:spPr>
       </p:pic>
@@ -5409,7 +10205,7 @@
           <p:cNvPr id="7" name="Picture 6" descr="A graph of survival in a patient&#10;&#10;Description automatically generated with medium confidence">
             <a:extLst>
               <a:ext uri="{FF2B5EF4-FFF2-40B4-BE49-F238E27FC236}">
-                <a16:creationId xmlns:a16="http://schemas.microsoft.com/office/drawing/2014/main" id="{C6CEAFF8-E193-34DC-D09D-9DA0CB6C6FEA}"/>
+                <a16:creationId xmlns:a16="http://schemas.microsoft.com/office/drawing/2014/main" id="{638A87A7-BF95-B36F-C38B-3994D976141F}"/>
               </a:ext>
             </a:extLst>
           </p:cNvPr>
@@ -5426,8 +10222,8 @@
         </p:blipFill>
         <p:spPr>
           <a:xfrm>
-            <a:off x="5971679" y="297338"/>
-            <a:ext cx="5463381" cy="5463381"/>
+            <a:off x="609600" y="1905000"/>
+            <a:ext cx="4693920" cy="4693920"/>
           </a:xfrm>
           <a:prstGeom prst="rect">
             <a:avLst/>
@@ -5437,7 +10233,7 @@
     </p:spTree>
     <p:extLst>
       <p:ext uri="{BB962C8B-B14F-4D97-AF65-F5344CB8AC3E}">
-        <p14:creationId xmlns:p14="http://schemas.microsoft.com/office/powerpoint/2010/main" val="3914420985"/>
+        <p14:creationId xmlns:p14="http://schemas.microsoft.com/office/powerpoint/2010/main" val="10659647"/>
       </p:ext>
     </p:extLst>
   </p:cSld>
@@ -5469,7 +10265,7 @@
           <p:cNvPr id="2" name="Title 1">
             <a:extLst>
               <a:ext uri="{FF2B5EF4-FFF2-40B4-BE49-F238E27FC236}">
-                <a16:creationId xmlns:a16="http://schemas.microsoft.com/office/drawing/2014/main" id="{5035D3EB-2E2C-569B-F726-A40C59F02EEA}"/>
+                <a16:creationId xmlns:a16="http://schemas.microsoft.com/office/drawing/2014/main" id="{B9D3F42F-D2F3-97FB-B6B5-79CE5B158E8F}"/>
               </a:ext>
             </a:extLst>
           </p:cNvPr>
@@ -5494,7 +10290,7 @@
           <p:cNvPr id="5" name="Content Placeholder 4" descr="A graph of a number of patients&#10;&#10;Description automatically generated with medium confidence">
             <a:extLst>
               <a:ext uri="{FF2B5EF4-FFF2-40B4-BE49-F238E27FC236}">
-                <a16:creationId xmlns:a16="http://schemas.microsoft.com/office/drawing/2014/main" id="{AF57E90A-D2F2-0C65-86DF-326A1A1C6E6C}"/>
+                <a16:creationId xmlns:a16="http://schemas.microsoft.com/office/drawing/2014/main" id="{5527B919-07E7-C30E-BE96-813BEFFB0A77}"/>
               </a:ext>
             </a:extLst>
           </p:cNvPr>
@@ -5513,17 +10309,17 @@
         </p:blipFill>
         <p:spPr>
           <a:xfrm>
-            <a:off x="219780" y="365125"/>
-            <a:ext cx="5739060" cy="5739060"/>
+            <a:off x="4953000" y="1905000"/>
+            <a:ext cx="4572000" cy="4572000"/>
           </a:xfrm>
         </p:spPr>
       </p:pic>
       <p:pic>
         <p:nvPicPr>
-          <p:cNvPr id="7" name="Picture 6" descr="A graph of a number of survival&#10;&#10;Description automatically generated with medium confidence">
-            <a:extLst>
-              <a:ext uri="{FF2B5EF4-FFF2-40B4-BE49-F238E27FC236}">
-                <a16:creationId xmlns:a16="http://schemas.microsoft.com/office/drawing/2014/main" id="{E96729B5-5F10-0621-B8FA-E214D92A2290}"/>
+          <p:cNvPr id="7" name="Picture 6" descr="A graph of a survival curve&#10;&#10;Description automatically generated with medium confidence">
+            <a:extLst>
+              <a:ext uri="{FF2B5EF4-FFF2-40B4-BE49-F238E27FC236}">
+                <a16:creationId xmlns:a16="http://schemas.microsoft.com/office/drawing/2014/main" id="{95ED389A-9A54-A256-DB0B-1A722A08E666}"/>
               </a:ext>
             </a:extLst>
           </p:cNvPr>
@@ -5540,8 +10336,8 @@
         </p:blipFill>
         <p:spPr>
           <a:xfrm>
-            <a:off x="5876222" y="365125"/>
-            <a:ext cx="5739060" cy="5739060"/>
+            <a:off x="381000" y="2011680"/>
+            <a:ext cx="4572000" cy="4572000"/>
           </a:xfrm>
           <a:prstGeom prst="rect">
             <a:avLst/>
@@ -5551,7 +10347,7 @@
     </p:spTree>
     <p:extLst>
       <p:ext uri="{BB962C8B-B14F-4D97-AF65-F5344CB8AC3E}">
-        <p14:creationId xmlns:p14="http://schemas.microsoft.com/office/powerpoint/2010/main" val="961157226"/>
+        <p14:creationId xmlns:p14="http://schemas.microsoft.com/office/powerpoint/2010/main" val="174279736"/>
       </p:ext>
     </p:extLst>
   </p:cSld>
